--- a/DNN.pptx
+++ b/DNN.pptx
@@ -221,7 +221,7 @@
           <a:p>
             <a:fld id="{CB38618C-CEE1-2040-9B04-1C64B6B94A3C}" type="datetimeFigureOut">
               <a:rPr kumimoji="1" lang="ja-JP" altLang="en-US" smtClean="0"/>
-              <a:t>2017/11/15</a:t>
+              <a:t>2018/12/13</a:t>
             </a:fld>
             <a:endParaRPr kumimoji="1" lang="ja-JP" altLang="en-US"/>
           </a:p>
@@ -386,7 +386,7 @@
           <a:p>
             <a:fld id="{A4FDACCA-7AB6-E845-BD3A-8281684189CD}" type="datetimeFigureOut">
               <a:rPr kumimoji="1" lang="ja-JP" altLang="en-US" smtClean="0"/>
-              <a:t>2017/11/15</a:t>
+              <a:t>2018/12/13</a:t>
             </a:fld>
             <a:endParaRPr kumimoji="1" lang="ja-JP" altLang="en-US"/>
           </a:p>
@@ -450,70 +450,69 @@
           <a:p>
             <a:pPr lvl="0"/>
             <a:r>
-              <a:rPr kumimoji="1" lang="ja-JP" altLang="en-US" smtClean="0"/>
+              <a:rPr kumimoji="1" lang="ja-JP" altLang="en-US"/>
               <a:t>マスター テキストの書式設定</a:t>
             </a:r>
           </a:p>
           <a:p>
             <a:pPr lvl="1"/>
             <a:r>
-              <a:rPr kumimoji="1" lang="ja-JP" altLang="en-US" smtClean="0"/>
+              <a:rPr kumimoji="1" lang="ja-JP" altLang="en-US"/>
               <a:t>第 </a:t>
             </a:r>
             <a:r>
-              <a:rPr kumimoji="1" lang="en-US" altLang="ja-JP" smtClean="0"/>
+              <a:rPr kumimoji="1" lang="en-US" altLang="ja-JP"/>
               <a:t>2 </a:t>
             </a:r>
             <a:r>
-              <a:rPr kumimoji="1" lang="ja-JP" altLang="en-US" smtClean="0"/>
+              <a:rPr kumimoji="1" lang="ja-JP" altLang="en-US"/>
               <a:t>レベル</a:t>
             </a:r>
           </a:p>
           <a:p>
             <a:pPr lvl="2"/>
             <a:r>
-              <a:rPr kumimoji="1" lang="ja-JP" altLang="en-US" smtClean="0"/>
+              <a:rPr kumimoji="1" lang="ja-JP" altLang="en-US"/>
               <a:t>第 </a:t>
             </a:r>
             <a:r>
-              <a:rPr kumimoji="1" lang="en-US" altLang="ja-JP" smtClean="0"/>
+              <a:rPr kumimoji="1" lang="en-US" altLang="ja-JP"/>
               <a:t>3 </a:t>
             </a:r>
             <a:r>
-              <a:rPr kumimoji="1" lang="ja-JP" altLang="en-US" smtClean="0"/>
+              <a:rPr kumimoji="1" lang="ja-JP" altLang="en-US"/>
               <a:t>レベル</a:t>
             </a:r>
           </a:p>
           <a:p>
             <a:pPr lvl="3"/>
             <a:r>
-              <a:rPr kumimoji="1" lang="ja-JP" altLang="en-US" smtClean="0"/>
+              <a:rPr kumimoji="1" lang="ja-JP" altLang="en-US"/>
               <a:t>第 </a:t>
             </a:r>
             <a:r>
-              <a:rPr kumimoji="1" lang="en-US" altLang="ja-JP" smtClean="0"/>
+              <a:rPr kumimoji="1" lang="en-US" altLang="ja-JP"/>
               <a:t>4 </a:t>
             </a:r>
             <a:r>
-              <a:rPr kumimoji="1" lang="ja-JP" altLang="en-US" smtClean="0"/>
+              <a:rPr kumimoji="1" lang="ja-JP" altLang="en-US"/>
               <a:t>レベル</a:t>
             </a:r>
           </a:p>
           <a:p>
             <a:pPr lvl="4"/>
             <a:r>
-              <a:rPr kumimoji="1" lang="ja-JP" altLang="en-US" smtClean="0"/>
+              <a:rPr kumimoji="1" lang="ja-JP" altLang="en-US"/>
               <a:t>第 </a:t>
             </a:r>
             <a:r>
-              <a:rPr kumimoji="1" lang="en-US" altLang="ja-JP" smtClean="0"/>
+              <a:rPr kumimoji="1" lang="en-US" altLang="ja-JP"/>
               <a:t>5 </a:t>
             </a:r>
             <a:r>
-              <a:rPr kumimoji="1" lang="ja-JP" altLang="en-US" smtClean="0"/>
+              <a:rPr kumimoji="1" lang="ja-JP" altLang="en-US"/>
               <a:t>レベル</a:t>
             </a:r>
-            <a:endParaRPr kumimoji="1" lang="ja-JP" altLang="en-US"/>
           </a:p>
         </p:txBody>
       </p:sp>
@@ -732,7 +731,7 @@
           </a:lstStyle>
           <a:p>
             <a:r>
-              <a:rPr lang="ja-JP" altLang="en-US" smtClean="0"/>
+              <a:rPr lang="ja-JP" altLang="en-US"/>
               <a:t>マスター タイトルの書式設定</a:t>
             </a:r>
             <a:endParaRPr lang="en-US" dirty="0"/>
@@ -801,7 +800,7 @@
           </a:lstStyle>
           <a:p>
             <a:r>
-              <a:rPr lang="ja-JP" altLang="en-US" smtClean="0"/>
+              <a:rPr lang="ja-JP" altLang="en-US"/>
               <a:t>マスター サブタイトルの書式設定</a:t>
             </a:r>
             <a:endParaRPr lang="en-US" dirty="0"/>
@@ -834,7 +833,7 @@
             <a:fld id="{A79A0EF7-9043-3344-A812-808247D2F1F8}" type="datetimeFigureOut">
               <a:rPr lang="ja-JP" altLang="en-US" smtClean="0"/>
               <a:pPr/>
-              <a:t>2017/11/15</a:t>
+              <a:t>2018/12/13</a:t>
             </a:fld>
             <a:endParaRPr lang="ja-JP" altLang="en-US"/>
           </a:p>
@@ -940,7 +939,7 @@
           <a:lstStyle/>
           <a:p>
             <a:r>
-              <a:rPr lang="ja-JP" altLang="en-US" smtClean="0"/>
+              <a:rPr lang="ja-JP" altLang="en-US"/>
               <a:t>マスター タイトルの書式設定</a:t>
             </a:r>
             <a:endParaRPr lang="en-US" dirty="0"/>
@@ -964,67 +963,67 @@
           <a:p>
             <a:pPr lvl="0"/>
             <a:r>
-              <a:rPr lang="ja-JP" altLang="en-US" smtClean="0"/>
+              <a:rPr lang="ja-JP" altLang="en-US"/>
               <a:t>マスター テキストの書式設定</a:t>
             </a:r>
           </a:p>
           <a:p>
             <a:pPr lvl="1"/>
             <a:r>
-              <a:rPr lang="ja-JP" altLang="en-US" smtClean="0"/>
+              <a:rPr lang="ja-JP" altLang="en-US"/>
               <a:t>第 </a:t>
             </a:r>
             <a:r>
-              <a:rPr lang="en-US" altLang="ja-JP" smtClean="0"/>
+              <a:rPr lang="en-US" altLang="ja-JP"/>
               <a:t>2 </a:t>
             </a:r>
             <a:r>
-              <a:rPr lang="ja-JP" altLang="en-US" smtClean="0"/>
+              <a:rPr lang="ja-JP" altLang="en-US"/>
               <a:t>レベル</a:t>
             </a:r>
           </a:p>
           <a:p>
             <a:pPr lvl="2"/>
             <a:r>
-              <a:rPr lang="ja-JP" altLang="en-US" smtClean="0"/>
+              <a:rPr lang="ja-JP" altLang="en-US"/>
               <a:t>第 </a:t>
             </a:r>
             <a:r>
-              <a:rPr lang="en-US" altLang="ja-JP" smtClean="0"/>
+              <a:rPr lang="en-US" altLang="ja-JP"/>
               <a:t>3 </a:t>
             </a:r>
             <a:r>
-              <a:rPr lang="ja-JP" altLang="en-US" smtClean="0"/>
+              <a:rPr lang="ja-JP" altLang="en-US"/>
               <a:t>レベル</a:t>
             </a:r>
           </a:p>
           <a:p>
             <a:pPr lvl="3"/>
             <a:r>
-              <a:rPr lang="ja-JP" altLang="en-US" smtClean="0"/>
+              <a:rPr lang="ja-JP" altLang="en-US"/>
               <a:t>第 </a:t>
             </a:r>
             <a:r>
-              <a:rPr lang="en-US" altLang="ja-JP" smtClean="0"/>
+              <a:rPr lang="en-US" altLang="ja-JP"/>
               <a:t>4 </a:t>
             </a:r>
             <a:r>
-              <a:rPr lang="ja-JP" altLang="en-US" smtClean="0"/>
+              <a:rPr lang="ja-JP" altLang="en-US"/>
               <a:t>レベル</a:t>
             </a:r>
           </a:p>
           <a:p>
             <a:pPr lvl="4"/>
             <a:r>
-              <a:rPr lang="ja-JP" altLang="en-US" smtClean="0"/>
+              <a:rPr lang="ja-JP" altLang="en-US"/>
               <a:t>第 </a:t>
             </a:r>
             <a:r>
-              <a:rPr lang="en-US" altLang="ja-JP" smtClean="0"/>
+              <a:rPr lang="en-US" altLang="ja-JP"/>
               <a:t>5 </a:t>
             </a:r>
             <a:r>
-              <a:rPr lang="ja-JP" altLang="en-US" smtClean="0"/>
+              <a:rPr lang="ja-JP" altLang="en-US"/>
               <a:t>レベル</a:t>
             </a:r>
             <a:endParaRPr lang="en-US" dirty="0"/>
@@ -1048,7 +1047,7 @@
           <a:p>
             <a:fld id="{A79A0EF7-9043-3344-A812-808247D2F1F8}" type="datetimeFigureOut">
               <a:rPr kumimoji="1" lang="ja-JP" altLang="en-US" smtClean="0"/>
-              <a:t>2017/11/15</a:t>
+              <a:t>2018/12/13</a:t>
             </a:fld>
             <a:endParaRPr kumimoji="1" lang="ja-JP" altLang="en-US"/>
           </a:p>
@@ -1142,7 +1141,7 @@
           <a:lstStyle/>
           <a:p>
             <a:r>
-              <a:rPr lang="ja-JP" altLang="en-US" smtClean="0"/>
+              <a:rPr lang="ja-JP" altLang="en-US"/>
               <a:t>マスター タイトルの書式設定</a:t>
             </a:r>
             <a:endParaRPr lang="en-US" dirty="0"/>
@@ -1171,67 +1170,67 @@
           <a:p>
             <a:pPr lvl="0"/>
             <a:r>
-              <a:rPr lang="ja-JP" altLang="en-US" smtClean="0"/>
+              <a:rPr lang="ja-JP" altLang="en-US"/>
               <a:t>マスター テキストの書式設定</a:t>
             </a:r>
           </a:p>
           <a:p>
             <a:pPr lvl="1"/>
             <a:r>
-              <a:rPr lang="ja-JP" altLang="en-US" smtClean="0"/>
+              <a:rPr lang="ja-JP" altLang="en-US"/>
               <a:t>第 </a:t>
             </a:r>
             <a:r>
-              <a:rPr lang="en-US" altLang="ja-JP" smtClean="0"/>
+              <a:rPr lang="en-US" altLang="ja-JP"/>
               <a:t>2 </a:t>
             </a:r>
             <a:r>
-              <a:rPr lang="ja-JP" altLang="en-US" smtClean="0"/>
+              <a:rPr lang="ja-JP" altLang="en-US"/>
               <a:t>レベル</a:t>
             </a:r>
           </a:p>
           <a:p>
             <a:pPr lvl="2"/>
             <a:r>
-              <a:rPr lang="ja-JP" altLang="en-US" smtClean="0"/>
+              <a:rPr lang="ja-JP" altLang="en-US"/>
               <a:t>第 </a:t>
             </a:r>
             <a:r>
-              <a:rPr lang="en-US" altLang="ja-JP" smtClean="0"/>
+              <a:rPr lang="en-US" altLang="ja-JP"/>
               <a:t>3 </a:t>
             </a:r>
             <a:r>
-              <a:rPr lang="ja-JP" altLang="en-US" smtClean="0"/>
+              <a:rPr lang="ja-JP" altLang="en-US"/>
               <a:t>レベル</a:t>
             </a:r>
           </a:p>
           <a:p>
             <a:pPr lvl="3"/>
             <a:r>
-              <a:rPr lang="ja-JP" altLang="en-US" smtClean="0"/>
+              <a:rPr lang="ja-JP" altLang="en-US"/>
               <a:t>第 </a:t>
             </a:r>
             <a:r>
-              <a:rPr lang="en-US" altLang="ja-JP" smtClean="0"/>
+              <a:rPr lang="en-US" altLang="ja-JP"/>
               <a:t>4 </a:t>
             </a:r>
             <a:r>
-              <a:rPr lang="ja-JP" altLang="en-US" smtClean="0"/>
+              <a:rPr lang="ja-JP" altLang="en-US"/>
               <a:t>レベル</a:t>
             </a:r>
           </a:p>
           <a:p>
             <a:pPr lvl="4"/>
             <a:r>
-              <a:rPr lang="ja-JP" altLang="en-US" smtClean="0"/>
+              <a:rPr lang="ja-JP" altLang="en-US"/>
               <a:t>第 </a:t>
             </a:r>
             <a:r>
-              <a:rPr lang="en-US" altLang="ja-JP" smtClean="0"/>
+              <a:rPr lang="en-US" altLang="ja-JP"/>
               <a:t>5 </a:t>
             </a:r>
             <a:r>
-              <a:rPr lang="ja-JP" altLang="en-US" smtClean="0"/>
+              <a:rPr lang="ja-JP" altLang="en-US"/>
               <a:t>レベル</a:t>
             </a:r>
             <a:endParaRPr lang="en-US" dirty="0"/>
@@ -1255,7 +1254,7 @@
           <a:p>
             <a:fld id="{A79A0EF7-9043-3344-A812-808247D2F1F8}" type="datetimeFigureOut">
               <a:rPr kumimoji="1" lang="ja-JP" altLang="en-US" smtClean="0"/>
-              <a:t>2017/11/15</a:t>
+              <a:t>2018/12/13</a:t>
             </a:fld>
             <a:endParaRPr kumimoji="1" lang="ja-JP" altLang="en-US"/>
           </a:p>
@@ -1352,7 +1351,7 @@
           </a:lstStyle>
           <a:p>
             <a:r>
-              <a:rPr lang="ja-JP" altLang="en-US" smtClean="0"/>
+              <a:rPr lang="ja-JP" altLang="en-US"/>
               <a:t>マスター タイトルの書式設定</a:t>
             </a:r>
             <a:endParaRPr lang="en-US" dirty="0"/>
@@ -1412,67 +1411,67 @@
           <a:p>
             <a:pPr lvl="0"/>
             <a:r>
-              <a:rPr lang="ja-JP" altLang="en-US" smtClean="0"/>
+              <a:rPr lang="ja-JP" altLang="en-US"/>
               <a:t>マスター テキストの書式設定</a:t>
             </a:r>
           </a:p>
           <a:p>
             <a:pPr lvl="1"/>
             <a:r>
-              <a:rPr lang="ja-JP" altLang="en-US" smtClean="0"/>
+              <a:rPr lang="ja-JP" altLang="en-US"/>
               <a:t>第 </a:t>
             </a:r>
             <a:r>
-              <a:rPr lang="en-US" altLang="ja-JP" smtClean="0"/>
+              <a:rPr lang="en-US" altLang="ja-JP"/>
               <a:t>2 </a:t>
             </a:r>
             <a:r>
-              <a:rPr lang="ja-JP" altLang="en-US" smtClean="0"/>
+              <a:rPr lang="ja-JP" altLang="en-US"/>
               <a:t>レベル</a:t>
             </a:r>
           </a:p>
           <a:p>
             <a:pPr lvl="2"/>
             <a:r>
-              <a:rPr lang="ja-JP" altLang="en-US" smtClean="0"/>
+              <a:rPr lang="ja-JP" altLang="en-US"/>
               <a:t>第 </a:t>
             </a:r>
             <a:r>
-              <a:rPr lang="en-US" altLang="ja-JP" smtClean="0"/>
+              <a:rPr lang="en-US" altLang="ja-JP"/>
               <a:t>3 </a:t>
             </a:r>
             <a:r>
-              <a:rPr lang="ja-JP" altLang="en-US" smtClean="0"/>
+              <a:rPr lang="ja-JP" altLang="en-US"/>
               <a:t>レベル</a:t>
             </a:r>
           </a:p>
           <a:p>
             <a:pPr lvl="3"/>
             <a:r>
-              <a:rPr lang="ja-JP" altLang="en-US" smtClean="0"/>
+              <a:rPr lang="ja-JP" altLang="en-US"/>
               <a:t>第 </a:t>
             </a:r>
             <a:r>
-              <a:rPr lang="en-US" altLang="ja-JP" smtClean="0"/>
+              <a:rPr lang="en-US" altLang="ja-JP"/>
               <a:t>4 </a:t>
             </a:r>
             <a:r>
-              <a:rPr lang="ja-JP" altLang="en-US" smtClean="0"/>
+              <a:rPr lang="ja-JP" altLang="en-US"/>
               <a:t>レベル</a:t>
             </a:r>
           </a:p>
           <a:p>
             <a:pPr lvl="4"/>
             <a:r>
-              <a:rPr lang="ja-JP" altLang="en-US" smtClean="0"/>
+              <a:rPr lang="ja-JP" altLang="en-US"/>
               <a:t>第 </a:t>
             </a:r>
             <a:r>
-              <a:rPr lang="en-US" altLang="ja-JP" smtClean="0"/>
+              <a:rPr lang="en-US" altLang="ja-JP"/>
               <a:t>5 </a:t>
             </a:r>
             <a:r>
-              <a:rPr lang="ja-JP" altLang="en-US" smtClean="0"/>
+              <a:rPr lang="ja-JP" altLang="en-US"/>
               <a:t>レベル</a:t>
             </a:r>
             <a:endParaRPr lang="en-US" dirty="0"/>
@@ -1505,7 +1504,7 @@
             <a:fld id="{A79A0EF7-9043-3344-A812-808247D2F1F8}" type="datetimeFigureOut">
               <a:rPr lang="ja-JP" altLang="en-US" smtClean="0"/>
               <a:pPr/>
-              <a:t>2017/11/15</a:t>
+              <a:t>2018/12/13</a:t>
             </a:fld>
             <a:endParaRPr lang="ja-JP" altLang="en-US"/>
           </a:p>
@@ -1620,7 +1619,7 @@
           </a:lstStyle>
           <a:p>
             <a:r>
-              <a:rPr lang="ja-JP" altLang="en-US" smtClean="0"/>
+              <a:rPr lang="ja-JP" altLang="en-US"/>
               <a:t>マスター タイトルの書式設定</a:t>
             </a:r>
             <a:endParaRPr lang="en-US" dirty="0"/>
@@ -1738,7 +1737,7 @@
           <a:p>
             <a:pPr lvl="0"/>
             <a:r>
-              <a:rPr lang="ja-JP" altLang="en-US" smtClean="0"/>
+              <a:rPr lang="ja-JP" altLang="en-US"/>
               <a:t>マスター テキストの書式設定</a:t>
             </a:r>
           </a:p>
@@ -1761,7 +1760,7 @@
           <a:p>
             <a:fld id="{A79A0EF7-9043-3344-A812-808247D2F1F8}" type="datetimeFigureOut">
               <a:rPr kumimoji="1" lang="ja-JP" altLang="en-US" smtClean="0"/>
-              <a:t>2017/11/15</a:t>
+              <a:t>2018/12/13</a:t>
             </a:fld>
             <a:endParaRPr kumimoji="1" lang="ja-JP" altLang="en-US"/>
           </a:p>
@@ -1850,7 +1849,7 @@
           <a:lstStyle/>
           <a:p>
             <a:r>
-              <a:rPr lang="ja-JP" altLang="en-US" smtClean="0"/>
+              <a:rPr lang="ja-JP" altLang="en-US"/>
               <a:t>マスター タイトルの書式設定</a:t>
             </a:r>
             <a:endParaRPr lang="en-US" dirty="0"/>
@@ -1879,67 +1878,67 @@
           <a:p>
             <a:pPr lvl="0"/>
             <a:r>
-              <a:rPr lang="ja-JP" altLang="en-US" smtClean="0"/>
+              <a:rPr lang="ja-JP" altLang="en-US"/>
               <a:t>マスター テキストの書式設定</a:t>
             </a:r>
           </a:p>
           <a:p>
             <a:pPr lvl="1"/>
             <a:r>
-              <a:rPr lang="ja-JP" altLang="en-US" smtClean="0"/>
+              <a:rPr lang="ja-JP" altLang="en-US"/>
               <a:t>第 </a:t>
             </a:r>
             <a:r>
-              <a:rPr lang="en-US" altLang="ja-JP" smtClean="0"/>
+              <a:rPr lang="en-US" altLang="ja-JP"/>
               <a:t>2 </a:t>
             </a:r>
             <a:r>
-              <a:rPr lang="ja-JP" altLang="en-US" smtClean="0"/>
+              <a:rPr lang="ja-JP" altLang="en-US"/>
               <a:t>レベル</a:t>
             </a:r>
           </a:p>
           <a:p>
             <a:pPr lvl="2"/>
             <a:r>
-              <a:rPr lang="ja-JP" altLang="en-US" smtClean="0"/>
+              <a:rPr lang="ja-JP" altLang="en-US"/>
               <a:t>第 </a:t>
             </a:r>
             <a:r>
-              <a:rPr lang="en-US" altLang="ja-JP" smtClean="0"/>
+              <a:rPr lang="en-US" altLang="ja-JP"/>
               <a:t>3 </a:t>
             </a:r>
             <a:r>
-              <a:rPr lang="ja-JP" altLang="en-US" smtClean="0"/>
+              <a:rPr lang="ja-JP" altLang="en-US"/>
               <a:t>レベル</a:t>
             </a:r>
           </a:p>
           <a:p>
             <a:pPr lvl="3"/>
             <a:r>
-              <a:rPr lang="ja-JP" altLang="en-US" smtClean="0"/>
+              <a:rPr lang="ja-JP" altLang="en-US"/>
               <a:t>第 </a:t>
             </a:r>
             <a:r>
-              <a:rPr lang="en-US" altLang="ja-JP" smtClean="0"/>
+              <a:rPr lang="en-US" altLang="ja-JP"/>
               <a:t>4 </a:t>
             </a:r>
             <a:r>
-              <a:rPr lang="ja-JP" altLang="en-US" smtClean="0"/>
+              <a:rPr lang="ja-JP" altLang="en-US"/>
               <a:t>レベル</a:t>
             </a:r>
           </a:p>
           <a:p>
             <a:pPr lvl="4"/>
             <a:r>
-              <a:rPr lang="ja-JP" altLang="en-US" smtClean="0"/>
+              <a:rPr lang="ja-JP" altLang="en-US"/>
               <a:t>第 </a:t>
             </a:r>
             <a:r>
-              <a:rPr lang="en-US" altLang="ja-JP" smtClean="0"/>
+              <a:rPr lang="en-US" altLang="ja-JP"/>
               <a:t>5 </a:t>
             </a:r>
             <a:r>
-              <a:rPr lang="ja-JP" altLang="en-US" smtClean="0"/>
+              <a:rPr lang="ja-JP" altLang="en-US"/>
               <a:t>レベル</a:t>
             </a:r>
             <a:endParaRPr lang="en-US" dirty="0"/>
@@ -1968,67 +1967,67 @@
           <a:p>
             <a:pPr lvl="0"/>
             <a:r>
-              <a:rPr lang="ja-JP" altLang="en-US" smtClean="0"/>
+              <a:rPr lang="ja-JP" altLang="en-US"/>
               <a:t>マスター テキストの書式設定</a:t>
             </a:r>
           </a:p>
           <a:p>
             <a:pPr lvl="1"/>
             <a:r>
-              <a:rPr lang="ja-JP" altLang="en-US" smtClean="0"/>
+              <a:rPr lang="ja-JP" altLang="en-US"/>
               <a:t>第 </a:t>
             </a:r>
             <a:r>
-              <a:rPr lang="en-US" altLang="ja-JP" smtClean="0"/>
+              <a:rPr lang="en-US" altLang="ja-JP"/>
               <a:t>2 </a:t>
             </a:r>
             <a:r>
-              <a:rPr lang="ja-JP" altLang="en-US" smtClean="0"/>
+              <a:rPr lang="ja-JP" altLang="en-US"/>
               <a:t>レベル</a:t>
             </a:r>
           </a:p>
           <a:p>
             <a:pPr lvl="2"/>
             <a:r>
-              <a:rPr lang="ja-JP" altLang="en-US" smtClean="0"/>
+              <a:rPr lang="ja-JP" altLang="en-US"/>
               <a:t>第 </a:t>
             </a:r>
             <a:r>
-              <a:rPr lang="en-US" altLang="ja-JP" smtClean="0"/>
+              <a:rPr lang="en-US" altLang="ja-JP"/>
               <a:t>3 </a:t>
             </a:r>
             <a:r>
-              <a:rPr lang="ja-JP" altLang="en-US" smtClean="0"/>
+              <a:rPr lang="ja-JP" altLang="en-US"/>
               <a:t>レベル</a:t>
             </a:r>
           </a:p>
           <a:p>
             <a:pPr lvl="3"/>
             <a:r>
-              <a:rPr lang="ja-JP" altLang="en-US" smtClean="0"/>
+              <a:rPr lang="ja-JP" altLang="en-US"/>
               <a:t>第 </a:t>
             </a:r>
             <a:r>
-              <a:rPr lang="en-US" altLang="ja-JP" smtClean="0"/>
+              <a:rPr lang="en-US" altLang="ja-JP"/>
               <a:t>4 </a:t>
             </a:r>
             <a:r>
-              <a:rPr lang="ja-JP" altLang="en-US" smtClean="0"/>
+              <a:rPr lang="ja-JP" altLang="en-US"/>
               <a:t>レベル</a:t>
             </a:r>
           </a:p>
           <a:p>
             <a:pPr lvl="4"/>
             <a:r>
-              <a:rPr lang="ja-JP" altLang="en-US" smtClean="0"/>
+              <a:rPr lang="ja-JP" altLang="en-US"/>
               <a:t>第 </a:t>
             </a:r>
             <a:r>
-              <a:rPr lang="en-US" altLang="ja-JP" smtClean="0"/>
+              <a:rPr lang="en-US" altLang="ja-JP"/>
               <a:t>5 </a:t>
             </a:r>
             <a:r>
-              <a:rPr lang="ja-JP" altLang="en-US" smtClean="0"/>
+              <a:rPr lang="ja-JP" altLang="en-US"/>
               <a:t>レベル</a:t>
             </a:r>
             <a:endParaRPr lang="en-US" dirty="0"/>
@@ -2052,7 +2051,7 @@
           <a:p>
             <a:fld id="{A79A0EF7-9043-3344-A812-808247D2F1F8}" type="datetimeFigureOut">
               <a:rPr kumimoji="1" lang="ja-JP" altLang="en-US" smtClean="0"/>
-              <a:t>2017/11/15</a:t>
+              <a:t>2018/12/13</a:t>
             </a:fld>
             <a:endParaRPr kumimoji="1" lang="ja-JP" altLang="en-US"/>
           </a:p>
@@ -2146,7 +2145,7 @@
           <a:lstStyle/>
           <a:p>
             <a:r>
-              <a:rPr lang="ja-JP" altLang="en-US" smtClean="0"/>
+              <a:rPr lang="ja-JP" altLang="en-US"/>
               <a:t>マスター タイトルの書式設定</a:t>
             </a:r>
             <a:endParaRPr lang="en-US" dirty="0"/>
@@ -2212,7 +2211,7 @@
           <a:p>
             <a:pPr lvl="0"/>
             <a:r>
-              <a:rPr lang="ja-JP" altLang="en-US" smtClean="0"/>
+              <a:rPr lang="ja-JP" altLang="en-US"/>
               <a:t>マスター テキストの書式設定</a:t>
             </a:r>
           </a:p>
@@ -2240,67 +2239,67 @@
           <a:p>
             <a:pPr lvl="0"/>
             <a:r>
-              <a:rPr lang="ja-JP" altLang="en-US" smtClean="0"/>
+              <a:rPr lang="ja-JP" altLang="en-US"/>
               <a:t>マスター テキストの書式設定</a:t>
             </a:r>
           </a:p>
           <a:p>
             <a:pPr lvl="1"/>
             <a:r>
-              <a:rPr lang="ja-JP" altLang="en-US" smtClean="0"/>
+              <a:rPr lang="ja-JP" altLang="en-US"/>
               <a:t>第 </a:t>
             </a:r>
             <a:r>
-              <a:rPr lang="en-US" altLang="ja-JP" smtClean="0"/>
+              <a:rPr lang="en-US" altLang="ja-JP"/>
               <a:t>2 </a:t>
             </a:r>
             <a:r>
-              <a:rPr lang="ja-JP" altLang="en-US" smtClean="0"/>
+              <a:rPr lang="ja-JP" altLang="en-US"/>
               <a:t>レベル</a:t>
             </a:r>
           </a:p>
           <a:p>
             <a:pPr lvl="2"/>
             <a:r>
-              <a:rPr lang="ja-JP" altLang="en-US" smtClean="0"/>
+              <a:rPr lang="ja-JP" altLang="en-US"/>
               <a:t>第 </a:t>
             </a:r>
             <a:r>
-              <a:rPr lang="en-US" altLang="ja-JP" smtClean="0"/>
+              <a:rPr lang="en-US" altLang="ja-JP"/>
               <a:t>3 </a:t>
             </a:r>
             <a:r>
-              <a:rPr lang="ja-JP" altLang="en-US" smtClean="0"/>
+              <a:rPr lang="ja-JP" altLang="en-US"/>
               <a:t>レベル</a:t>
             </a:r>
           </a:p>
           <a:p>
             <a:pPr lvl="3"/>
             <a:r>
-              <a:rPr lang="ja-JP" altLang="en-US" smtClean="0"/>
+              <a:rPr lang="ja-JP" altLang="en-US"/>
               <a:t>第 </a:t>
             </a:r>
             <a:r>
-              <a:rPr lang="en-US" altLang="ja-JP" smtClean="0"/>
+              <a:rPr lang="en-US" altLang="ja-JP"/>
               <a:t>4 </a:t>
             </a:r>
             <a:r>
-              <a:rPr lang="ja-JP" altLang="en-US" smtClean="0"/>
+              <a:rPr lang="ja-JP" altLang="en-US"/>
               <a:t>レベル</a:t>
             </a:r>
           </a:p>
           <a:p>
             <a:pPr lvl="4"/>
             <a:r>
-              <a:rPr lang="ja-JP" altLang="en-US" smtClean="0"/>
+              <a:rPr lang="ja-JP" altLang="en-US"/>
               <a:t>第 </a:t>
             </a:r>
             <a:r>
-              <a:rPr lang="en-US" altLang="ja-JP" smtClean="0"/>
+              <a:rPr lang="en-US" altLang="ja-JP"/>
               <a:t>5 </a:t>
             </a:r>
             <a:r>
-              <a:rPr lang="ja-JP" altLang="en-US" smtClean="0"/>
+              <a:rPr lang="ja-JP" altLang="en-US"/>
               <a:t>レベル</a:t>
             </a:r>
             <a:endParaRPr lang="en-US" dirty="0"/>
@@ -2366,7 +2365,7 @@
           <a:p>
             <a:pPr lvl="0"/>
             <a:r>
-              <a:rPr lang="ja-JP" altLang="en-US" smtClean="0"/>
+              <a:rPr lang="ja-JP" altLang="en-US"/>
               <a:t>マスター テキストの書式設定</a:t>
             </a:r>
           </a:p>
@@ -2394,67 +2393,67 @@
           <a:p>
             <a:pPr lvl="0"/>
             <a:r>
-              <a:rPr lang="ja-JP" altLang="en-US" smtClean="0"/>
+              <a:rPr lang="ja-JP" altLang="en-US"/>
               <a:t>マスター テキストの書式設定</a:t>
             </a:r>
           </a:p>
           <a:p>
             <a:pPr lvl="1"/>
             <a:r>
-              <a:rPr lang="ja-JP" altLang="en-US" smtClean="0"/>
+              <a:rPr lang="ja-JP" altLang="en-US"/>
               <a:t>第 </a:t>
             </a:r>
             <a:r>
-              <a:rPr lang="en-US" altLang="ja-JP" smtClean="0"/>
+              <a:rPr lang="en-US" altLang="ja-JP"/>
               <a:t>2 </a:t>
             </a:r>
             <a:r>
-              <a:rPr lang="ja-JP" altLang="en-US" smtClean="0"/>
+              <a:rPr lang="ja-JP" altLang="en-US"/>
               <a:t>レベル</a:t>
             </a:r>
           </a:p>
           <a:p>
             <a:pPr lvl="2"/>
             <a:r>
-              <a:rPr lang="ja-JP" altLang="en-US" smtClean="0"/>
+              <a:rPr lang="ja-JP" altLang="en-US"/>
               <a:t>第 </a:t>
             </a:r>
             <a:r>
-              <a:rPr lang="en-US" altLang="ja-JP" smtClean="0"/>
+              <a:rPr lang="en-US" altLang="ja-JP"/>
               <a:t>3 </a:t>
             </a:r>
             <a:r>
-              <a:rPr lang="ja-JP" altLang="en-US" smtClean="0"/>
+              <a:rPr lang="ja-JP" altLang="en-US"/>
               <a:t>レベル</a:t>
             </a:r>
           </a:p>
           <a:p>
             <a:pPr lvl="3"/>
             <a:r>
-              <a:rPr lang="ja-JP" altLang="en-US" smtClean="0"/>
+              <a:rPr lang="ja-JP" altLang="en-US"/>
               <a:t>第 </a:t>
             </a:r>
             <a:r>
-              <a:rPr lang="en-US" altLang="ja-JP" smtClean="0"/>
+              <a:rPr lang="en-US" altLang="ja-JP"/>
               <a:t>4 </a:t>
             </a:r>
             <a:r>
-              <a:rPr lang="ja-JP" altLang="en-US" smtClean="0"/>
+              <a:rPr lang="ja-JP" altLang="en-US"/>
               <a:t>レベル</a:t>
             </a:r>
           </a:p>
           <a:p>
             <a:pPr lvl="4"/>
             <a:r>
-              <a:rPr lang="ja-JP" altLang="en-US" smtClean="0"/>
+              <a:rPr lang="ja-JP" altLang="en-US"/>
               <a:t>第 </a:t>
             </a:r>
             <a:r>
-              <a:rPr lang="en-US" altLang="ja-JP" smtClean="0"/>
+              <a:rPr lang="en-US" altLang="ja-JP"/>
               <a:t>5 </a:t>
             </a:r>
             <a:r>
-              <a:rPr lang="ja-JP" altLang="en-US" smtClean="0"/>
+              <a:rPr lang="ja-JP" altLang="en-US"/>
               <a:t>レベル</a:t>
             </a:r>
             <a:endParaRPr lang="en-US" dirty="0"/>
@@ -2478,7 +2477,7 @@
           <a:p>
             <a:fld id="{A79A0EF7-9043-3344-A812-808247D2F1F8}" type="datetimeFigureOut">
               <a:rPr kumimoji="1" lang="ja-JP" altLang="en-US" smtClean="0"/>
-              <a:t>2017/11/15</a:t>
+              <a:t>2018/12/13</a:t>
             </a:fld>
             <a:endParaRPr kumimoji="1" lang="ja-JP" altLang="en-US"/>
           </a:p>
@@ -2567,7 +2566,7 @@
           <a:lstStyle/>
           <a:p>
             <a:r>
-              <a:rPr lang="ja-JP" altLang="en-US" smtClean="0"/>
+              <a:rPr lang="ja-JP" altLang="en-US"/>
               <a:t>マスター タイトルの書式設定</a:t>
             </a:r>
             <a:endParaRPr lang="en-US" dirty="0"/>
@@ -2591,7 +2590,7 @@
           <a:p>
             <a:fld id="{A79A0EF7-9043-3344-A812-808247D2F1F8}" type="datetimeFigureOut">
               <a:rPr kumimoji="1" lang="ja-JP" altLang="en-US" smtClean="0"/>
-              <a:t>2017/11/15</a:t>
+              <a:t>2018/12/13</a:t>
             </a:fld>
             <a:endParaRPr kumimoji="1" lang="ja-JP" altLang="en-US"/>
           </a:p>
@@ -2681,7 +2680,7 @@
           <a:p>
             <a:fld id="{A79A0EF7-9043-3344-A812-808247D2F1F8}" type="datetimeFigureOut">
               <a:rPr kumimoji="1" lang="ja-JP" altLang="en-US" smtClean="0"/>
-              <a:t>2017/11/15</a:t>
+              <a:t>2018/12/13</a:t>
             </a:fld>
             <a:endParaRPr kumimoji="1" lang="ja-JP" altLang="en-US"/>
           </a:p>
@@ -2779,7 +2778,7 @@
           </a:lstStyle>
           <a:p>
             <a:r>
-              <a:rPr lang="ja-JP" altLang="en-US" smtClean="0"/>
+              <a:rPr lang="ja-JP" altLang="en-US"/>
               <a:t>マスター タイトルの書式設定</a:t>
             </a:r>
             <a:endParaRPr lang="en-US" dirty="0"/>
@@ -2836,67 +2835,67 @@
           <a:p>
             <a:pPr lvl="0"/>
             <a:r>
-              <a:rPr lang="ja-JP" altLang="en-US" smtClean="0"/>
+              <a:rPr lang="ja-JP" altLang="en-US"/>
               <a:t>マスター テキストの書式設定</a:t>
             </a:r>
           </a:p>
           <a:p>
             <a:pPr lvl="1"/>
             <a:r>
-              <a:rPr lang="ja-JP" altLang="en-US" smtClean="0"/>
+              <a:rPr lang="ja-JP" altLang="en-US"/>
               <a:t>第 </a:t>
             </a:r>
             <a:r>
-              <a:rPr lang="en-US" altLang="ja-JP" smtClean="0"/>
+              <a:rPr lang="en-US" altLang="ja-JP"/>
               <a:t>2 </a:t>
             </a:r>
             <a:r>
-              <a:rPr lang="ja-JP" altLang="en-US" smtClean="0"/>
+              <a:rPr lang="ja-JP" altLang="en-US"/>
               <a:t>レベル</a:t>
             </a:r>
           </a:p>
           <a:p>
             <a:pPr lvl="2"/>
             <a:r>
-              <a:rPr lang="ja-JP" altLang="en-US" smtClean="0"/>
+              <a:rPr lang="ja-JP" altLang="en-US"/>
               <a:t>第 </a:t>
             </a:r>
             <a:r>
-              <a:rPr lang="en-US" altLang="ja-JP" smtClean="0"/>
+              <a:rPr lang="en-US" altLang="ja-JP"/>
               <a:t>3 </a:t>
             </a:r>
             <a:r>
-              <a:rPr lang="ja-JP" altLang="en-US" smtClean="0"/>
+              <a:rPr lang="ja-JP" altLang="en-US"/>
               <a:t>レベル</a:t>
             </a:r>
           </a:p>
           <a:p>
             <a:pPr lvl="3"/>
             <a:r>
-              <a:rPr lang="ja-JP" altLang="en-US" smtClean="0"/>
+              <a:rPr lang="ja-JP" altLang="en-US"/>
               <a:t>第 </a:t>
             </a:r>
             <a:r>
-              <a:rPr lang="en-US" altLang="ja-JP" smtClean="0"/>
+              <a:rPr lang="en-US" altLang="ja-JP"/>
               <a:t>4 </a:t>
             </a:r>
             <a:r>
-              <a:rPr lang="ja-JP" altLang="en-US" smtClean="0"/>
+              <a:rPr lang="ja-JP" altLang="en-US"/>
               <a:t>レベル</a:t>
             </a:r>
           </a:p>
           <a:p>
             <a:pPr lvl="4"/>
             <a:r>
-              <a:rPr lang="ja-JP" altLang="en-US" smtClean="0"/>
+              <a:rPr lang="ja-JP" altLang="en-US"/>
               <a:t>第 </a:t>
             </a:r>
             <a:r>
-              <a:rPr lang="en-US" altLang="ja-JP" smtClean="0"/>
+              <a:rPr lang="en-US" altLang="ja-JP"/>
               <a:t>5 </a:t>
             </a:r>
             <a:r>
-              <a:rPr lang="ja-JP" altLang="en-US" smtClean="0"/>
+              <a:rPr lang="ja-JP" altLang="en-US"/>
               <a:t>レベル</a:t>
             </a:r>
             <a:endParaRPr lang="en-US" dirty="0"/>
@@ -2962,7 +2961,7 @@
           <a:p>
             <a:pPr lvl="0"/>
             <a:r>
-              <a:rPr lang="ja-JP" altLang="en-US" smtClean="0"/>
+              <a:rPr lang="ja-JP" altLang="en-US"/>
               <a:t>マスター テキストの書式設定</a:t>
             </a:r>
           </a:p>
@@ -2985,7 +2984,7 @@
           <a:p>
             <a:fld id="{A79A0EF7-9043-3344-A812-808247D2F1F8}" type="datetimeFigureOut">
               <a:rPr kumimoji="1" lang="ja-JP" altLang="en-US" smtClean="0"/>
-              <a:t>2017/11/15</a:t>
+              <a:t>2018/12/13</a:t>
             </a:fld>
             <a:endParaRPr kumimoji="1" lang="ja-JP" altLang="en-US"/>
           </a:p>
@@ -3083,7 +3082,7 @@
           </a:lstStyle>
           <a:p>
             <a:r>
-              <a:rPr lang="ja-JP" altLang="en-US" smtClean="0"/>
+              <a:rPr lang="ja-JP" altLang="en-US"/>
               <a:t>マスター タイトルの書式設定</a:t>
             </a:r>
             <a:endParaRPr lang="en-US" dirty="0"/>
@@ -3148,7 +3147,7 @@
           </a:lstStyle>
           <a:p>
             <a:r>
-              <a:rPr lang="ja-JP" altLang="en-US" smtClean="0"/>
+              <a:rPr lang="ja-JP" altLang="en-US"/>
               <a:t>プレースホルダーまでドラッグするかアイコンをクリックして図を追加</a:t>
             </a:r>
             <a:endParaRPr lang="en-US" dirty="0"/>
@@ -3214,7 +3213,7 @@
           <a:p>
             <a:pPr lvl="0"/>
             <a:r>
-              <a:rPr lang="ja-JP" altLang="en-US" smtClean="0"/>
+              <a:rPr lang="ja-JP" altLang="en-US"/>
               <a:t>マスター テキストの書式設定</a:t>
             </a:r>
           </a:p>
@@ -3237,7 +3236,7 @@
           <a:p>
             <a:fld id="{A79A0EF7-9043-3344-A812-808247D2F1F8}" type="datetimeFigureOut">
               <a:rPr kumimoji="1" lang="ja-JP" altLang="en-US" smtClean="0"/>
-              <a:t>2017/11/15</a:t>
+              <a:t>2018/12/13</a:t>
             </a:fld>
             <a:endParaRPr kumimoji="1" lang="ja-JP" altLang="en-US"/>
           </a:p>
@@ -3341,7 +3340,7 @@
           <a:lstStyle/>
           <a:p>
             <a:r>
-              <a:rPr lang="ja-JP" altLang="en-US" smtClean="0"/>
+              <a:rPr lang="ja-JP" altLang="en-US"/>
               <a:t>マスター タイトルの書式設定</a:t>
             </a:r>
             <a:endParaRPr lang="en-US" dirty="0"/>
@@ -3375,67 +3374,67 @@
           <a:p>
             <a:pPr lvl="0"/>
             <a:r>
-              <a:rPr lang="ja-JP" altLang="en-US" smtClean="0"/>
+              <a:rPr lang="ja-JP" altLang="en-US"/>
               <a:t>マスター テキストの書式設定</a:t>
             </a:r>
           </a:p>
           <a:p>
             <a:pPr lvl="1"/>
             <a:r>
-              <a:rPr lang="ja-JP" altLang="en-US" smtClean="0"/>
+              <a:rPr lang="ja-JP" altLang="en-US"/>
               <a:t>第 </a:t>
             </a:r>
             <a:r>
-              <a:rPr lang="en-US" altLang="ja-JP" smtClean="0"/>
+              <a:rPr lang="en-US" altLang="ja-JP"/>
               <a:t>2 </a:t>
             </a:r>
             <a:r>
-              <a:rPr lang="ja-JP" altLang="en-US" smtClean="0"/>
+              <a:rPr lang="ja-JP" altLang="en-US"/>
               <a:t>レベル</a:t>
             </a:r>
           </a:p>
           <a:p>
             <a:pPr lvl="2"/>
             <a:r>
-              <a:rPr lang="ja-JP" altLang="en-US" smtClean="0"/>
+              <a:rPr lang="ja-JP" altLang="en-US"/>
               <a:t>第 </a:t>
             </a:r>
             <a:r>
-              <a:rPr lang="en-US" altLang="ja-JP" smtClean="0"/>
+              <a:rPr lang="en-US" altLang="ja-JP"/>
               <a:t>3 </a:t>
             </a:r>
             <a:r>
-              <a:rPr lang="ja-JP" altLang="en-US" smtClean="0"/>
+              <a:rPr lang="ja-JP" altLang="en-US"/>
               <a:t>レベル</a:t>
             </a:r>
           </a:p>
           <a:p>
             <a:pPr lvl="3"/>
             <a:r>
-              <a:rPr lang="ja-JP" altLang="en-US" smtClean="0"/>
+              <a:rPr lang="ja-JP" altLang="en-US"/>
               <a:t>第 </a:t>
             </a:r>
             <a:r>
-              <a:rPr lang="en-US" altLang="ja-JP" smtClean="0"/>
+              <a:rPr lang="en-US" altLang="ja-JP"/>
               <a:t>4 </a:t>
             </a:r>
             <a:r>
-              <a:rPr lang="ja-JP" altLang="en-US" smtClean="0"/>
+              <a:rPr lang="ja-JP" altLang="en-US"/>
               <a:t>レベル</a:t>
             </a:r>
           </a:p>
           <a:p>
             <a:pPr lvl="4"/>
             <a:r>
-              <a:rPr lang="ja-JP" altLang="en-US" smtClean="0"/>
+              <a:rPr lang="ja-JP" altLang="en-US"/>
               <a:t>第 </a:t>
             </a:r>
             <a:r>
-              <a:rPr lang="en-US" altLang="ja-JP" smtClean="0"/>
+              <a:rPr lang="en-US" altLang="ja-JP"/>
               <a:t>5 </a:t>
             </a:r>
             <a:r>
-              <a:rPr lang="ja-JP" altLang="en-US" smtClean="0"/>
+              <a:rPr lang="ja-JP" altLang="en-US"/>
               <a:t>レベル</a:t>
             </a:r>
             <a:endParaRPr lang="en-US" dirty="0"/>
@@ -3477,7 +3476,7 @@
           <a:p>
             <a:fld id="{A79A0EF7-9043-3344-A812-808247D2F1F8}" type="datetimeFigureOut">
               <a:rPr kumimoji="1" lang="ja-JP" altLang="en-US" smtClean="0"/>
-              <a:t>2017/11/15</a:t>
+              <a:t>2018/12/13</a:t>
             </a:fld>
             <a:endParaRPr kumimoji="1" lang="ja-JP" altLang="en-US"/>
           </a:p>
@@ -3900,10 +3899,9 @@
           <a:lstStyle/>
           <a:p>
             <a:r>
-              <a:rPr kumimoji="1" lang="ja-JP" altLang="en-US" dirty="0" smtClean="0"/>
+              <a:rPr kumimoji="1" lang="ja-JP" altLang="en-US" dirty="0"/>
               <a:t>ディープニューラルネットワーク実装編</a:t>
             </a:r>
-            <a:endParaRPr kumimoji="1" lang="ja-JP" altLang="en-US" dirty="0"/>
           </a:p>
         </p:txBody>
       </p:sp>
@@ -3923,19 +3921,19 @@
           <a:lstStyle/>
           <a:p>
             <a:r>
-              <a:rPr lang="en-US" altLang="ja-JP" dirty="0" smtClean="0"/>
+              <a:rPr lang="en-US" altLang="ja-JP" dirty="0"/>
               <a:t>B3 </a:t>
             </a:r>
             <a:r>
-              <a:rPr lang="ja-JP" altLang="en-US" dirty="0" smtClean="0"/>
+              <a:rPr lang="ja-JP" altLang="en-US" dirty="0"/>
               <a:t>勉強会</a:t>
             </a:r>
-            <a:endParaRPr lang="en-US" altLang="ja-JP" dirty="0" smtClean="0"/>
-          </a:p>
-          <a:p>
-            <a:r>
-              <a:rPr kumimoji="1" lang="en-US" altLang="ja-JP" dirty="0" smtClean="0"/>
-              <a:t>2017.11.15</a:t>
+            <a:endParaRPr lang="en-US" altLang="ja-JP" dirty="0"/>
+          </a:p>
+          <a:p>
+            <a:r>
+              <a:rPr kumimoji="1" lang="en-US" altLang="ja-JP" dirty="0"/>
+              <a:t>2018.12.13</a:t>
             </a:r>
             <a:endParaRPr kumimoji="1" lang="ja-JP" altLang="en-US" dirty="0"/>
           </a:p>
@@ -3951,13 +3949,6 @@
   <p:clrMapOvr>
     <a:masterClrMapping/>
   </p:clrMapOvr>
-  <p:timing>
-    <p:tnLst>
-      <p:par>
-        <p:cTn id="1" dur="indefinite" restart="never" nodeType="tmRoot"/>
-      </p:par>
-    </p:tnLst>
-  </p:timing>
 </p:sld>
 </file>
 
@@ -3999,21 +3990,16 @@
           <a:lstStyle/>
           <a:p>
             <a:r>
-              <a:rPr kumimoji="1" lang="ja-JP" altLang="en-US" dirty="0" smtClean="0"/>
+              <a:rPr kumimoji="1" lang="ja-JP" altLang="en-US" dirty="0"/>
               <a:t>プログラム</a:t>
             </a:r>
-            <a:r>
-              <a:rPr kumimoji="1" lang="en-US" altLang="ja-JP" dirty="0" smtClean="0"/>
-              <a:t/>
-            </a:r>
             <a:br>
-              <a:rPr kumimoji="1" lang="en-US" altLang="ja-JP" dirty="0" smtClean="0"/>
+              <a:rPr kumimoji="1" lang="en-US" altLang="ja-JP" dirty="0"/>
             </a:br>
             <a:r>
-              <a:rPr kumimoji="1" lang="ja-JP" altLang="en-US" dirty="0" smtClean="0"/>
+              <a:rPr kumimoji="1" lang="ja-JP" altLang="en-US" dirty="0"/>
               <a:t>解説</a:t>
             </a:r>
-            <a:endParaRPr kumimoji="1" lang="ja-JP" altLang="en-US" dirty="0"/>
           </a:p>
         </p:txBody>
       </p:sp>
@@ -4178,7 +4164,7 @@
             <a:p>
               <a:pPr algn="ctr"/>
               <a:r>
-                <a:rPr kumimoji="1" lang="mr-IN" altLang="ja-JP" smtClean="0"/>
+                <a:rPr kumimoji="1" lang="mr-IN" altLang="ja-JP"/>
                 <a:t>…</a:t>
               </a:r>
               <a:endParaRPr kumimoji="1" lang="ja-JP" altLang="en-US" dirty="0"/>
@@ -4304,7 +4290,7 @@
             <a:p>
               <a:pPr algn="ctr"/>
               <a:r>
-                <a:rPr kumimoji="1" lang="mr-IN" altLang="ja-JP" smtClean="0"/>
+                <a:rPr kumimoji="1" lang="mr-IN" altLang="ja-JP"/>
                 <a:t>…</a:t>
               </a:r>
               <a:endParaRPr kumimoji="1" lang="ja-JP" altLang="en-US" dirty="0"/>
@@ -4430,7 +4416,7 @@
             <a:p>
               <a:pPr algn="ctr"/>
               <a:r>
-                <a:rPr kumimoji="1" lang="mr-IN" altLang="ja-JP" smtClean="0"/>
+                <a:rPr kumimoji="1" lang="mr-IN" altLang="ja-JP"/>
                 <a:t>…</a:t>
               </a:r>
               <a:endParaRPr kumimoji="1" lang="ja-JP" altLang="en-US" dirty="0"/>
@@ -4462,22 +4448,18 @@
           <a:p>
             <a:pPr algn="ctr"/>
             <a:r>
-              <a:rPr lang="en-US" altLang="ja-JP" dirty="0" err="1" smtClean="0"/>
+              <a:rPr lang="en-US" altLang="ja-JP" dirty="0" err="1"/>
               <a:t>n</a:t>
             </a:r>
             <a:r>
-              <a:rPr kumimoji="1" lang="en-US" altLang="ja-JP" dirty="0" err="1" smtClean="0"/>
+              <a:rPr kumimoji="1" lang="en-US" altLang="ja-JP" dirty="0" err="1"/>
               <a:t>_units</a:t>
             </a:r>
-            <a:r>
-              <a:rPr kumimoji="1" lang="en-US" altLang="ja-JP" dirty="0" smtClean="0"/>
-              <a:t/>
-            </a:r>
             <a:br>
-              <a:rPr kumimoji="1" lang="en-US" altLang="ja-JP" dirty="0" smtClean="0"/>
+              <a:rPr kumimoji="1" lang="en-US" altLang="ja-JP" dirty="0"/>
             </a:br>
             <a:r>
-              <a:rPr kumimoji="1" lang="en-US" altLang="ja-JP" dirty="0" smtClean="0"/>
+              <a:rPr kumimoji="1" lang="en-US" altLang="ja-JP" dirty="0"/>
               <a:t>(1024)</a:t>
             </a:r>
             <a:endParaRPr kumimoji="1" lang="ja-JP" altLang="en-US" dirty="0"/>
@@ -4508,22 +4490,18 @@
           <a:p>
             <a:pPr algn="ctr"/>
             <a:r>
-              <a:rPr lang="en-US" altLang="ja-JP" dirty="0" err="1" smtClean="0"/>
+              <a:rPr lang="en-US" altLang="ja-JP" dirty="0" err="1"/>
               <a:t>n_out</a:t>
             </a:r>
-            <a:r>
-              <a:rPr lang="en-US" altLang="ja-JP" dirty="0" smtClean="0"/>
-              <a:t/>
-            </a:r>
             <a:br>
-              <a:rPr lang="en-US" altLang="ja-JP" dirty="0" smtClean="0"/>
+              <a:rPr lang="en-US" altLang="ja-JP" dirty="0"/>
             </a:br>
             <a:r>
-              <a:rPr lang="en-US" altLang="ja-JP" dirty="0" smtClean="0"/>
+              <a:rPr lang="en-US" altLang="ja-JP" dirty="0"/>
               <a:t>(</a:t>
             </a:r>
             <a:r>
-              <a:rPr kumimoji="1" lang="en-US" altLang="ja-JP" dirty="0" smtClean="0"/>
+              <a:rPr kumimoji="1" lang="en-US" altLang="ja-JP" dirty="0"/>
               <a:t>10)</a:t>
             </a:r>
             <a:endParaRPr kumimoji="1" lang="ja-JP" altLang="en-US" dirty="0"/>
@@ -4902,21 +4880,21 @@
           <a:p>
             <a:pPr algn="ctr"/>
             <a:r>
-              <a:rPr lang="en-US" altLang="ja-JP" dirty="0" smtClean="0"/>
+              <a:rPr lang="en-US" altLang="ja-JP" dirty="0"/>
               <a:t>input</a:t>
             </a:r>
           </a:p>
           <a:p>
             <a:pPr algn="ctr"/>
             <a:r>
-              <a:rPr lang="en-US" altLang="ja-JP" dirty="0" smtClean="0"/>
+              <a:rPr lang="en-US" altLang="ja-JP" dirty="0"/>
               <a:t>(756)</a:t>
             </a:r>
             <a:br>
-              <a:rPr lang="en-US" altLang="ja-JP" dirty="0" smtClean="0"/>
+              <a:rPr lang="en-US" altLang="ja-JP" dirty="0"/>
             </a:br>
             <a:r>
-              <a:rPr lang="en-US" altLang="ja-JP" dirty="0" smtClean="0"/>
+              <a:rPr lang="en-US" altLang="ja-JP" dirty="0"/>
               <a:t>(=28*28)</a:t>
             </a:r>
             <a:endParaRPr kumimoji="1" lang="ja-JP" altLang="en-US" dirty="0"/>
@@ -4946,18 +4924,17 @@
           <a:lstStyle/>
           <a:p>
             <a:r>
-              <a:rPr kumimoji="1" lang="ja-JP" altLang="en-US" dirty="0" smtClean="0"/>
+              <a:rPr kumimoji="1" lang="ja-JP" altLang="en-US" dirty="0"/>
               <a:t>活性化関数は</a:t>
             </a:r>
             <a:r>
-              <a:rPr kumimoji="1" lang="en-US" altLang="ja-JP" dirty="0" err="1" smtClean="0"/>
+              <a:rPr kumimoji="1" lang="en-US" altLang="ja-JP" dirty="0" err="1"/>
               <a:t>relu</a:t>
             </a:r>
             <a:r>
-              <a:rPr kumimoji="1" lang="ja-JP" altLang="en-US" dirty="0" smtClean="0"/>
+              <a:rPr kumimoji="1" lang="ja-JP" altLang="en-US" dirty="0"/>
               <a:t>を使用</a:t>
             </a:r>
-            <a:endParaRPr kumimoji="1" lang="ja-JP" altLang="en-US" dirty="0"/>
           </a:p>
         </p:txBody>
       </p:sp>
@@ -5079,7 +5056,7 @@
             <a:p>
               <a:pPr algn="ctr"/>
               <a:r>
-                <a:rPr kumimoji="1" lang="mr-IN" altLang="ja-JP" smtClean="0"/>
+                <a:rPr kumimoji="1" lang="mr-IN" altLang="ja-JP"/>
                 <a:t>…</a:t>
               </a:r>
               <a:endParaRPr kumimoji="1" lang="ja-JP" altLang="en-US" dirty="0"/>
@@ -5251,22 +5228,18 @@
           <a:p>
             <a:pPr algn="ctr"/>
             <a:r>
-              <a:rPr lang="en-US" altLang="ja-JP" dirty="0" err="1" smtClean="0"/>
+              <a:rPr lang="en-US" altLang="ja-JP" dirty="0" err="1"/>
               <a:t>n</a:t>
             </a:r>
             <a:r>
-              <a:rPr kumimoji="1" lang="en-US" altLang="ja-JP" dirty="0" err="1" smtClean="0"/>
+              <a:rPr kumimoji="1" lang="en-US" altLang="ja-JP" dirty="0" err="1"/>
               <a:t>_units</a:t>
             </a:r>
-            <a:r>
-              <a:rPr kumimoji="1" lang="en-US" altLang="ja-JP" dirty="0" smtClean="0"/>
-              <a:t/>
-            </a:r>
             <a:br>
-              <a:rPr kumimoji="1" lang="en-US" altLang="ja-JP" dirty="0" smtClean="0"/>
+              <a:rPr kumimoji="1" lang="en-US" altLang="ja-JP" dirty="0"/>
             </a:br>
             <a:r>
-              <a:rPr kumimoji="1" lang="en-US" altLang="ja-JP" dirty="0" smtClean="0"/>
+              <a:rPr kumimoji="1" lang="en-US" altLang="ja-JP" dirty="0"/>
               <a:t>(1024)</a:t>
             </a:r>
             <a:endParaRPr kumimoji="1" lang="ja-JP" altLang="en-US" dirty="0"/>
@@ -5353,13 +5326,6 @@
   <p:clrMapOvr>
     <a:masterClrMapping/>
   </p:clrMapOvr>
-  <p:timing>
-    <p:tnLst>
-      <p:par>
-        <p:cTn id="1" dur="indefinite" restart="never" nodeType="tmRoot"/>
-      </p:par>
-    </p:tnLst>
-  </p:timing>
 </p:sld>
 </file>
 
@@ -5455,7 +5421,7 @@
             <a:p>
               <a:pPr algn="ctr"/>
               <a:r>
-                <a:rPr kumimoji="1" lang="en-US" altLang="ja-JP" dirty="0" smtClean="0"/>
+                <a:rPr kumimoji="1" lang="en-US" altLang="ja-JP" dirty="0"/>
                 <a:t>0</a:t>
               </a:r>
               <a:endParaRPr kumimoji="1" lang="ja-JP" altLang="en-US" dirty="0"/>
@@ -5499,7 +5465,7 @@
             <a:p>
               <a:pPr algn="ctr"/>
               <a:r>
-                <a:rPr kumimoji="1" lang="en-US" altLang="ja-JP" dirty="0" smtClean="0"/>
+                <a:rPr kumimoji="1" lang="en-US" altLang="ja-JP" dirty="0"/>
                 <a:t>1</a:t>
               </a:r>
               <a:endParaRPr kumimoji="1" lang="ja-JP" altLang="en-US" dirty="0"/>
@@ -5530,7 +5496,7 @@
             <a:p>
               <a:pPr algn="ctr"/>
               <a:r>
-                <a:rPr kumimoji="1" lang="mr-IN" altLang="ja-JP" smtClean="0"/>
+                <a:rPr kumimoji="1" lang="mr-IN" altLang="ja-JP"/>
                 <a:t>…</a:t>
               </a:r>
               <a:endParaRPr kumimoji="1" lang="ja-JP" altLang="en-US" dirty="0"/>
@@ -5575,18 +5541,18 @@
           <a:p>
             <a:pPr algn="ctr"/>
             <a:r>
-              <a:rPr lang="en-US" altLang="ja-JP" sz="2000" dirty="0" err="1" smtClean="0"/>
+              <a:rPr lang="en-US" altLang="ja-JP" sz="2000" dirty="0" err="1"/>
               <a:t>classi</a:t>
             </a:r>
             <a:r>
-              <a:rPr lang="en-US" altLang="ja-JP" sz="2000" dirty="0" smtClean="0"/>
+              <a:rPr lang="en-US" altLang="ja-JP" sz="2000" dirty="0"/>
               <a:t>-</a:t>
             </a:r>
             <a:br>
-              <a:rPr lang="en-US" altLang="ja-JP" sz="2000" dirty="0" smtClean="0"/>
+              <a:rPr lang="en-US" altLang="ja-JP" sz="2000" dirty="0"/>
             </a:br>
             <a:r>
-              <a:rPr lang="en-US" altLang="ja-JP" sz="2000" dirty="0" err="1" smtClean="0"/>
+              <a:rPr lang="en-US" altLang="ja-JP" sz="2000" dirty="0" err="1"/>
               <a:t>fier</a:t>
             </a:r>
             <a:endParaRPr kumimoji="1" lang="ja-JP" altLang="en-US" sz="2000" dirty="0"/>
@@ -5617,63 +5583,47 @@
           <a:p>
             <a:pPr algn="ctr"/>
             <a:r>
-              <a:rPr kumimoji="1" lang="ja-JP" altLang="en-US" dirty="0" smtClean="0"/>
+              <a:rPr kumimoji="1" lang="ja-JP" altLang="en-US" dirty="0"/>
               <a:t>正解ラベル</a:t>
             </a:r>
-            <a:r>
-              <a:rPr kumimoji="1" lang="en-US" altLang="ja-JP" dirty="0" smtClean="0"/>
-              <a:t/>
-            </a:r>
             <a:br>
-              <a:rPr kumimoji="1" lang="en-US" altLang="ja-JP" dirty="0" smtClean="0"/>
+              <a:rPr kumimoji="1" lang="en-US" altLang="ja-JP" dirty="0"/>
             </a:br>
             <a:r>
-              <a:rPr kumimoji="1" lang="en-US" altLang="ja-JP" dirty="0" smtClean="0"/>
+              <a:rPr kumimoji="1" lang="en-US" altLang="ja-JP" dirty="0"/>
               <a:t>(</a:t>
             </a:r>
             <a:r>
-              <a:rPr kumimoji="1" lang="ja-JP" altLang="en-US" dirty="0" smtClean="0"/>
+              <a:rPr kumimoji="1" lang="ja-JP" altLang="en-US" dirty="0"/>
               <a:t>クラスに</a:t>
             </a:r>
-            <a:r>
-              <a:rPr kumimoji="1" lang="en-US" altLang="ja-JP" dirty="0" smtClean="0"/>
-              <a:t/>
-            </a:r>
             <a:br>
-              <a:rPr kumimoji="1" lang="en-US" altLang="ja-JP" dirty="0" smtClean="0"/>
+              <a:rPr kumimoji="1" lang="en-US" altLang="ja-JP" dirty="0"/>
             </a:br>
             <a:r>
-              <a:rPr kumimoji="1" lang="ja-JP" altLang="en-US" dirty="0" smtClean="0"/>
+              <a:rPr kumimoji="1" lang="ja-JP" altLang="en-US" dirty="0"/>
               <a:t>対応する</a:t>
             </a:r>
-            <a:r>
-              <a:rPr kumimoji="1" lang="en-US" altLang="ja-JP" dirty="0" smtClean="0"/>
-              <a:t/>
-            </a:r>
             <a:br>
-              <a:rPr kumimoji="1" lang="en-US" altLang="ja-JP" dirty="0" smtClean="0"/>
+              <a:rPr kumimoji="1" lang="en-US" altLang="ja-JP" dirty="0"/>
             </a:br>
             <a:r>
-              <a:rPr lang="ja-JP" altLang="en-US" dirty="0" smtClean="0"/>
+              <a:rPr lang="ja-JP" altLang="en-US" dirty="0"/>
               <a:t>ノードのみ</a:t>
             </a:r>
-            <a:r>
-              <a:rPr lang="en-US" altLang="ja-JP" dirty="0" smtClean="0"/>
-              <a:t/>
-            </a:r>
             <a:br>
-              <a:rPr lang="en-US" altLang="ja-JP" dirty="0" smtClean="0"/>
+              <a:rPr lang="en-US" altLang="ja-JP" dirty="0"/>
             </a:br>
             <a:r>
-              <a:rPr lang="en-US" altLang="ja-JP" dirty="0" smtClean="0"/>
+              <a:rPr lang="en-US" altLang="ja-JP" dirty="0"/>
               <a:t>1</a:t>
             </a:r>
             <a:r>
-              <a:rPr lang="ja-JP" altLang="en-US" dirty="0" smtClean="0"/>
+              <a:rPr lang="ja-JP" altLang="en-US" dirty="0"/>
               <a:t>となる</a:t>
             </a:r>
             <a:r>
-              <a:rPr lang="en-US" altLang="ja-JP" dirty="0" smtClean="0"/>
+              <a:rPr lang="en-US" altLang="ja-JP" dirty="0"/>
               <a:t>)</a:t>
             </a:r>
             <a:endParaRPr kumimoji="1" lang="ja-JP" altLang="en-US" dirty="0"/>
@@ -5822,7 +5772,7 @@
             <a:p>
               <a:pPr algn="ctr"/>
               <a:r>
-                <a:rPr kumimoji="1" lang="mr-IN" altLang="ja-JP" smtClean="0"/>
+                <a:rPr kumimoji="1" lang="mr-IN" altLang="ja-JP"/>
                 <a:t>…</a:t>
               </a:r>
               <a:endParaRPr kumimoji="1" lang="ja-JP" altLang="en-US" dirty="0"/>
@@ -5948,7 +5898,7 @@
             <a:p>
               <a:pPr algn="ctr"/>
               <a:r>
-                <a:rPr kumimoji="1" lang="mr-IN" altLang="ja-JP" smtClean="0"/>
+                <a:rPr kumimoji="1" lang="mr-IN" altLang="ja-JP"/>
                 <a:t>…</a:t>
               </a:r>
               <a:endParaRPr kumimoji="1" lang="ja-JP" altLang="en-US" dirty="0"/>
@@ -6074,7 +6024,7 @@
             <a:p>
               <a:pPr algn="ctr"/>
               <a:r>
-                <a:rPr kumimoji="1" lang="mr-IN" altLang="ja-JP" smtClean="0"/>
+                <a:rPr kumimoji="1" lang="mr-IN" altLang="ja-JP"/>
                 <a:t>…</a:t>
               </a:r>
               <a:endParaRPr kumimoji="1" lang="ja-JP" altLang="en-US" dirty="0"/>
@@ -6416,21 +6366,21 @@
           <a:p>
             <a:pPr algn="ctr"/>
             <a:r>
-              <a:rPr lang="en-US" altLang="ja-JP" dirty="0" smtClean="0"/>
+              <a:rPr lang="en-US" altLang="ja-JP" dirty="0"/>
               <a:t>input</a:t>
             </a:r>
           </a:p>
           <a:p>
             <a:pPr algn="ctr"/>
             <a:r>
-              <a:rPr lang="en-US" altLang="ja-JP" dirty="0" smtClean="0"/>
+              <a:rPr lang="en-US" altLang="ja-JP" dirty="0"/>
               <a:t>(756)</a:t>
             </a:r>
             <a:br>
-              <a:rPr lang="en-US" altLang="ja-JP" dirty="0" smtClean="0"/>
+              <a:rPr lang="en-US" altLang="ja-JP" dirty="0"/>
             </a:br>
             <a:r>
-              <a:rPr lang="en-US" altLang="ja-JP" dirty="0" smtClean="0"/>
+              <a:rPr lang="en-US" altLang="ja-JP" dirty="0"/>
               <a:t>(=28*28)</a:t>
             </a:r>
             <a:endParaRPr kumimoji="1" lang="ja-JP" altLang="en-US" dirty="0"/>
@@ -6555,7 +6505,7 @@
             <a:p>
               <a:pPr algn="ctr"/>
               <a:r>
-                <a:rPr kumimoji="1" lang="mr-IN" altLang="ja-JP" smtClean="0"/>
+                <a:rPr kumimoji="1" lang="mr-IN" altLang="ja-JP"/>
                 <a:t>…</a:t>
               </a:r>
               <a:endParaRPr kumimoji="1" lang="ja-JP" altLang="en-US" dirty="0"/>
@@ -6810,7 +6760,7 @@
           <a:lstStyle/>
           <a:p>
             <a:r>
-              <a:rPr lang="ja-JP" altLang="en-US" b="1" dirty="0" smtClean="0">
+              <a:rPr lang="ja-JP" altLang="en-US" b="1" dirty="0">
                 <a:solidFill>
                   <a:srgbClr val="FF0000"/>
                 </a:solidFill>
@@ -6894,7 +6844,7 @@
           <a:lstStyle/>
           <a:p>
             <a:r>
-              <a:rPr lang="ja-JP" altLang="en-US" b="1" dirty="0" smtClean="0">
+              <a:rPr lang="ja-JP" altLang="en-US" b="1" dirty="0">
                 <a:solidFill>
                   <a:srgbClr val="FF0000"/>
                 </a:solidFill>
@@ -6956,11 +6906,11 @@
           <a:lstStyle/>
           <a:p>
             <a:r>
-              <a:rPr lang="ja-JP" altLang="en-US" b="1" dirty="0" smtClean="0"/>
+              <a:rPr lang="ja-JP" altLang="en-US" b="1" dirty="0"/>
               <a:t>中略</a:t>
             </a:r>
             <a:r>
-              <a:rPr lang="mr-IN" altLang="ja-JP" b="1" dirty="0" smtClean="0"/>
+              <a:rPr lang="mr-IN" altLang="ja-JP" b="1" dirty="0"/>
               <a:t>…</a:t>
             </a:r>
             <a:endParaRPr kumimoji="1" lang="ja-JP" altLang="en-US" b="1" dirty="0"/>
@@ -6990,7 +6940,7 @@
           <a:lstStyle/>
           <a:p>
             <a:r>
-              <a:rPr lang="ja-JP" altLang="en-US" b="1" dirty="0" smtClean="0">
+              <a:rPr lang="ja-JP" altLang="en-US" b="1" dirty="0">
                 <a:solidFill>
                   <a:srgbClr val="FF0000"/>
                 </a:solidFill>
@@ -7015,13 +6965,6 @@
   <p:clrMapOvr>
     <a:masterClrMapping/>
   </p:clrMapOvr>
-  <p:timing>
-    <p:tnLst>
-      <p:par>
-        <p:cTn id="1" dur="indefinite" restart="never" nodeType="tmRoot"/>
-      </p:par>
-    </p:tnLst>
-  </p:timing>
 </p:sld>
 </file>
 
@@ -7058,18 +7001,14 @@
           <a:lstStyle/>
           <a:p>
             <a:r>
-              <a:rPr lang="ja-JP" altLang="en-US" dirty="0" smtClean="0"/>
+              <a:rPr lang="ja-JP" altLang="en-US" dirty="0"/>
               <a:t>ニューラルネットワークの</a:t>
             </a:r>
-            <a:r>
-              <a:rPr lang="en-US" altLang="ja-JP" dirty="0" smtClean="0"/>
-              <a:t/>
-            </a:r>
             <a:br>
-              <a:rPr lang="en-US" altLang="ja-JP" dirty="0" smtClean="0"/>
+              <a:rPr lang="en-US" altLang="ja-JP" dirty="0"/>
             </a:br>
             <a:r>
-              <a:rPr lang="ja-JP" altLang="en-US" dirty="0" smtClean="0"/>
+              <a:rPr lang="ja-JP" altLang="en-US" dirty="0"/>
               <a:t>実装方法</a:t>
             </a:r>
             <a:endParaRPr kumimoji="1" lang="ja-JP" altLang="en-US" dirty="0"/>
@@ -7094,41 +7033,37 @@
           <a:lstStyle/>
           <a:p>
             <a:r>
-              <a:rPr lang="ja-JP" altLang="en-US" dirty="0" smtClean="0"/>
+              <a:rPr lang="ja-JP" altLang="en-US" dirty="0"/>
               <a:t>ニューラルネットワークを実装するためには様々な要素技術を実装しなければならない</a:t>
             </a:r>
-            <a:endParaRPr lang="en-US" altLang="ja-JP" dirty="0" smtClean="0"/>
+            <a:endParaRPr lang="en-US" altLang="ja-JP" dirty="0"/>
           </a:p>
           <a:p>
             <a:pPr lvl="1"/>
             <a:r>
-              <a:rPr lang="ja-JP" altLang="en-US" dirty="0" smtClean="0"/>
+              <a:rPr lang="ja-JP" altLang="en-US" dirty="0"/>
               <a:t>例．ネットワーク構造（層間の接続や損失関数）、関数微分（バックプロゲーション）、最適化手法（最急降下法など），学習データ構造</a:t>
             </a:r>
-            <a:endParaRPr lang="en-US" altLang="ja-JP" dirty="0" smtClean="0"/>
-          </a:p>
-          <a:p>
-            <a:r>
-              <a:rPr lang="ja-JP" altLang="en-US" dirty="0" smtClean="0"/>
+            <a:endParaRPr lang="en-US" altLang="ja-JP" dirty="0"/>
+          </a:p>
+          <a:p>
+            <a:r>
+              <a:rPr lang="ja-JP" altLang="en-US" dirty="0"/>
               <a:t>これら</a:t>
             </a:r>
             <a:r>
-              <a:rPr kumimoji="1" lang="ja-JP" altLang="en-US" dirty="0" smtClean="0"/>
+              <a:rPr kumimoji="1" lang="ja-JP" altLang="en-US" dirty="0"/>
               <a:t>実装を簡単に構築するためのライブラリが数多く出ている</a:t>
             </a:r>
-            <a:endParaRPr kumimoji="1" lang="en-US" altLang="ja-JP" dirty="0" smtClean="0"/>
+            <a:endParaRPr kumimoji="1" lang="en-US" altLang="ja-JP" dirty="0"/>
           </a:p>
           <a:p>
             <a:r>
               <a:rPr lang="ja-JP" altLang="en-US" dirty="0"/>
-              <a:t>殆どの</a:t>
-            </a:r>
-            <a:r>
-              <a:rPr lang="ja-JP" altLang="en-US" dirty="0" smtClean="0"/>
-              <a:t>ライブラリは</a:t>
-            </a:r>
-            <a:r>
-              <a:rPr lang="ja-JP" altLang="en-US" b="1" dirty="0" smtClean="0">
+              <a:t>殆どのライブラリは</a:t>
+            </a:r>
+            <a:r>
+              <a:rPr lang="ja-JP" altLang="en-US" b="1" dirty="0">
                 <a:solidFill>
                   <a:srgbClr val="FF0000"/>
                 </a:solidFill>
@@ -7136,16 +7071,8 @@
               <a:t>各層のテンプレート</a:t>
             </a:r>
             <a:r>
-              <a:rPr lang="ja-JP" altLang="en-US" dirty="0" smtClean="0"/>
+              <a:rPr lang="ja-JP" altLang="en-US" dirty="0"/>
               <a:t>や</a:t>
-            </a:r>
-            <a:r>
-              <a:rPr lang="ja-JP" altLang="en-US" b="1" dirty="0" smtClean="0">
-                <a:solidFill>
-                  <a:srgbClr val="FF0000"/>
-                </a:solidFill>
-              </a:rPr>
-              <a:t>自動</a:t>
             </a:r>
             <a:r>
               <a:rPr lang="ja-JP" altLang="en-US" b="1" dirty="0">
@@ -7153,22 +7080,14 @@
                   <a:srgbClr val="FF0000"/>
                 </a:solidFill>
               </a:rPr>
-              <a:t>微分</a:t>
-            </a:r>
-            <a:r>
-              <a:rPr lang="ja-JP" altLang="en-US" b="1" dirty="0" smtClean="0">
-                <a:solidFill>
-                  <a:srgbClr val="FF0000"/>
-                </a:solidFill>
-              </a:rPr>
-              <a:t>機能</a:t>
-            </a:r>
-            <a:r>
-              <a:rPr lang="ja-JP" altLang="en-US" dirty="0" smtClean="0"/>
+              <a:t>自動微分機能</a:t>
+            </a:r>
+            <a:r>
+              <a:rPr lang="ja-JP" altLang="en-US" dirty="0"/>
               <a:t>、</a:t>
             </a:r>
             <a:r>
-              <a:rPr lang="ja-JP" altLang="en-US" b="1" dirty="0" smtClean="0">
+              <a:rPr lang="ja-JP" altLang="en-US" b="1" dirty="0">
                 <a:solidFill>
                   <a:srgbClr val="FF0000"/>
                 </a:solidFill>
@@ -7176,17 +7095,13 @@
               <a:t>最適化機能</a:t>
             </a:r>
             <a:r>
-              <a:rPr lang="ja-JP" altLang="en-US" dirty="0" smtClean="0"/>
-              <a:t>等を備え、ネットワーク構造と</a:t>
-            </a:r>
-            <a:r>
               <a:rPr lang="ja-JP" altLang="en-US" dirty="0"/>
-              <a:t>データを与えるだけで自動的に最適化してくれる</a:t>
+              <a:t>等を備え、ネットワーク構造とデータを与えるだけで自動的に最適化してくれる</a:t>
             </a:r>
             <a:endParaRPr lang="en-US" altLang="ja-JP" dirty="0"/>
           </a:p>
           <a:p>
-            <a:endParaRPr kumimoji="1" lang="en-US" altLang="ja-JP" dirty="0" smtClean="0"/>
+            <a:endParaRPr kumimoji="1" lang="en-US" altLang="ja-JP" dirty="0"/>
           </a:p>
         </p:txBody>
       </p:sp>
@@ -7200,13 +7115,6 @@
   <p:clrMapOvr>
     <a:masterClrMapping/>
   </p:clrMapOvr>
-  <p:timing>
-    <p:tnLst>
-      <p:par>
-        <p:cTn id="1" dur="indefinite" restart="never" nodeType="tmRoot"/>
-      </p:par>
-    </p:tnLst>
-  </p:timing>
 </p:sld>
 </file>
 
@@ -7243,10 +7151,9 @@
           <a:lstStyle/>
           <a:p>
             <a:r>
-              <a:rPr kumimoji="1" lang="ja-JP" altLang="en-US" dirty="0" smtClean="0"/>
+              <a:rPr kumimoji="1" lang="ja-JP" altLang="en-US" dirty="0"/>
               <a:t>代表的なニューラルネットワーク関係のライブラリ</a:t>
             </a:r>
-            <a:endParaRPr kumimoji="1" lang="ja-JP" altLang="en-US" dirty="0"/>
           </a:p>
         </p:txBody>
       </p:sp>
@@ -7268,7 +7175,7 @@
           <a:lstStyle/>
           <a:p>
             <a:r>
-              <a:rPr lang="en-US" altLang="ja-JP" dirty="0" err="1" smtClean="0"/>
+              <a:rPr lang="en-US" altLang="ja-JP" dirty="0" err="1"/>
               <a:t>Chainer</a:t>
             </a:r>
             <a:r>
@@ -7325,11 +7232,11 @@
           </a:p>
           <a:p>
             <a:r>
-              <a:rPr lang="en-US" altLang="ja-JP" dirty="0" smtClean="0"/>
+              <a:rPr lang="en-US" altLang="ja-JP" dirty="0"/>
               <a:t>CNTK</a:t>
             </a:r>
             <a:r>
-              <a:rPr lang="ja-JP" altLang="en-US" dirty="0" smtClean="0"/>
+              <a:rPr lang="ja-JP" altLang="en-US" dirty="0"/>
               <a:t>（</a:t>
             </a:r>
             <a:r>
@@ -7360,10 +7267,9 @@
               <a:t>（</a:t>
             </a:r>
             <a:r>
-              <a:rPr lang="en-US" altLang="ja-JP" dirty="0" smtClean="0"/>
+              <a:rPr lang="en-US" altLang="ja-JP" dirty="0"/>
               <a:t>Facebook)</a:t>
             </a:r>
-            <a:endParaRPr lang="en-US" altLang="ja-JP" dirty="0"/>
           </a:p>
           <a:p>
             <a:r>
@@ -7372,48 +7278,40 @@
             </a:r>
             <a:r>
               <a:rPr lang="ja-JP" altLang="en-US" dirty="0"/>
-              <a:t>（モントリオール大学</a:t>
-            </a:r>
-            <a:r>
-              <a:rPr lang="ja-JP" altLang="en-US" dirty="0" smtClean="0"/>
-              <a:t>）</a:t>
-            </a:r>
-            <a:endParaRPr lang="en-US" altLang="ja-JP" dirty="0" smtClean="0"/>
+              <a:t>（モントリオール大学）</a:t>
+            </a:r>
+            <a:endParaRPr lang="en-US" altLang="ja-JP" dirty="0"/>
           </a:p>
           <a:p>
             <a:pPr lvl="1"/>
             <a:r>
-              <a:rPr lang="ja-JP" altLang="en-US" dirty="0" smtClean="0"/>
+              <a:rPr lang="ja-JP" altLang="en-US" dirty="0"/>
               <a:t>注）ほとんどのライブラリは</a:t>
             </a:r>
             <a:r>
-              <a:rPr lang="en-US" altLang="ja-JP" dirty="0" smtClean="0"/>
+              <a:rPr lang="en-US" altLang="ja-JP" dirty="0"/>
               <a:t>python</a:t>
             </a:r>
             <a:r>
-              <a:rPr lang="ja-JP" altLang="en-US" dirty="0" smtClean="0"/>
+              <a:rPr lang="ja-JP" altLang="en-US" dirty="0"/>
               <a:t>のインタフェースを持っている</a:t>
             </a:r>
-            <a:r>
-              <a:rPr lang="en-US" altLang="ja-JP" dirty="0" smtClean="0"/>
-              <a:t/>
-            </a:r>
             <a:br>
-              <a:rPr lang="en-US" altLang="ja-JP" dirty="0" smtClean="0"/>
+              <a:rPr lang="en-US" altLang="ja-JP" dirty="0"/>
             </a:br>
             <a:endParaRPr lang="en-US" altLang="ja-JP" dirty="0"/>
           </a:p>
           <a:p>
             <a:r>
-              <a:rPr lang="ja-JP" altLang="en-US" dirty="0" smtClean="0"/>
+              <a:rPr lang="ja-JP" altLang="en-US" dirty="0"/>
               <a:t>今回は</a:t>
             </a:r>
             <a:r>
-              <a:rPr lang="en-US" altLang="ja-JP" dirty="0" smtClean="0"/>
+              <a:rPr lang="en-US" altLang="ja-JP" dirty="0"/>
               <a:t> </a:t>
             </a:r>
             <a:r>
-              <a:rPr lang="en-US" altLang="ja-JP" b="1" dirty="0" err="1" smtClean="0">
+              <a:rPr lang="en-US" altLang="ja-JP" b="1" dirty="0" err="1">
                 <a:solidFill>
                   <a:srgbClr val="FF0000"/>
                 </a:solidFill>
@@ -7421,7 +7319,7 @@
               <a:t>chainer</a:t>
             </a:r>
             <a:r>
-              <a:rPr lang="en-US" altLang="ja-JP" dirty="0" smtClean="0">
+              <a:rPr lang="en-US" altLang="ja-JP" dirty="0">
                 <a:solidFill>
                   <a:srgbClr val="FF0000"/>
                 </a:solidFill>
@@ -7429,10 +7327,9 @@
               <a:t> </a:t>
             </a:r>
             <a:r>
-              <a:rPr lang="ja-JP" altLang="en-US" dirty="0" smtClean="0"/>
+              <a:rPr lang="ja-JP" altLang="en-US" dirty="0"/>
               <a:t>を用いて手書き文字の認識を行ってみます</a:t>
             </a:r>
-            <a:endParaRPr lang="ja-JP" altLang="en-US" dirty="0"/>
           </a:p>
           <a:p>
             <a:endParaRPr kumimoji="1" lang="ja-JP" altLang="en-US" dirty="0"/>
@@ -7449,13 +7346,6 @@
   <p:clrMapOvr>
     <a:masterClrMapping/>
   </p:clrMapOvr>
-  <p:timing>
-    <p:tnLst>
-      <p:par>
-        <p:cTn id="1" dur="indefinite" restart="never" nodeType="tmRoot"/>
-      </p:par>
-    </p:tnLst>
-  </p:timing>
 </p:sld>
 </file>
 
@@ -7492,18 +7382,17 @@
           <a:lstStyle/>
           <a:p>
             <a:r>
-              <a:rPr kumimoji="1" lang="en-US" altLang="ja-JP" dirty="0" err="1" smtClean="0"/>
+              <a:rPr kumimoji="1" lang="en-US" altLang="ja-JP" dirty="0" err="1"/>
               <a:t>Github</a:t>
             </a:r>
             <a:r>
-              <a:rPr kumimoji="1" lang="en-US" altLang="ja-JP" dirty="0" smtClean="0"/>
+              <a:rPr kumimoji="1" lang="en-US" altLang="ja-JP" dirty="0"/>
               <a:t> </a:t>
             </a:r>
             <a:r>
-              <a:rPr kumimoji="1" lang="ja-JP" altLang="en-US" dirty="0" smtClean="0"/>
+              <a:rPr kumimoji="1" lang="ja-JP" altLang="en-US" dirty="0"/>
               <a:t>のインストール</a:t>
             </a:r>
-            <a:endParaRPr kumimoji="1" lang="ja-JP" altLang="en-US" dirty="0"/>
           </a:p>
         </p:txBody>
       </p:sp>
@@ -7528,23 +7417,19 @@
           <a:lstStyle/>
           <a:p>
             <a:r>
-              <a:rPr lang="en-US" altLang="ja-JP" dirty="0" smtClean="0"/>
+              <a:rPr lang="en-US" altLang="ja-JP" dirty="0"/>
               <a:t>B3</a:t>
             </a:r>
             <a:r>
-              <a:rPr lang="ja-JP" altLang="en-US" dirty="0" smtClean="0"/>
+              <a:rPr lang="ja-JP" altLang="en-US" dirty="0"/>
               <a:t>ゼミではサンプルプログラムや課題の配布に利用する</a:t>
             </a:r>
-            <a:endParaRPr kumimoji="1" lang="en-US" altLang="ja-JP" dirty="0" smtClean="0"/>
-          </a:p>
-          <a:p>
-            <a:r>
-              <a:rPr lang="ja-JP" altLang="en-US" dirty="0" smtClean="0"/>
+            <a:endParaRPr kumimoji="1" lang="en-US" altLang="ja-JP" dirty="0"/>
+          </a:p>
+          <a:p>
+            <a:r>
+              <a:rPr lang="ja-JP" altLang="en-US" dirty="0"/>
               <a:t>インストール方法は下記等参照</a:t>
-            </a:r>
-            <a:r>
-              <a:rPr lang="en-US" altLang="ja-JP" dirty="0"/>
-              <a:t/>
             </a:r>
             <a:br>
               <a:rPr lang="en-US" altLang="ja-JP" dirty="0"/>
@@ -7553,18 +7438,12 @@
               <a:rPr lang="en-US" altLang="ja-JP" dirty="0">
                 <a:hlinkClick r:id="rId2"/>
               </a:rPr>
-              <a:t>http://</a:t>
-            </a:r>
-            <a:r>
-              <a:rPr lang="en-US" altLang="ja-JP" dirty="0" smtClean="0">
-                <a:hlinkClick r:id="rId2"/>
-              </a:rPr>
-              <a:t>www.atmarkit.co.jp/ait/articles/1603/31/news026.html#01</a:t>
-            </a:r>
-            <a:endParaRPr lang="en-US" altLang="ja-JP" dirty="0" smtClean="0"/>
-          </a:p>
-          <a:p>
-            <a:endParaRPr kumimoji="1" lang="en-US" altLang="ja-JP" dirty="0" smtClean="0"/>
+              <a:t>http://www.atmarkit.co.jp/ait/articles/1603/31/news026.html#01</a:t>
+            </a:r>
+            <a:endParaRPr lang="en-US" altLang="ja-JP" dirty="0"/>
+          </a:p>
+          <a:p>
+            <a:endParaRPr kumimoji="1" lang="en-US" altLang="ja-JP" dirty="0"/>
           </a:p>
           <a:p>
             <a:pPr lvl="1"/>
@@ -7633,32 +7512,10 @@
                 <a:ea typeface="MS PGothic" charset="-128"/>
                 <a:cs typeface="MS PGothic" charset="-128"/>
               </a:rPr>
-              <a:t>（ギットハブ）はソフトウェア開発プロジェクトのため</a:t>
-            </a:r>
-            <a:r>
-              <a:rPr lang="ja-JP" altLang="en-US" sz="2000" dirty="0" smtClean="0">
-                <a:solidFill>
-                  <a:schemeClr val="tx1"/>
-                </a:solidFill>
-                <a:latin typeface="MS PGothic" charset="-128"/>
-                <a:ea typeface="MS PGothic" charset="-128"/>
-                <a:cs typeface="MS PGothic" charset="-128"/>
-              </a:rPr>
-              <a:t>の</a:t>
-            </a:r>
-            <a:r>
-              <a:rPr lang="en-US" altLang="ja-JP" sz="2000" dirty="0" smtClean="0">
-                <a:solidFill>
-                  <a:schemeClr val="tx1"/>
-                </a:solidFill>
-                <a:latin typeface="MS PGothic" charset="-128"/>
-                <a:ea typeface="MS PGothic" charset="-128"/>
-                <a:cs typeface="MS PGothic" charset="-128"/>
-              </a:rPr>
-              <a:t/>
+              <a:t>（ギットハブ）はソフトウェア開発プロジェクトのための</a:t>
             </a:r>
             <a:br>
-              <a:rPr lang="en-US" altLang="ja-JP" sz="2000" dirty="0" smtClean="0">
+              <a:rPr lang="en-US" altLang="ja-JP" sz="2000" dirty="0">
                 <a:solidFill>
                   <a:schemeClr val="tx1"/>
                 </a:solidFill>
@@ -7668,17 +7525,6 @@
               </a:rPr>
             </a:br>
             <a:r>
-              <a:rPr lang="ja-JP" altLang="en-US" sz="2000" dirty="0" smtClean="0">
-                <a:solidFill>
-                  <a:schemeClr val="tx1"/>
-                </a:solidFill>
-                <a:latin typeface="MS PGothic" charset="-128"/>
-                <a:ea typeface="MS PGothic" charset="-128"/>
-                <a:cs typeface="MS PGothic" charset="-128"/>
-              </a:rPr>
-              <a:t>共有</a:t>
-            </a:r>
-            <a:r>
               <a:rPr lang="ja-JP" altLang="en-US" sz="2000" dirty="0">
                 <a:solidFill>
                   <a:schemeClr val="tx1"/>
@@ -7687,7 +7533,7 @@
                 <a:ea typeface="MS PGothic" charset="-128"/>
                 <a:cs typeface="MS PGothic" charset="-128"/>
               </a:rPr>
-              <a:t>ウェブサービスであり、</a:t>
+              <a:t>共有ウェブサービスであり、</a:t>
             </a:r>
             <a:r>
               <a:rPr lang="en-US" altLang="ja-JP" sz="2000" dirty="0" err="1">
@@ -7709,32 +7555,10 @@
                 <a:ea typeface="MS PGothic" charset="-128"/>
                 <a:cs typeface="MS PGothic" charset="-128"/>
               </a:rPr>
-              <a:t>バージョン管理システムを使用する</a:t>
-            </a:r>
-            <a:r>
-              <a:rPr lang="ja-JP" altLang="en-US" sz="2000" dirty="0" smtClean="0">
-                <a:solidFill>
-                  <a:schemeClr val="tx1"/>
-                </a:solidFill>
-                <a:latin typeface="MS PGothic" charset="-128"/>
-                <a:ea typeface="MS PGothic" charset="-128"/>
-                <a:cs typeface="MS PGothic" charset="-128"/>
-              </a:rPr>
-              <a:t>。</a:t>
-            </a:r>
-            <a:r>
-              <a:rPr lang="en-US" altLang="ja-JP" sz="2000" dirty="0" smtClean="0">
-                <a:solidFill>
-                  <a:schemeClr val="tx1"/>
-                </a:solidFill>
-                <a:latin typeface="MS PGothic" charset="-128"/>
-                <a:ea typeface="MS PGothic" charset="-128"/>
-                <a:cs typeface="MS PGothic" charset="-128"/>
-              </a:rPr>
-              <a:t/>
+              <a:t>バージョン管理システムを使用する。</a:t>
             </a:r>
             <a:br>
-              <a:rPr lang="en-US" altLang="ja-JP" sz="2000" dirty="0" smtClean="0">
+              <a:rPr lang="en-US" altLang="ja-JP" sz="2000" dirty="0">
                 <a:solidFill>
                   <a:schemeClr val="tx1"/>
                 </a:solidFill>
@@ -7773,13 +7597,6 @@
   <p:clrMapOvr>
     <a:masterClrMapping/>
   </p:clrMapOvr>
-  <p:timing>
-    <p:tnLst>
-      <p:par>
-        <p:cTn id="1" dur="indefinite" restart="never" nodeType="tmRoot"/>
-      </p:par>
-    </p:tnLst>
-  </p:timing>
 </p:sld>
 </file>
 
@@ -7821,7 +7638,7 @@
           <a:lstStyle/>
           <a:p>
             <a:r>
-              <a:rPr kumimoji="1" lang="ja-JP" altLang="en-US" smtClean="0"/>
+              <a:rPr kumimoji="1" lang="ja-JP" altLang="en-US"/>
               <a:t>サンプルプログラム配布ページ</a:t>
             </a:r>
             <a:endParaRPr kumimoji="1" lang="ja-JP" altLang="en-US" dirty="0"/>
@@ -7852,26 +7669,23 @@
               <a:rPr lang="en-US" altLang="ja-JP" dirty="0">
                 <a:hlinkClick r:id="rId2"/>
               </a:rPr>
-              <a:t>https://</a:t>
-            </a:r>
-            <a:r>
-              <a:rPr lang="en-US" altLang="ja-JP" dirty="0" smtClean="0">
-                <a:hlinkClick r:id="rId2"/>
-              </a:rPr>
-              <a:t>github.com/NaohiroTawara/B3_seminor2017/tree/master/DNN</a:t>
-            </a:r>
-            <a:endParaRPr lang="en-US" altLang="ja-JP" dirty="0" smtClean="0"/>
-          </a:p>
-          <a:p>
+              <a:t>https://github.com/NaohiroTawara/B3_seminor2018.git</a:t>
+            </a:r>
+            <a:endParaRPr lang="en-US" altLang="ja-JP" dirty="0"/>
+          </a:p>
+          <a:p>
+            <a:pPr marL="0" indent="0">
+              <a:buNone/>
+            </a:pPr>
             <a:endParaRPr kumimoji="1" lang="en-US" altLang="ja-JP" dirty="0"/>
           </a:p>
           <a:p>
             <a:r>
-              <a:rPr lang="en-US" altLang="ja-JP" dirty="0" err="1" smtClean="0"/>
+              <a:rPr lang="en-US" altLang="ja-JP" dirty="0" err="1"/>
               <a:t>Git</a:t>
             </a:r>
             <a:r>
-              <a:rPr lang="ja-JP" altLang="en-US" dirty="0" smtClean="0"/>
+              <a:rPr lang="ja-JP" altLang="en-US" dirty="0"/>
               <a:t>を使えば下記でまとめてダウンロードできます</a:t>
             </a:r>
             <a:endParaRPr kumimoji="1" lang="ja-JP" altLang="en-US" dirty="0"/>
@@ -7920,7 +7734,7 @@
           <a:lstStyle/>
           <a:p>
             <a:r>
-              <a:rPr kumimoji="1" lang="en-US" altLang="ja-JP" sz="2000" dirty="0" smtClean="0">
+              <a:rPr kumimoji="1" lang="en-US" altLang="ja-JP" sz="2000" dirty="0">
                 <a:solidFill>
                   <a:schemeClr val="tx1"/>
                 </a:solidFill>
@@ -7931,7 +7745,7 @@
               <a:t>$ </a:t>
             </a:r>
             <a:r>
-              <a:rPr kumimoji="1" lang="en-US" altLang="ja-JP" sz="2000" dirty="0" err="1" smtClean="0">
+              <a:rPr kumimoji="1" lang="en-US" altLang="ja-JP" sz="2000" dirty="0" err="1">
                 <a:solidFill>
                   <a:schemeClr val="tx1"/>
                 </a:solidFill>
@@ -7996,14 +7810,6 @@
               </a:rPr>
               <a:t>/B3_seminor </a:t>
             </a:r>
-            <a:endParaRPr lang="en-US" altLang="ja-JP" sz="2000" dirty="0" smtClean="0">
-              <a:solidFill>
-                <a:schemeClr val="tx1"/>
-              </a:solidFill>
-              <a:latin typeface="MS PGothic" charset="-128"/>
-              <a:ea typeface="MS PGothic" charset="-128"/>
-              <a:cs typeface="MS PGothic" charset="-128"/>
-            </a:endParaRPr>
           </a:p>
         </p:txBody>
       </p:sp>
@@ -8017,13 +7823,6 @@
   <p:clrMapOvr>
     <a:masterClrMapping/>
   </p:clrMapOvr>
-  <p:timing>
-    <p:tnLst>
-      <p:par>
-        <p:cTn id="1" dur="indefinite" restart="never" nodeType="tmRoot"/>
-      </p:par>
-    </p:tnLst>
-  </p:timing>
 </p:sld>
 </file>
 
@@ -8065,7 +7864,7 @@
           <a:lstStyle/>
           <a:p>
             <a:r>
-              <a:rPr lang="ja-JP" altLang="en-US" dirty="0" smtClean="0"/>
+              <a:rPr lang="ja-JP" altLang="en-US" dirty="0"/>
               <a:t>課題（結果の提出は求めません）</a:t>
             </a:r>
             <a:endParaRPr kumimoji="1" lang="ja-JP" altLang="en-US" dirty="0"/>
@@ -8099,14 +7898,14 @@
               <a:buAutoNum type="arabicPeriod"/>
             </a:pPr>
             <a:r>
-              <a:rPr kumimoji="1" lang="ja-JP" altLang="en-US" dirty="0" smtClean="0"/>
+              <a:rPr kumimoji="1" lang="ja-JP" altLang="en-US" dirty="0"/>
               <a:t>サンプルプログラムを回して手書き数字認識用ニューラルネットワークを構築してみよう</a:t>
             </a:r>
-            <a:endParaRPr kumimoji="1" lang="en-US" altLang="ja-JP" dirty="0" smtClean="0"/>
+            <a:endParaRPr kumimoji="1" lang="en-US" altLang="ja-JP" dirty="0"/>
           </a:p>
           <a:p>
             <a:pPr lvl="1"/>
-            <a:endParaRPr kumimoji="1" lang="en-US" altLang="ja-JP" dirty="0" smtClean="0"/>
+            <a:endParaRPr kumimoji="1" lang="en-US" altLang="ja-JP" dirty="0"/>
           </a:p>
           <a:p>
             <a:pPr marL="514350" indent="-514350">
@@ -8121,17 +7920,13 @@
               <a:buAutoNum type="arabicPeriod"/>
             </a:pPr>
             <a:r>
-              <a:rPr kumimoji="1" lang="ja-JP" altLang="en-US" dirty="0" smtClean="0"/>
+              <a:rPr kumimoji="1" lang="ja-JP" altLang="en-US" dirty="0"/>
               <a:t>作成したニューラルネットワークを可視化してみよう</a:t>
             </a:r>
-            <a:r>
-              <a:rPr kumimoji="1" lang="en-US" altLang="ja-JP" dirty="0" smtClean="0"/>
-              <a:t/>
-            </a:r>
             <a:br>
-              <a:rPr kumimoji="1" lang="en-US" altLang="ja-JP" dirty="0" smtClean="0"/>
+              <a:rPr kumimoji="1" lang="en-US" altLang="ja-JP" dirty="0"/>
             </a:br>
-            <a:endParaRPr kumimoji="1" lang="en-US" altLang="ja-JP" dirty="0" smtClean="0"/>
+            <a:endParaRPr kumimoji="1" lang="en-US" altLang="ja-JP" dirty="0"/>
           </a:p>
           <a:p>
             <a:pPr marL="514350" indent="-514350">
@@ -8146,11 +7941,11 @@
               <a:buAutoNum type="arabicPeriod"/>
             </a:pPr>
             <a:r>
-              <a:rPr kumimoji="1" lang="ja-JP" altLang="en-US" dirty="0" smtClean="0"/>
+              <a:rPr kumimoji="1" lang="ja-JP" altLang="en-US" dirty="0"/>
               <a:t>ニューラルネットワークの構造（</a:t>
             </a:r>
             <a:r>
-              <a:rPr kumimoji="1" lang="ja-JP" altLang="en-US" b="1" dirty="0" smtClean="0">
+              <a:rPr kumimoji="1" lang="ja-JP" altLang="en-US" b="1" dirty="0">
                 <a:solidFill>
                   <a:srgbClr val="FF0000"/>
                 </a:solidFill>
@@ -8158,7 +7953,7 @@
               <a:t>層数やユニット数</a:t>
             </a:r>
             <a:r>
-              <a:rPr lang="ja-JP" altLang="en-US" b="1" dirty="0" smtClean="0">
+              <a:rPr lang="ja-JP" altLang="en-US" b="1" dirty="0">
                 <a:solidFill>
                   <a:srgbClr val="FF0000"/>
                 </a:solidFill>
@@ -8166,28 +7961,20 @@
               <a:t>、ミニバッチサイズなど</a:t>
             </a:r>
             <a:r>
-              <a:rPr kumimoji="1" lang="ja-JP" altLang="en-US" dirty="0" smtClean="0"/>
+              <a:rPr kumimoji="1" lang="ja-JP" altLang="en-US" dirty="0"/>
               <a:t>）を変え</a:t>
             </a:r>
             <a:r>
-              <a:rPr lang="ja-JP" altLang="en-US" dirty="0" smtClean="0"/>
+              <a:rPr lang="ja-JP" altLang="en-US" dirty="0"/>
               <a:t>て学習した</a:t>
             </a:r>
             <a:r>
-              <a:rPr kumimoji="1" lang="ja-JP" altLang="en-US" dirty="0" smtClean="0"/>
+              <a:rPr kumimoji="1" lang="ja-JP" altLang="en-US" dirty="0"/>
               <a:t>ときに結果</a:t>
             </a:r>
             <a:r>
-              <a:rPr lang="ja-JP" altLang="en-US" dirty="0" smtClean="0"/>
+              <a:rPr lang="ja-JP" altLang="en-US" dirty="0"/>
               <a:t>（</a:t>
-            </a:r>
-            <a:r>
-              <a:rPr lang="ja-JP" altLang="en-US" b="1" dirty="0" smtClean="0">
-                <a:solidFill>
-                  <a:srgbClr val="FF0000"/>
-                </a:solidFill>
-              </a:rPr>
-              <a:t>認識</a:t>
             </a:r>
             <a:r>
               <a:rPr lang="ja-JP" altLang="en-US" b="1" dirty="0">
@@ -8195,29 +7982,21 @@
                   <a:srgbClr val="FF0000"/>
                 </a:solidFill>
               </a:rPr>
-              <a:t>精度や計算時間</a:t>
-            </a:r>
-            <a:r>
-              <a:rPr lang="ja-JP" altLang="en-US" b="1" dirty="0" smtClean="0">
-                <a:solidFill>
-                  <a:srgbClr val="FF0000"/>
-                </a:solidFill>
-              </a:rPr>
-              <a:t>など</a:t>
-            </a:r>
-            <a:r>
-              <a:rPr lang="ja-JP" altLang="en-US" dirty="0" smtClean="0"/>
+              <a:t>認識精度や計算時間など</a:t>
+            </a:r>
+            <a:r>
+              <a:rPr lang="ja-JP" altLang="en-US" dirty="0"/>
               <a:t>）</a:t>
             </a:r>
             <a:r>
-              <a:rPr kumimoji="1" lang="ja-JP" altLang="en-US" dirty="0" smtClean="0"/>
+              <a:rPr kumimoji="1" lang="ja-JP" altLang="en-US" dirty="0"/>
               <a:t>がどのように変わるか見てみよう</a:t>
             </a:r>
-            <a:endParaRPr lang="en-US" altLang="ja-JP" dirty="0" smtClean="0"/>
+            <a:endParaRPr lang="en-US" altLang="ja-JP" dirty="0"/>
           </a:p>
           <a:p>
             <a:pPr lvl="1"/>
-            <a:endParaRPr kumimoji="1" lang="en-US" altLang="ja-JP" dirty="0" smtClean="0"/>
+            <a:endParaRPr kumimoji="1" lang="en-US" altLang="ja-JP" dirty="0"/>
           </a:p>
         </p:txBody>
       </p:sp>
@@ -8263,7 +8042,7 @@
           <a:lstStyle/>
           <a:p>
             <a:r>
-              <a:rPr kumimoji="1" lang="en-US" altLang="ja-JP" sz="2000" dirty="0" smtClean="0">
+              <a:rPr kumimoji="1" lang="en-US" altLang="ja-JP" sz="2000" dirty="0">
                 <a:solidFill>
                   <a:schemeClr val="tx1"/>
                 </a:solidFill>
@@ -8274,7 +8053,7 @@
               <a:t>$ python </a:t>
             </a:r>
             <a:r>
-              <a:rPr kumimoji="1" lang="en-US" altLang="ja-JP" sz="2000" dirty="0" err="1" smtClean="0">
+              <a:rPr kumimoji="1" lang="en-US" altLang="ja-JP" sz="2000" dirty="0" err="1">
                 <a:solidFill>
                   <a:schemeClr val="tx1"/>
                 </a:solidFill>
@@ -8285,7 +8064,7 @@
               <a:t>train_mnist.py</a:t>
             </a:r>
             <a:r>
-              <a:rPr kumimoji="1" lang="en-US" altLang="ja-JP" sz="2000" dirty="0" smtClean="0">
+              <a:rPr kumimoji="1" lang="en-US" altLang="ja-JP" sz="2000" dirty="0">
                 <a:solidFill>
                   <a:schemeClr val="tx1"/>
                 </a:solidFill>
@@ -8295,7 +8074,7 @@
               </a:rPr>
               <a:t> </a:t>
             </a:r>
-            <a:endParaRPr lang="en-US" altLang="ja-JP" sz="2000" dirty="0" smtClean="0">
+            <a:endParaRPr lang="en-US" altLang="ja-JP" sz="2000" dirty="0">
               <a:solidFill>
                 <a:schemeClr val="tx1"/>
               </a:solidFill>
@@ -8391,7 +8170,7 @@
               </a:rPr>
               <a:t>analyze_mnist.ipynb</a:t>
             </a:r>
-            <a:endParaRPr lang="en-US" altLang="ja-JP" sz="2000" dirty="0" smtClean="0">
+            <a:endParaRPr lang="en-US" altLang="ja-JP" sz="2000" dirty="0">
               <a:solidFill>
                 <a:schemeClr val="tx1"/>
               </a:solidFill>
@@ -8412,13 +8191,6 @@
   <p:clrMapOvr>
     <a:masterClrMapping/>
   </p:clrMapOvr>
-  <p:timing>
-    <p:tnLst>
-      <p:par>
-        <p:cTn id="1" dur="indefinite" restart="never" nodeType="tmRoot"/>
-      </p:par>
-    </p:tnLst>
-  </p:timing>
 </p:sld>
 </file>
 
@@ -8455,15 +8227,15 @@
           <a:lstStyle/>
           <a:p>
             <a:r>
-              <a:rPr lang="ja-JP" altLang="en-US" dirty="0" smtClean="0"/>
+              <a:rPr lang="ja-JP" altLang="en-US" dirty="0"/>
               <a:t>手書き文字（</a:t>
             </a:r>
             <a:r>
-              <a:rPr lang="en-US" altLang="ja-JP" dirty="0" smtClean="0"/>
+              <a:rPr lang="en-US" altLang="ja-JP" dirty="0"/>
               <a:t>MNIST</a:t>
             </a:r>
             <a:r>
-              <a:rPr lang="ja-JP" altLang="en-US" dirty="0" smtClean="0"/>
+              <a:rPr lang="ja-JP" altLang="en-US" dirty="0"/>
               <a:t>）</a:t>
             </a:r>
             <a:endParaRPr kumimoji="1" lang="ja-JP" altLang="en-US" dirty="0"/>
@@ -8486,95 +8258,83 @@
           <a:lstStyle/>
           <a:p>
             <a:r>
-              <a:rPr kumimoji="1" lang="en-US" altLang="ja-JP" dirty="0" smtClean="0"/>
+              <a:rPr kumimoji="1" lang="en-US" altLang="ja-JP" dirty="0"/>
               <a:t>0〜9</a:t>
             </a:r>
             <a:r>
-              <a:rPr kumimoji="1" lang="ja-JP" altLang="en-US" dirty="0" smtClean="0"/>
+              <a:rPr kumimoji="1" lang="ja-JP" altLang="en-US" dirty="0"/>
               <a:t>の手書き文字</a:t>
             </a:r>
-            <a:endParaRPr kumimoji="1" lang="en-US" altLang="ja-JP" dirty="0" smtClean="0"/>
-          </a:p>
-          <a:p>
-            <a:r>
-              <a:rPr lang="ja-JP" altLang="en-US" dirty="0" smtClean="0"/>
+            <a:endParaRPr kumimoji="1" lang="en-US" altLang="ja-JP" dirty="0"/>
+          </a:p>
+          <a:p>
+            <a:r>
+              <a:rPr lang="ja-JP" altLang="en-US" dirty="0"/>
               <a:t>データ数</a:t>
             </a:r>
-            <a:endParaRPr lang="en-US" altLang="ja-JP" dirty="0" smtClean="0"/>
+            <a:endParaRPr lang="en-US" altLang="ja-JP" dirty="0"/>
           </a:p>
           <a:p>
             <a:pPr lvl="1"/>
             <a:r>
-              <a:rPr lang="ja-JP" altLang="en-US" dirty="0" smtClean="0"/>
+              <a:rPr lang="ja-JP" altLang="en-US" dirty="0"/>
               <a:t>学習用：</a:t>
             </a:r>
             <a:r>
               <a:rPr lang="en-US" altLang="ja-JP" dirty="0"/>
-              <a:t>6</a:t>
-            </a:r>
-            <a:r>
-              <a:rPr lang="en-US" altLang="ja-JP" dirty="0" smtClean="0"/>
-              <a:t>0000</a:t>
-            </a:r>
-            <a:r>
-              <a:rPr lang="ja-JP" altLang="en-US" dirty="0" smtClean="0"/>
+              <a:t>60000</a:t>
+            </a:r>
+            <a:r>
+              <a:rPr lang="ja-JP" altLang="en-US" dirty="0"/>
               <a:t>サンプル</a:t>
             </a:r>
-            <a:endParaRPr lang="en-US" altLang="ja-JP" dirty="0" smtClean="0"/>
+            <a:endParaRPr lang="en-US" altLang="ja-JP" dirty="0"/>
           </a:p>
           <a:p>
             <a:pPr lvl="1"/>
             <a:r>
-              <a:rPr kumimoji="1" lang="ja-JP" altLang="en-US" dirty="0" smtClean="0"/>
+              <a:rPr kumimoji="1" lang="ja-JP" altLang="en-US" dirty="0"/>
               <a:t>テスト用：</a:t>
             </a:r>
             <a:r>
               <a:rPr lang="en-US" altLang="ja-JP" dirty="0"/>
-              <a:t> </a:t>
-            </a:r>
-            <a:r>
-              <a:rPr lang="en-US" altLang="ja-JP" dirty="0" smtClean="0"/>
-              <a:t>10000</a:t>
-            </a:r>
-            <a:r>
-              <a:rPr lang="ja-JP" altLang="en-US" dirty="0" smtClean="0"/>
+              <a:t> 10000</a:t>
+            </a:r>
+            <a:r>
+              <a:rPr lang="ja-JP" altLang="en-US" dirty="0"/>
               <a:t>サンプル</a:t>
             </a:r>
-            <a:endParaRPr lang="en-US" altLang="ja-JP" dirty="0" smtClean="0"/>
-          </a:p>
-          <a:p>
-            <a:r>
-              <a:rPr lang="ja-JP" altLang="en-US" dirty="0" smtClean="0"/>
+            <a:endParaRPr lang="en-US" altLang="ja-JP" dirty="0"/>
+          </a:p>
+          <a:p>
+            <a:r>
+              <a:rPr lang="ja-JP" altLang="en-US" dirty="0"/>
               <a:t>データフォーマット</a:t>
             </a:r>
-            <a:endParaRPr lang="en-US" altLang="ja-JP" dirty="0" smtClean="0"/>
+            <a:endParaRPr lang="en-US" altLang="ja-JP" dirty="0"/>
           </a:p>
           <a:p>
             <a:pPr lvl="1"/>
             <a:r>
-              <a:rPr lang="en-US" altLang="ja-JP" dirty="0" smtClean="0"/>
+              <a:rPr lang="en-US" altLang="ja-JP" dirty="0"/>
               <a:t>28 × 28 pixel </a:t>
             </a:r>
           </a:p>
           <a:p>
             <a:pPr lvl="1"/>
             <a:r>
-              <a:rPr lang="en-US" altLang="ja-JP" dirty="0" smtClean="0"/>
+              <a:rPr lang="en-US" altLang="ja-JP" dirty="0"/>
               <a:t>0-255</a:t>
             </a:r>
             <a:r>
-              <a:rPr lang="ja-JP" altLang="en-US" dirty="0" smtClean="0"/>
+              <a:rPr lang="ja-JP" altLang="en-US" dirty="0"/>
               <a:t>の整数値からなる</a:t>
             </a:r>
-            <a:r>
-              <a:rPr lang="en-US" altLang="ja-JP" dirty="0" smtClean="0"/>
-              <a:t/>
-            </a:r>
             <a:br>
-              <a:rPr lang="en-US" altLang="ja-JP" dirty="0" smtClean="0"/>
+              <a:rPr lang="en-US" altLang="ja-JP" dirty="0"/>
             </a:br>
             <a:r>
-              <a:rPr lang="ja-JP" altLang="en-US" dirty="0" smtClean="0"/>
+              <a:rPr lang="ja-JP" altLang="en-US" dirty="0"/>
               <a:t>グレイスケール</a:t>
             </a:r>
             <a:endParaRPr lang="en-US" altLang="ja-JP" dirty="0"/>
@@ -8619,13 +8379,6 @@
   <p:clrMapOvr>
     <a:masterClrMapping/>
   </p:clrMapOvr>
-  <p:timing>
-    <p:tnLst>
-      <p:par>
-        <p:cTn id="1" dur="indefinite" restart="never" nodeType="tmRoot"/>
-      </p:par>
-    </p:tnLst>
-  </p:timing>
 </p:sld>
 </file>
 
@@ -8662,7 +8415,7 @@
           <a:lstStyle/>
           <a:p>
             <a:r>
-              <a:rPr lang="ja-JP" altLang="en-US" dirty="0" smtClean="0"/>
+              <a:rPr lang="ja-JP" altLang="en-US" dirty="0"/>
               <a:t>実行時の注意</a:t>
             </a:r>
             <a:endParaRPr kumimoji="1" lang="ja-JP" altLang="en-US" dirty="0"/>
@@ -8685,27 +8438,23 @@
           <a:lstStyle/>
           <a:p>
             <a:r>
-              <a:rPr lang="ja-JP" altLang="en-US" dirty="0" smtClean="0"/>
+              <a:rPr lang="ja-JP" altLang="en-US" dirty="0"/>
               <a:t>初回時のみ下記のコマンドにより必要なライブラリをインストールする必要があります</a:t>
             </a:r>
-            <a:r>
-              <a:rPr lang="en-US" altLang="ja-JP" dirty="0" smtClean="0"/>
-              <a:t/>
-            </a:r>
             <a:br>
-              <a:rPr lang="en-US" altLang="ja-JP" dirty="0" smtClean="0"/>
+              <a:rPr lang="en-US" altLang="ja-JP" dirty="0"/>
             </a:br>
-            <a:endParaRPr lang="en-US" altLang="ja-JP" dirty="0" smtClean="0"/>
-          </a:p>
-          <a:p>
             <a:endParaRPr lang="en-US" altLang="ja-JP" dirty="0"/>
           </a:p>
           <a:p>
-            <a:r>
-              <a:rPr lang="ja-JP" altLang="en-US" dirty="0" smtClean="0"/>
+            <a:endParaRPr lang="en-US" altLang="ja-JP" dirty="0"/>
+          </a:p>
+          <a:p>
+            <a:r>
+              <a:rPr lang="ja-JP" altLang="en-US" dirty="0"/>
               <a:t>環境によっては他にもライブラリが必要な可能性があるので、もし下記のエラーが出たら適宜インストールしてください</a:t>
             </a:r>
-            <a:endParaRPr lang="en-US" altLang="ja-JP" dirty="0" smtClean="0"/>
+            <a:endParaRPr lang="en-US" altLang="ja-JP" dirty="0"/>
           </a:p>
           <a:p>
             <a:endParaRPr kumimoji="1" lang="ja-JP" altLang="en-US" dirty="0"/>
@@ -8754,7 +8503,7 @@
           <a:lstStyle/>
           <a:p>
             <a:r>
-              <a:rPr kumimoji="1" lang="en-US" altLang="ja-JP" sz="2000" dirty="0" smtClean="0">
+              <a:rPr kumimoji="1" lang="en-US" altLang="ja-JP" sz="2000" dirty="0">
                 <a:solidFill>
                   <a:schemeClr val="tx1"/>
                 </a:solidFill>
@@ -8765,7 +8514,7 @@
               <a:t>$ pip install </a:t>
             </a:r>
             <a:r>
-              <a:rPr kumimoji="1" lang="en-US" altLang="ja-JP" sz="2000" dirty="0" err="1" smtClean="0">
+              <a:rPr kumimoji="1" lang="en-US" altLang="ja-JP" sz="2000" dirty="0" err="1">
                 <a:solidFill>
                   <a:schemeClr val="tx1"/>
                 </a:solidFill>
@@ -8776,7 +8525,7 @@
               <a:t>chainer</a:t>
             </a:r>
             <a:r>
-              <a:rPr kumimoji="1" lang="en-US" altLang="ja-JP" sz="2000" dirty="0" smtClean="0">
+              <a:rPr kumimoji="1" lang="en-US" altLang="ja-JP" sz="2000" dirty="0">
                 <a:solidFill>
                   <a:schemeClr val="tx1"/>
                 </a:solidFill>
@@ -8787,7 +8536,7 @@
               <a:t> </a:t>
             </a:r>
             <a:r>
-              <a:rPr kumimoji="1" lang="en-US" altLang="ja-JP" sz="2000" dirty="0" err="1" smtClean="0">
+              <a:rPr kumimoji="1" lang="en-US" altLang="ja-JP" sz="2000" dirty="0" err="1">
                 <a:solidFill>
                   <a:schemeClr val="tx1"/>
                 </a:solidFill>
@@ -8798,7 +8547,7 @@
               <a:t>matplotlib</a:t>
             </a:r>
             <a:r>
-              <a:rPr kumimoji="1" lang="en-US" altLang="ja-JP" sz="2000" dirty="0" smtClean="0">
+              <a:rPr kumimoji="1" lang="en-US" altLang="ja-JP" sz="2000" dirty="0">
                 <a:solidFill>
                   <a:schemeClr val="tx1"/>
                 </a:solidFill>
@@ -8809,7 +8558,7 @@
               <a:t> </a:t>
             </a:r>
             <a:r>
-              <a:rPr kumimoji="1" lang="en-US" altLang="ja-JP" sz="2000" dirty="0" err="1" smtClean="0">
+              <a:rPr kumimoji="1" lang="en-US" altLang="ja-JP" sz="2000" dirty="0" err="1">
                 <a:solidFill>
                   <a:schemeClr val="tx1"/>
                 </a:solidFill>
@@ -8820,7 +8569,7 @@
               <a:t>sklearn</a:t>
             </a:r>
             <a:r>
-              <a:rPr kumimoji="1" lang="en-US" altLang="ja-JP" sz="2000" dirty="0" smtClean="0">
+              <a:rPr kumimoji="1" lang="en-US" altLang="ja-JP" sz="2000" dirty="0">
                 <a:solidFill>
                   <a:schemeClr val="tx1"/>
                 </a:solidFill>
@@ -8831,7 +8580,7 @@
               <a:t> </a:t>
             </a:r>
             <a:r>
-              <a:rPr kumimoji="1" lang="en-US" altLang="ja-JP" sz="2000" dirty="0" err="1" smtClean="0">
+              <a:rPr kumimoji="1" lang="en-US" altLang="ja-JP" sz="2000" dirty="0" err="1">
                 <a:solidFill>
                   <a:schemeClr val="tx1"/>
                 </a:solidFill>
@@ -8842,7 +8591,7 @@
               <a:t>numpy</a:t>
             </a:r>
             <a:r>
-              <a:rPr kumimoji="1" lang="en-US" altLang="ja-JP" sz="2000" dirty="0" smtClean="0">
+              <a:rPr kumimoji="1" lang="en-US" altLang="ja-JP" sz="2000" dirty="0">
                 <a:solidFill>
                   <a:schemeClr val="tx1"/>
                 </a:solidFill>
@@ -8853,7 +8602,7 @@
               <a:t> </a:t>
             </a:r>
             <a:r>
-              <a:rPr kumimoji="1" lang="en-US" altLang="ja-JP" sz="2000" dirty="0" err="1" smtClean="0">
+              <a:rPr kumimoji="1" lang="en-US" altLang="ja-JP" sz="2000" dirty="0" err="1">
                 <a:solidFill>
                   <a:schemeClr val="tx1"/>
                 </a:solidFill>
@@ -8864,7 +8613,7 @@
               <a:t>pydotplus</a:t>
             </a:r>
             <a:r>
-              <a:rPr kumimoji="1" lang="en-US" altLang="ja-JP" sz="2000" dirty="0" smtClean="0">
+              <a:rPr kumimoji="1" lang="en-US" altLang="ja-JP" sz="2000" dirty="0">
                 <a:solidFill>
                   <a:schemeClr val="tx1"/>
                 </a:solidFill>
@@ -8874,7 +8623,7 @@
               </a:rPr>
               <a:t> Image </a:t>
             </a:r>
-            <a:endParaRPr lang="en-US" altLang="ja-JP" sz="2000" dirty="0" smtClean="0">
+            <a:endParaRPr lang="en-US" altLang="ja-JP" sz="2000" dirty="0">
               <a:solidFill>
                 <a:schemeClr val="tx1"/>
               </a:solidFill>
@@ -8946,21 +8695,10 @@
                 <a:ea typeface="MS PGothic" charset="-128"/>
                 <a:cs typeface="MS PGothic" charset="-128"/>
               </a:rPr>
-              <a:t>: No module named </a:t>
-            </a:r>
-            <a:r>
-              <a:rPr lang="en-US" altLang="ja-JP" sz="2000" dirty="0" smtClean="0">
-                <a:solidFill>
-                  <a:schemeClr val="tx1"/>
-                </a:solidFill>
-                <a:latin typeface="MS PGothic" charset="-128"/>
-                <a:ea typeface="MS PGothic" charset="-128"/>
-                <a:cs typeface="MS PGothic" charset="-128"/>
-              </a:rPr>
-              <a:t>&lt;</a:t>
-            </a:r>
-            <a:r>
-              <a:rPr lang="ja-JP" altLang="en-US" sz="2000" dirty="0" smtClean="0">
+              <a:t>: No module named &lt;</a:t>
+            </a:r>
+            <a:r>
+              <a:rPr lang="ja-JP" altLang="en-US" sz="2000" dirty="0">
                 <a:solidFill>
                   <a:schemeClr val="tx1"/>
                 </a:solidFill>
@@ -8971,7 +8709,7 @@
               <a:t>ライブラリ名</a:t>
             </a:r>
             <a:r>
-              <a:rPr lang="en-US" altLang="ja-JP" sz="2000" dirty="0" smtClean="0">
+              <a:rPr lang="en-US" altLang="ja-JP" sz="2000" dirty="0">
                 <a:solidFill>
                   <a:schemeClr val="tx1"/>
                 </a:solidFill>
@@ -8994,13 +8732,6 @@
   <p:clrMapOvr>
     <a:masterClrMapping/>
   </p:clrMapOvr>
-  <p:timing>
-    <p:tnLst>
-      <p:par>
-        <p:cTn id="1" dur="indefinite" restart="never" nodeType="tmRoot"/>
-      </p:par>
-    </p:tnLst>
-  </p:timing>
 </p:sld>
 </file>
 
@@ -9037,10 +8768,9 @@
           <a:lstStyle/>
           <a:p>
             <a:r>
-              <a:rPr kumimoji="1" lang="ja-JP" altLang="en-US" dirty="0" smtClean="0"/>
+              <a:rPr kumimoji="1" lang="ja-JP" altLang="en-US" dirty="0"/>
               <a:t>実行例</a:t>
             </a:r>
-            <a:endParaRPr kumimoji="1" lang="ja-JP" altLang="en-US" dirty="0"/>
           </a:p>
         </p:txBody>
       </p:sp>
@@ -9139,30 +8869,22 @@
           <a:lstStyle/>
           <a:p>
             <a:r>
-              <a:rPr lang="ja-JP" altLang="en-US" dirty="0" smtClean="0">
+              <a:rPr lang="ja-JP" altLang="en-US" dirty="0">
                 <a:latin typeface="Meiryo" charset="-128"/>
                 <a:ea typeface="Meiryo" charset="-128"/>
                 <a:cs typeface="Meiryo" charset="-128"/>
               </a:rPr>
               <a:t>初回時のみデータセットの</a:t>
             </a:r>
-            <a:r>
-              <a:rPr lang="en-US" altLang="ja-JP" dirty="0" smtClean="0">
-                <a:latin typeface="Meiryo" charset="-128"/>
-                <a:ea typeface="Meiryo" charset="-128"/>
-                <a:cs typeface="Meiryo" charset="-128"/>
-              </a:rPr>
-              <a:t/>
-            </a:r>
             <a:br>
-              <a:rPr lang="en-US" altLang="ja-JP" dirty="0" smtClean="0">
+              <a:rPr lang="en-US" altLang="ja-JP" dirty="0">
                 <a:latin typeface="Meiryo" charset="-128"/>
                 <a:ea typeface="Meiryo" charset="-128"/>
                 <a:cs typeface="Meiryo" charset="-128"/>
               </a:rPr>
             </a:br>
             <a:r>
-              <a:rPr lang="ja-JP" altLang="en-US" dirty="0" smtClean="0">
+              <a:rPr lang="ja-JP" altLang="en-US" dirty="0">
                 <a:latin typeface="Meiryo" charset="-128"/>
                 <a:ea typeface="Meiryo" charset="-128"/>
                 <a:cs typeface="Meiryo" charset="-128"/>
@@ -9202,7 +8924,7 @@
           <a:lstStyle/>
           <a:p>
             <a:r>
-              <a:rPr lang="ja-JP" altLang="en-US" dirty="0" smtClean="0">
+              <a:rPr lang="ja-JP" altLang="en-US" dirty="0">
                 <a:latin typeface="Meiryo" charset="-128"/>
                 <a:ea typeface="Meiryo" charset="-128"/>
                 <a:cs typeface="Meiryo" charset="-128"/>
@@ -9210,7 +8932,7 @@
               <a:t>各</a:t>
             </a:r>
             <a:r>
-              <a:rPr lang="en-US" altLang="ja-JP" dirty="0" smtClean="0">
+              <a:rPr lang="en-US" altLang="ja-JP" dirty="0">
                 <a:latin typeface="Meiryo" charset="-128"/>
                 <a:ea typeface="Meiryo" charset="-128"/>
                 <a:cs typeface="Meiryo" charset="-128"/>
@@ -9218,30 +8940,22 @@
               <a:t>epoch</a:t>
             </a:r>
             <a:r>
-              <a:rPr lang="ja-JP" altLang="en-US" dirty="0" smtClean="0">
+              <a:rPr lang="ja-JP" altLang="en-US" dirty="0">
                 <a:latin typeface="Meiryo" charset="-128"/>
                 <a:ea typeface="Meiryo" charset="-128"/>
                 <a:cs typeface="Meiryo" charset="-128"/>
               </a:rPr>
               <a:t>（各データを１回ずつ入力した状態）</a:t>
             </a:r>
-            <a:r>
-              <a:rPr lang="en-US" altLang="ja-JP" dirty="0" smtClean="0">
-                <a:latin typeface="Meiryo" charset="-128"/>
-                <a:ea typeface="Meiryo" charset="-128"/>
-                <a:cs typeface="Meiryo" charset="-128"/>
-              </a:rPr>
-              <a:t/>
-            </a:r>
             <a:br>
-              <a:rPr lang="en-US" altLang="ja-JP" dirty="0" smtClean="0">
+              <a:rPr lang="en-US" altLang="ja-JP" dirty="0">
                 <a:latin typeface="Meiryo" charset="-128"/>
                 <a:ea typeface="Meiryo" charset="-128"/>
                 <a:cs typeface="Meiryo" charset="-128"/>
               </a:rPr>
             </a:br>
             <a:r>
-              <a:rPr lang="ja-JP" altLang="en-US" dirty="0" smtClean="0">
+              <a:rPr lang="ja-JP" altLang="en-US" dirty="0">
                 <a:latin typeface="Meiryo" charset="-128"/>
                 <a:ea typeface="Meiryo" charset="-128"/>
                 <a:cs typeface="Meiryo" charset="-128"/>
@@ -9373,7 +9087,7 @@
           <a:lstStyle/>
           <a:p>
             <a:r>
-              <a:rPr lang="ja-JP" altLang="en-US" dirty="0" smtClean="0">
+              <a:rPr lang="ja-JP" altLang="en-US" dirty="0">
                 <a:latin typeface="Meiryo" charset="-128"/>
                 <a:ea typeface="Meiryo" charset="-128"/>
                 <a:cs typeface="Meiryo" charset="-128"/>
@@ -9381,7 +9095,7 @@
               <a:t>各</a:t>
             </a:r>
             <a:r>
-              <a:rPr lang="en-US" altLang="ja-JP" dirty="0" smtClean="0">
+              <a:rPr lang="en-US" altLang="ja-JP" dirty="0">
                 <a:latin typeface="Meiryo" charset="-128"/>
                 <a:ea typeface="Meiryo" charset="-128"/>
                 <a:cs typeface="Meiryo" charset="-128"/>
@@ -9389,30 +9103,22 @@
               <a:t>epoch</a:t>
             </a:r>
             <a:r>
-              <a:rPr lang="ja-JP" altLang="en-US" dirty="0" smtClean="0">
+              <a:rPr lang="ja-JP" altLang="en-US" dirty="0">
                 <a:latin typeface="Meiryo" charset="-128"/>
                 <a:ea typeface="Meiryo" charset="-128"/>
                 <a:cs typeface="Meiryo" charset="-128"/>
               </a:rPr>
               <a:t>時の学習・</a:t>
             </a:r>
-            <a:r>
-              <a:rPr lang="en-US" altLang="ja-JP" dirty="0" smtClean="0">
-                <a:latin typeface="Meiryo" charset="-128"/>
-                <a:ea typeface="Meiryo" charset="-128"/>
-                <a:cs typeface="Meiryo" charset="-128"/>
-              </a:rPr>
-              <a:t/>
-            </a:r>
             <a:br>
-              <a:rPr lang="en-US" altLang="ja-JP" dirty="0" smtClean="0">
+              <a:rPr lang="en-US" altLang="ja-JP" dirty="0">
                 <a:latin typeface="Meiryo" charset="-128"/>
                 <a:ea typeface="Meiryo" charset="-128"/>
                 <a:cs typeface="Meiryo" charset="-128"/>
               </a:rPr>
             </a:br>
             <a:r>
-              <a:rPr lang="ja-JP" altLang="en-US" dirty="0" smtClean="0">
+              <a:rPr lang="ja-JP" altLang="en-US" dirty="0">
                 <a:latin typeface="Meiryo" charset="-128"/>
                 <a:ea typeface="Meiryo" charset="-128"/>
                 <a:cs typeface="Meiryo" charset="-128"/>
@@ -9452,7 +9158,7 @@
           <a:lstStyle/>
           <a:p>
             <a:r>
-              <a:rPr lang="ja-JP" altLang="en-US" smtClean="0">
+              <a:rPr lang="ja-JP" altLang="en-US">
                 <a:latin typeface="Meiryo" charset="-128"/>
                 <a:ea typeface="Meiryo" charset="-128"/>
                 <a:cs typeface="Meiryo" charset="-128"/>
@@ -9595,13 +9301,6 @@
   <p:clrMapOvr>
     <a:masterClrMapping/>
   </p:clrMapOvr>
-  <p:timing>
-    <p:tnLst>
-      <p:par>
-        <p:cTn id="1" dur="indefinite" restart="never" nodeType="tmRoot"/>
-      </p:par>
-    </p:tnLst>
-  </p:timing>
 </p:sld>
 </file>
 

--- a/DNN.pptx
+++ b/DNN.pptx
@@ -5,23 +5,25 @@
     <p:sldMasterId id="2147483660" r:id="rId1"/>
   </p:sldMasterIdLst>
   <p:notesMasterIdLst>
-    <p:notesMasterId r:id="rId13"/>
+    <p:notesMasterId r:id="rId15"/>
   </p:notesMasterIdLst>
   <p:handoutMasterIdLst>
-    <p:handoutMasterId r:id="rId14"/>
+    <p:handoutMasterId r:id="rId16"/>
   </p:handoutMasterIdLst>
   <p:sldIdLst>
     <p:sldId id="256" r:id="rId2"/>
     <p:sldId id="260" r:id="rId3"/>
     <p:sldId id="261" r:id="rId4"/>
-    <p:sldId id="257" r:id="rId5"/>
-    <p:sldId id="258" r:id="rId6"/>
-    <p:sldId id="259" r:id="rId7"/>
-    <p:sldId id="262" r:id="rId8"/>
-    <p:sldId id="263" r:id="rId9"/>
-    <p:sldId id="264" r:id="rId10"/>
-    <p:sldId id="265" r:id="rId11"/>
-    <p:sldId id="266" r:id="rId12"/>
+    <p:sldId id="267" r:id="rId5"/>
+    <p:sldId id="257" r:id="rId6"/>
+    <p:sldId id="268" r:id="rId7"/>
+    <p:sldId id="258" r:id="rId8"/>
+    <p:sldId id="259" r:id="rId9"/>
+    <p:sldId id="262" r:id="rId10"/>
+    <p:sldId id="263" r:id="rId11"/>
+    <p:sldId id="264" r:id="rId12"/>
+    <p:sldId id="265" r:id="rId13"/>
+    <p:sldId id="266" r:id="rId14"/>
   </p:sldIdLst>
   <p:sldSz cx="9144000" cy="6858000" type="screen4x3"/>
   <p:notesSz cx="6858000" cy="9144000"/>
@@ -3979,6 +3981,928 @@
             <p:ph type="title"/>
           </p:nvPr>
         </p:nvSpPr>
+        <p:spPr/>
+        <p:txBody>
+          <a:bodyPr/>
+          <a:lstStyle/>
+          <a:p>
+            <a:r>
+              <a:rPr lang="ja-JP" altLang="en-US" dirty="0"/>
+              <a:t>実行時の注意</a:t>
+            </a:r>
+            <a:endParaRPr kumimoji="1" lang="ja-JP" altLang="en-US" dirty="0"/>
+          </a:p>
+        </p:txBody>
+      </p:sp>
+      <p:sp>
+        <p:nvSpPr>
+          <p:cNvPr id="3" name="コンテンツ プレースホルダー 2"/>
+          <p:cNvSpPr>
+            <a:spLocks noGrp="1"/>
+          </p:cNvSpPr>
+          <p:nvPr>
+            <p:ph idx="1"/>
+          </p:nvPr>
+        </p:nvSpPr>
+        <p:spPr/>
+        <p:txBody>
+          <a:bodyPr/>
+          <a:lstStyle/>
+          <a:p>
+            <a:r>
+              <a:rPr lang="ja-JP" altLang="en-US" dirty="0"/>
+              <a:t>初回時のみ下記のコマンドにより必要なライブラリをインストールする必要があります</a:t>
+            </a:r>
+            <a:br>
+              <a:rPr lang="en-US" altLang="ja-JP" dirty="0"/>
+            </a:br>
+            <a:endParaRPr lang="en-US" altLang="ja-JP" dirty="0"/>
+          </a:p>
+          <a:p>
+            <a:endParaRPr lang="en-US" altLang="ja-JP" dirty="0"/>
+          </a:p>
+          <a:p>
+            <a:r>
+              <a:rPr lang="ja-JP" altLang="en-US" dirty="0"/>
+              <a:t>環境によっては他にもライブラリが必要な可能性があるので、もし下記のエラーが出たら適宜インストールしてください</a:t>
+            </a:r>
+            <a:endParaRPr lang="en-US" altLang="ja-JP" dirty="0"/>
+          </a:p>
+          <a:p>
+            <a:endParaRPr kumimoji="1" lang="ja-JP" altLang="en-US" dirty="0"/>
+          </a:p>
+        </p:txBody>
+      </p:sp>
+      <p:sp>
+        <p:nvSpPr>
+          <p:cNvPr id="4" name="正方形/長方形 3"/>
+          <p:cNvSpPr/>
+          <p:nvPr/>
+        </p:nvSpPr>
+        <p:spPr>
+          <a:xfrm>
+            <a:off x="735258" y="2692143"/>
+            <a:ext cx="7950574" cy="519953"/>
+          </a:xfrm>
+          <a:prstGeom prst="rect">
+            <a:avLst/>
+          </a:prstGeom>
+          <a:solidFill>
+            <a:schemeClr val="bg2"/>
+          </a:solidFill>
+          <a:ln w="60325">
+            <a:noFill/>
+          </a:ln>
+        </p:spPr>
+        <p:style>
+          <a:lnRef idx="2">
+            <a:schemeClr val="accent1">
+              <a:shade val="50000"/>
+            </a:schemeClr>
+          </a:lnRef>
+          <a:fillRef idx="1">
+            <a:schemeClr val="accent1"/>
+          </a:fillRef>
+          <a:effectRef idx="0">
+            <a:schemeClr val="accent1"/>
+          </a:effectRef>
+          <a:fontRef idx="minor">
+            <a:schemeClr val="lt1"/>
+          </a:fontRef>
+        </p:style>
+        <p:txBody>
+          <a:bodyPr rtlCol="0" anchor="ctr"/>
+          <a:lstStyle/>
+          <a:p>
+            <a:r>
+              <a:rPr kumimoji="1" lang="en-US" altLang="ja-JP" sz="2000" dirty="0">
+                <a:solidFill>
+                  <a:schemeClr val="tx1"/>
+                </a:solidFill>
+                <a:latin typeface="MS PGothic" charset="-128"/>
+                <a:ea typeface="MS PGothic" charset="-128"/>
+                <a:cs typeface="MS PGothic" charset="-128"/>
+              </a:rPr>
+              <a:t>$ pip install </a:t>
+            </a:r>
+            <a:r>
+              <a:rPr kumimoji="1" lang="en-US" altLang="ja-JP" sz="2000" dirty="0" err="1">
+                <a:solidFill>
+                  <a:schemeClr val="tx1"/>
+                </a:solidFill>
+                <a:latin typeface="MS PGothic" charset="-128"/>
+                <a:ea typeface="MS PGothic" charset="-128"/>
+                <a:cs typeface="MS PGothic" charset="-128"/>
+              </a:rPr>
+              <a:t>chainer</a:t>
+            </a:r>
+            <a:r>
+              <a:rPr kumimoji="1" lang="en-US" altLang="ja-JP" sz="2000" dirty="0">
+                <a:solidFill>
+                  <a:schemeClr val="tx1"/>
+                </a:solidFill>
+                <a:latin typeface="MS PGothic" charset="-128"/>
+                <a:ea typeface="MS PGothic" charset="-128"/>
+                <a:cs typeface="MS PGothic" charset="-128"/>
+              </a:rPr>
+              <a:t> </a:t>
+            </a:r>
+            <a:r>
+              <a:rPr kumimoji="1" lang="en-US" altLang="ja-JP" sz="2000" dirty="0" err="1">
+                <a:solidFill>
+                  <a:schemeClr val="tx1"/>
+                </a:solidFill>
+                <a:latin typeface="MS PGothic" charset="-128"/>
+                <a:ea typeface="MS PGothic" charset="-128"/>
+                <a:cs typeface="MS PGothic" charset="-128"/>
+              </a:rPr>
+              <a:t>matplotlib</a:t>
+            </a:r>
+            <a:r>
+              <a:rPr kumimoji="1" lang="en-US" altLang="ja-JP" sz="2000" dirty="0">
+                <a:solidFill>
+                  <a:schemeClr val="tx1"/>
+                </a:solidFill>
+                <a:latin typeface="MS PGothic" charset="-128"/>
+                <a:ea typeface="MS PGothic" charset="-128"/>
+                <a:cs typeface="MS PGothic" charset="-128"/>
+              </a:rPr>
+              <a:t> </a:t>
+            </a:r>
+            <a:r>
+              <a:rPr kumimoji="1" lang="en-US" altLang="ja-JP" sz="2000" dirty="0" err="1">
+                <a:solidFill>
+                  <a:schemeClr val="tx1"/>
+                </a:solidFill>
+                <a:latin typeface="MS PGothic" charset="-128"/>
+                <a:ea typeface="MS PGothic" charset="-128"/>
+                <a:cs typeface="MS PGothic" charset="-128"/>
+              </a:rPr>
+              <a:t>sklearn</a:t>
+            </a:r>
+            <a:r>
+              <a:rPr kumimoji="1" lang="en-US" altLang="ja-JP" sz="2000" dirty="0">
+                <a:solidFill>
+                  <a:schemeClr val="tx1"/>
+                </a:solidFill>
+                <a:latin typeface="MS PGothic" charset="-128"/>
+                <a:ea typeface="MS PGothic" charset="-128"/>
+                <a:cs typeface="MS PGothic" charset="-128"/>
+              </a:rPr>
+              <a:t> </a:t>
+            </a:r>
+            <a:r>
+              <a:rPr kumimoji="1" lang="en-US" altLang="ja-JP" sz="2000" dirty="0" err="1">
+                <a:solidFill>
+                  <a:schemeClr val="tx1"/>
+                </a:solidFill>
+                <a:latin typeface="MS PGothic" charset="-128"/>
+                <a:ea typeface="MS PGothic" charset="-128"/>
+                <a:cs typeface="MS PGothic" charset="-128"/>
+              </a:rPr>
+              <a:t>numpy</a:t>
+            </a:r>
+            <a:r>
+              <a:rPr kumimoji="1" lang="en-US" altLang="ja-JP" sz="2000" dirty="0">
+                <a:solidFill>
+                  <a:schemeClr val="tx1"/>
+                </a:solidFill>
+                <a:latin typeface="MS PGothic" charset="-128"/>
+                <a:ea typeface="MS PGothic" charset="-128"/>
+                <a:cs typeface="MS PGothic" charset="-128"/>
+              </a:rPr>
+              <a:t> </a:t>
+            </a:r>
+            <a:r>
+              <a:rPr kumimoji="1" lang="en-US" altLang="ja-JP" sz="2000" dirty="0" err="1">
+                <a:solidFill>
+                  <a:schemeClr val="tx1"/>
+                </a:solidFill>
+                <a:latin typeface="MS PGothic" charset="-128"/>
+                <a:ea typeface="MS PGothic" charset="-128"/>
+                <a:cs typeface="MS PGothic" charset="-128"/>
+              </a:rPr>
+              <a:t>pydotplus</a:t>
+            </a:r>
+            <a:r>
+              <a:rPr kumimoji="1" lang="en-US" altLang="ja-JP" sz="2000" dirty="0">
+                <a:solidFill>
+                  <a:schemeClr val="tx1"/>
+                </a:solidFill>
+                <a:latin typeface="MS PGothic" charset="-128"/>
+                <a:ea typeface="MS PGothic" charset="-128"/>
+                <a:cs typeface="MS PGothic" charset="-128"/>
+              </a:rPr>
+              <a:t> Image </a:t>
+            </a:r>
+            <a:endParaRPr lang="en-US" altLang="ja-JP" sz="2000" dirty="0">
+              <a:solidFill>
+                <a:schemeClr val="tx1"/>
+              </a:solidFill>
+              <a:latin typeface="MS PGothic" charset="-128"/>
+              <a:ea typeface="MS PGothic" charset="-128"/>
+              <a:cs typeface="MS PGothic" charset="-128"/>
+            </a:endParaRPr>
+          </a:p>
+        </p:txBody>
+      </p:sp>
+      <p:sp>
+        <p:nvSpPr>
+          <p:cNvPr id="6" name="正方形/長方形 5"/>
+          <p:cNvSpPr/>
+          <p:nvPr/>
+        </p:nvSpPr>
+        <p:spPr>
+          <a:xfrm>
+            <a:off x="650017" y="5010594"/>
+            <a:ext cx="7950574" cy="519953"/>
+          </a:xfrm>
+          <a:prstGeom prst="rect">
+            <a:avLst/>
+          </a:prstGeom>
+          <a:solidFill>
+            <a:schemeClr val="bg2"/>
+          </a:solidFill>
+          <a:ln w="60325">
+            <a:noFill/>
+          </a:ln>
+        </p:spPr>
+        <p:style>
+          <a:lnRef idx="2">
+            <a:schemeClr val="accent1">
+              <a:shade val="50000"/>
+            </a:schemeClr>
+          </a:lnRef>
+          <a:fillRef idx="1">
+            <a:schemeClr val="accent1"/>
+          </a:fillRef>
+          <a:effectRef idx="0">
+            <a:schemeClr val="accent1"/>
+          </a:effectRef>
+          <a:fontRef idx="minor">
+            <a:schemeClr val="lt1"/>
+          </a:fontRef>
+        </p:style>
+        <p:txBody>
+          <a:bodyPr rtlCol="0" anchor="ctr"/>
+          <a:lstStyle/>
+          <a:p>
+            <a:r>
+              <a:rPr lang="en-US" altLang="ja-JP" sz="2000" dirty="0" err="1">
+                <a:solidFill>
+                  <a:schemeClr val="tx1"/>
+                </a:solidFill>
+                <a:latin typeface="MS PGothic" charset="-128"/>
+                <a:ea typeface="MS PGothic" charset="-128"/>
+                <a:cs typeface="MS PGothic" charset="-128"/>
+              </a:rPr>
+              <a:t>ImportError</a:t>
+            </a:r>
+            <a:r>
+              <a:rPr lang="en-US" altLang="ja-JP" sz="2000" dirty="0">
+                <a:solidFill>
+                  <a:schemeClr val="tx1"/>
+                </a:solidFill>
+                <a:latin typeface="MS PGothic" charset="-128"/>
+                <a:ea typeface="MS PGothic" charset="-128"/>
+                <a:cs typeface="MS PGothic" charset="-128"/>
+              </a:rPr>
+              <a:t>: No module named &lt;</a:t>
+            </a:r>
+            <a:r>
+              <a:rPr lang="ja-JP" altLang="en-US" sz="2000" dirty="0">
+                <a:solidFill>
+                  <a:schemeClr val="tx1"/>
+                </a:solidFill>
+                <a:latin typeface="MS PGothic" charset="-128"/>
+                <a:ea typeface="MS PGothic" charset="-128"/>
+                <a:cs typeface="MS PGothic" charset="-128"/>
+              </a:rPr>
+              <a:t>ライブラリ名</a:t>
+            </a:r>
+            <a:r>
+              <a:rPr lang="en-US" altLang="ja-JP" sz="2000" dirty="0">
+                <a:solidFill>
+                  <a:schemeClr val="tx1"/>
+                </a:solidFill>
+                <a:latin typeface="MS PGothic" charset="-128"/>
+                <a:ea typeface="MS PGothic" charset="-128"/>
+                <a:cs typeface="MS PGothic" charset="-128"/>
+              </a:rPr>
+              <a:t>&gt;</a:t>
+            </a:r>
+          </a:p>
+        </p:txBody>
+      </p:sp>
+    </p:spTree>
+    <p:extLst>
+      <p:ext uri="{BB962C8B-B14F-4D97-AF65-F5344CB8AC3E}">
+        <p14:creationId xmlns:p14="http://schemas.microsoft.com/office/powerpoint/2010/main" val="1505461587"/>
+      </p:ext>
+    </p:extLst>
+  </p:cSld>
+  <p:clrMapOvr>
+    <a:masterClrMapping/>
+  </p:clrMapOvr>
+</p:sld>
+</file>
+
+<file path=ppt/slides/slide11.xml><?xml version="1.0" encoding="utf-8"?>
+<p:sld xmlns:a="http://schemas.openxmlformats.org/drawingml/2006/main" xmlns:r="http://schemas.openxmlformats.org/officeDocument/2006/relationships" xmlns:p="http://schemas.openxmlformats.org/presentationml/2006/main">
+  <p:cSld>
+    <p:spTree>
+      <p:nvGrpSpPr>
+        <p:cNvPr id="1" name=""/>
+        <p:cNvGrpSpPr/>
+        <p:nvPr/>
+      </p:nvGrpSpPr>
+      <p:grpSpPr>
+        <a:xfrm>
+          <a:off x="0" y="0"/>
+          <a:ext cx="0" cy="0"/>
+          <a:chOff x="0" y="0"/>
+          <a:chExt cx="0" cy="0"/>
+        </a:xfrm>
+      </p:grpSpPr>
+      <p:sp>
+        <p:nvSpPr>
+          <p:cNvPr id="2" name="タイトル 1"/>
+          <p:cNvSpPr>
+            <a:spLocks noGrp="1"/>
+          </p:cNvSpPr>
+          <p:nvPr>
+            <p:ph type="title"/>
+          </p:nvPr>
+        </p:nvSpPr>
+        <p:spPr/>
+        <p:txBody>
+          <a:bodyPr/>
+          <a:lstStyle/>
+          <a:p>
+            <a:r>
+              <a:rPr kumimoji="1" lang="ja-JP" altLang="en-US" dirty="0"/>
+              <a:t>実行例</a:t>
+            </a:r>
+          </a:p>
+        </p:txBody>
+      </p:sp>
+      <p:pic>
+        <p:nvPicPr>
+          <p:cNvPr id="5" name="図 4"/>
+          <p:cNvPicPr>
+            <a:picLocks noChangeAspect="1"/>
+          </p:cNvPicPr>
+          <p:nvPr/>
+        </p:nvPicPr>
+        <p:blipFill>
+          <a:blip r:embed="rId2"/>
+          <a:stretch>
+            <a:fillRect/>
+          </a:stretch>
+        </p:blipFill>
+        <p:spPr>
+          <a:xfrm>
+            <a:off x="0" y="1825625"/>
+            <a:ext cx="9144000" cy="3362690"/>
+          </a:xfrm>
+          <a:prstGeom prst="rect">
+            <a:avLst/>
+          </a:prstGeom>
+        </p:spPr>
+      </p:pic>
+      <p:sp>
+        <p:nvSpPr>
+          <p:cNvPr id="7" name="正方形/長方形 6"/>
+          <p:cNvSpPr/>
+          <p:nvPr/>
+        </p:nvSpPr>
+        <p:spPr>
+          <a:xfrm>
+            <a:off x="0" y="3034145"/>
+            <a:ext cx="7439891" cy="831273"/>
+          </a:xfrm>
+          <a:prstGeom prst="rect">
+            <a:avLst/>
+          </a:prstGeom>
+          <a:noFill/>
+          <a:ln w="60325">
+            <a:solidFill>
+              <a:srgbClr val="FF0000"/>
+            </a:solidFill>
+          </a:ln>
+        </p:spPr>
+        <p:style>
+          <a:lnRef idx="2">
+            <a:schemeClr val="accent1">
+              <a:shade val="50000"/>
+            </a:schemeClr>
+          </a:lnRef>
+          <a:fillRef idx="1">
+            <a:schemeClr val="accent1"/>
+          </a:fillRef>
+          <a:effectRef idx="0">
+            <a:schemeClr val="accent1"/>
+          </a:effectRef>
+          <a:fontRef idx="minor">
+            <a:schemeClr val="lt1"/>
+          </a:fontRef>
+        </p:style>
+        <p:txBody>
+          <a:bodyPr rtlCol="0" anchor="ctr"/>
+          <a:lstStyle/>
+          <a:p>
+            <a:pPr algn="ctr"/>
+            <a:endParaRPr kumimoji="1" lang="ja-JP" altLang="en-US"/>
+          </a:p>
+        </p:txBody>
+      </p:sp>
+      <p:sp>
+        <p:nvSpPr>
+          <p:cNvPr id="8" name="テキスト ボックス 7"/>
+          <p:cNvSpPr txBox="1"/>
+          <p:nvPr/>
+        </p:nvSpPr>
+        <p:spPr>
+          <a:xfrm>
+            <a:off x="5962563" y="2298406"/>
+            <a:ext cx="2954655" cy="646331"/>
+          </a:xfrm>
+          <a:prstGeom prst="rect">
+            <a:avLst/>
+          </a:prstGeom>
+          <a:solidFill>
+            <a:schemeClr val="bg1"/>
+          </a:solidFill>
+        </p:spPr>
+        <p:txBody>
+          <a:bodyPr wrap="none" rtlCol="0">
+            <a:spAutoFit/>
+          </a:bodyPr>
+          <a:lstStyle/>
+          <a:p>
+            <a:r>
+              <a:rPr lang="ja-JP" altLang="en-US" dirty="0">
+                <a:latin typeface="Meiryo" charset="-128"/>
+                <a:ea typeface="Meiryo" charset="-128"/>
+                <a:cs typeface="Meiryo" charset="-128"/>
+              </a:rPr>
+              <a:t>初回時のみデータセットの</a:t>
+            </a:r>
+            <a:br>
+              <a:rPr lang="en-US" altLang="ja-JP" dirty="0">
+                <a:latin typeface="Meiryo" charset="-128"/>
+                <a:ea typeface="Meiryo" charset="-128"/>
+                <a:cs typeface="Meiryo" charset="-128"/>
+              </a:rPr>
+            </a:br>
+            <a:r>
+              <a:rPr lang="ja-JP" altLang="en-US" dirty="0">
+                <a:latin typeface="Meiryo" charset="-128"/>
+                <a:ea typeface="Meiryo" charset="-128"/>
+                <a:cs typeface="Meiryo" charset="-128"/>
+              </a:rPr>
+              <a:t>ダウンロードを行う</a:t>
+            </a:r>
+            <a:endParaRPr kumimoji="1" lang="ja-JP" altLang="en-US" dirty="0">
+              <a:latin typeface="Meiryo" charset="-128"/>
+              <a:ea typeface="Meiryo" charset="-128"/>
+              <a:cs typeface="Meiryo" charset="-128"/>
+            </a:endParaRPr>
+          </a:p>
+        </p:txBody>
+      </p:sp>
+      <p:sp>
+        <p:nvSpPr>
+          <p:cNvPr id="9" name="テキスト ボックス 8"/>
+          <p:cNvSpPr txBox="1"/>
+          <p:nvPr/>
+        </p:nvSpPr>
+        <p:spPr>
+          <a:xfrm>
+            <a:off x="0" y="5277723"/>
+            <a:ext cx="5011308" cy="646331"/>
+          </a:xfrm>
+          <a:prstGeom prst="rect">
+            <a:avLst/>
+          </a:prstGeom>
+          <a:solidFill>
+            <a:schemeClr val="bg1"/>
+          </a:solidFill>
+        </p:spPr>
+        <p:txBody>
+          <a:bodyPr wrap="none" rtlCol="0">
+            <a:spAutoFit/>
+          </a:bodyPr>
+          <a:lstStyle/>
+          <a:p>
+            <a:r>
+              <a:rPr lang="ja-JP" altLang="en-US" dirty="0">
+                <a:latin typeface="Meiryo" charset="-128"/>
+                <a:ea typeface="Meiryo" charset="-128"/>
+                <a:cs typeface="Meiryo" charset="-128"/>
+              </a:rPr>
+              <a:t>各</a:t>
+            </a:r>
+            <a:r>
+              <a:rPr lang="en-US" altLang="ja-JP" dirty="0">
+                <a:latin typeface="Meiryo" charset="-128"/>
+                <a:ea typeface="Meiryo" charset="-128"/>
+                <a:cs typeface="Meiryo" charset="-128"/>
+              </a:rPr>
+              <a:t>epoch</a:t>
+            </a:r>
+            <a:r>
+              <a:rPr lang="ja-JP" altLang="en-US" dirty="0">
+                <a:latin typeface="Meiryo" charset="-128"/>
+                <a:ea typeface="Meiryo" charset="-128"/>
+                <a:cs typeface="Meiryo" charset="-128"/>
+              </a:rPr>
+              <a:t>（各データを１回ずつ入力した状態）</a:t>
+            </a:r>
+            <a:br>
+              <a:rPr lang="en-US" altLang="ja-JP" dirty="0">
+                <a:latin typeface="Meiryo" charset="-128"/>
+                <a:ea typeface="Meiryo" charset="-128"/>
+                <a:cs typeface="Meiryo" charset="-128"/>
+              </a:rPr>
+            </a:br>
+            <a:r>
+              <a:rPr lang="ja-JP" altLang="en-US" dirty="0">
+                <a:latin typeface="Meiryo" charset="-128"/>
+                <a:ea typeface="Meiryo" charset="-128"/>
+                <a:cs typeface="Meiryo" charset="-128"/>
+              </a:rPr>
+              <a:t>時の学習・評価データの損失関数の値</a:t>
+            </a:r>
+            <a:endParaRPr kumimoji="1" lang="ja-JP" altLang="en-US" dirty="0">
+              <a:latin typeface="Meiryo" charset="-128"/>
+              <a:ea typeface="Meiryo" charset="-128"/>
+              <a:cs typeface="Meiryo" charset="-128"/>
+            </a:endParaRPr>
+          </a:p>
+        </p:txBody>
+      </p:sp>
+      <p:sp>
+        <p:nvSpPr>
+          <p:cNvPr id="11" name="正方形/長方形 10"/>
+          <p:cNvSpPr/>
+          <p:nvPr/>
+        </p:nvSpPr>
+        <p:spPr>
+          <a:xfrm>
+            <a:off x="1075460" y="4052203"/>
+            <a:ext cx="2000249" cy="270415"/>
+          </a:xfrm>
+          <a:prstGeom prst="rect">
+            <a:avLst/>
+          </a:prstGeom>
+          <a:noFill/>
+          <a:ln w="25400">
+            <a:solidFill>
+              <a:srgbClr val="FF0000"/>
+            </a:solidFill>
+          </a:ln>
+        </p:spPr>
+        <p:style>
+          <a:lnRef idx="2">
+            <a:schemeClr val="accent1">
+              <a:shade val="50000"/>
+            </a:schemeClr>
+          </a:lnRef>
+          <a:fillRef idx="1">
+            <a:schemeClr val="accent1"/>
+          </a:fillRef>
+          <a:effectRef idx="0">
+            <a:schemeClr val="accent1"/>
+          </a:effectRef>
+          <a:fontRef idx="minor">
+            <a:schemeClr val="lt1"/>
+          </a:fontRef>
+        </p:style>
+        <p:txBody>
+          <a:bodyPr rtlCol="0" anchor="ctr"/>
+          <a:lstStyle/>
+          <a:p>
+            <a:pPr algn="ctr"/>
+            <a:endParaRPr kumimoji="1" lang="ja-JP" altLang="en-US"/>
+          </a:p>
+        </p:txBody>
+      </p:sp>
+      <p:sp>
+        <p:nvSpPr>
+          <p:cNvPr id="13" name="正方形/長方形 12"/>
+          <p:cNvSpPr/>
+          <p:nvPr/>
+        </p:nvSpPr>
+        <p:spPr>
+          <a:xfrm>
+            <a:off x="4151169" y="4054601"/>
+            <a:ext cx="2000249" cy="268017"/>
+          </a:xfrm>
+          <a:prstGeom prst="rect">
+            <a:avLst/>
+          </a:prstGeom>
+          <a:noFill/>
+          <a:ln w="22225">
+            <a:solidFill>
+              <a:srgbClr val="FF0000"/>
+            </a:solidFill>
+          </a:ln>
+        </p:spPr>
+        <p:style>
+          <a:lnRef idx="2">
+            <a:schemeClr val="accent1">
+              <a:shade val="50000"/>
+            </a:schemeClr>
+          </a:lnRef>
+          <a:fillRef idx="1">
+            <a:schemeClr val="accent1"/>
+          </a:fillRef>
+          <a:effectRef idx="0">
+            <a:schemeClr val="accent1"/>
+          </a:effectRef>
+          <a:fontRef idx="minor">
+            <a:schemeClr val="lt1"/>
+          </a:fontRef>
+        </p:style>
+        <p:txBody>
+          <a:bodyPr rtlCol="0" anchor="ctr"/>
+          <a:lstStyle/>
+          <a:p>
+            <a:pPr algn="ctr"/>
+            <a:endParaRPr kumimoji="1" lang="ja-JP" altLang="en-US"/>
+          </a:p>
+        </p:txBody>
+      </p:sp>
+      <p:sp>
+        <p:nvSpPr>
+          <p:cNvPr id="14" name="テキスト ボックス 13"/>
+          <p:cNvSpPr txBox="1"/>
+          <p:nvPr/>
+        </p:nvSpPr>
+        <p:spPr>
+          <a:xfrm>
+            <a:off x="6644019" y="4426748"/>
+            <a:ext cx="2492990" cy="646331"/>
+          </a:xfrm>
+          <a:prstGeom prst="rect">
+            <a:avLst/>
+          </a:prstGeom>
+          <a:solidFill>
+            <a:schemeClr val="bg1"/>
+          </a:solidFill>
+        </p:spPr>
+        <p:txBody>
+          <a:bodyPr wrap="none" rtlCol="0">
+            <a:spAutoFit/>
+          </a:bodyPr>
+          <a:lstStyle/>
+          <a:p>
+            <a:r>
+              <a:rPr lang="ja-JP" altLang="en-US" dirty="0">
+                <a:latin typeface="Meiryo" charset="-128"/>
+                <a:ea typeface="Meiryo" charset="-128"/>
+                <a:cs typeface="Meiryo" charset="-128"/>
+              </a:rPr>
+              <a:t>各</a:t>
+            </a:r>
+            <a:r>
+              <a:rPr lang="en-US" altLang="ja-JP" dirty="0">
+                <a:latin typeface="Meiryo" charset="-128"/>
+                <a:ea typeface="Meiryo" charset="-128"/>
+                <a:cs typeface="Meiryo" charset="-128"/>
+              </a:rPr>
+              <a:t>epoch</a:t>
+            </a:r>
+            <a:r>
+              <a:rPr lang="ja-JP" altLang="en-US" dirty="0">
+                <a:latin typeface="Meiryo" charset="-128"/>
+                <a:ea typeface="Meiryo" charset="-128"/>
+                <a:cs typeface="Meiryo" charset="-128"/>
+              </a:rPr>
+              <a:t>時の学習・</a:t>
+            </a:r>
+            <a:br>
+              <a:rPr lang="en-US" altLang="ja-JP" dirty="0">
+                <a:latin typeface="Meiryo" charset="-128"/>
+                <a:ea typeface="Meiryo" charset="-128"/>
+                <a:cs typeface="Meiryo" charset="-128"/>
+              </a:rPr>
+            </a:br>
+            <a:r>
+              <a:rPr lang="ja-JP" altLang="en-US" dirty="0">
+                <a:latin typeface="Meiryo" charset="-128"/>
+                <a:ea typeface="Meiryo" charset="-128"/>
+                <a:cs typeface="Meiryo" charset="-128"/>
+              </a:rPr>
+              <a:t>評価データの認識精度</a:t>
+            </a:r>
+            <a:endParaRPr kumimoji="1" lang="ja-JP" altLang="en-US" dirty="0">
+              <a:latin typeface="Meiryo" charset="-128"/>
+              <a:ea typeface="Meiryo" charset="-128"/>
+              <a:cs typeface="Meiryo" charset="-128"/>
+            </a:endParaRPr>
+          </a:p>
+        </p:txBody>
+      </p:sp>
+      <p:sp>
+        <p:nvSpPr>
+          <p:cNvPr id="15" name="テキスト ボックス 14"/>
+          <p:cNvSpPr txBox="1"/>
+          <p:nvPr/>
+        </p:nvSpPr>
+        <p:spPr>
+          <a:xfrm>
+            <a:off x="7890514" y="3465766"/>
+            <a:ext cx="1107996" cy="369332"/>
+          </a:xfrm>
+          <a:prstGeom prst="rect">
+            <a:avLst/>
+          </a:prstGeom>
+          <a:solidFill>
+            <a:schemeClr val="bg1"/>
+          </a:solidFill>
+        </p:spPr>
+        <p:txBody>
+          <a:bodyPr wrap="none" rtlCol="0">
+            <a:spAutoFit/>
+          </a:bodyPr>
+          <a:lstStyle/>
+          <a:p>
+            <a:r>
+              <a:rPr lang="ja-JP" altLang="en-US">
+                <a:latin typeface="Meiryo" charset="-128"/>
+                <a:ea typeface="Meiryo" charset="-128"/>
+                <a:cs typeface="Meiryo" charset="-128"/>
+              </a:rPr>
+              <a:t>経過時間</a:t>
+            </a:r>
+            <a:endParaRPr kumimoji="1" lang="ja-JP" altLang="en-US" dirty="0">
+              <a:latin typeface="Meiryo" charset="-128"/>
+              <a:ea typeface="Meiryo" charset="-128"/>
+              <a:cs typeface="Meiryo" charset="-128"/>
+            </a:endParaRPr>
+          </a:p>
+        </p:txBody>
+      </p:sp>
+      <p:sp>
+        <p:nvSpPr>
+          <p:cNvPr id="16" name="正方形/長方形 15"/>
+          <p:cNvSpPr/>
+          <p:nvPr/>
+        </p:nvSpPr>
+        <p:spPr>
+          <a:xfrm>
+            <a:off x="7716982" y="4088111"/>
+            <a:ext cx="1335145" cy="223402"/>
+          </a:xfrm>
+          <a:prstGeom prst="rect">
+            <a:avLst/>
+          </a:prstGeom>
+          <a:noFill/>
+          <a:ln w="22225">
+            <a:solidFill>
+              <a:srgbClr val="FF0000"/>
+            </a:solidFill>
+          </a:ln>
+        </p:spPr>
+        <p:style>
+          <a:lnRef idx="2">
+            <a:schemeClr val="accent1">
+              <a:shade val="50000"/>
+            </a:schemeClr>
+          </a:lnRef>
+          <a:fillRef idx="1">
+            <a:schemeClr val="accent1"/>
+          </a:fillRef>
+          <a:effectRef idx="0">
+            <a:schemeClr val="accent1"/>
+          </a:effectRef>
+          <a:fontRef idx="minor">
+            <a:schemeClr val="lt1"/>
+          </a:fontRef>
+        </p:style>
+        <p:txBody>
+          <a:bodyPr rtlCol="0" anchor="ctr"/>
+          <a:lstStyle/>
+          <a:p>
+            <a:pPr algn="ctr"/>
+            <a:endParaRPr kumimoji="1" lang="ja-JP" altLang="en-US"/>
+          </a:p>
+        </p:txBody>
+      </p:sp>
+      <p:cxnSp>
+        <p:nvCxnSpPr>
+          <p:cNvPr id="18" name="直線矢印コネクタ 17"/>
+          <p:cNvCxnSpPr/>
+          <p:nvPr/>
+        </p:nvCxnSpPr>
+        <p:spPr>
+          <a:xfrm flipV="1">
+            <a:off x="277091" y="4311513"/>
+            <a:ext cx="798369" cy="966210"/>
+          </a:xfrm>
+          <a:prstGeom prst="straightConnector1">
+            <a:avLst/>
+          </a:prstGeom>
+          <a:ln w="47625">
+            <a:solidFill>
+              <a:srgbClr val="FF0000"/>
+            </a:solidFill>
+            <a:tailEnd type="triangle"/>
+          </a:ln>
+        </p:spPr>
+        <p:style>
+          <a:lnRef idx="1">
+            <a:schemeClr val="accent1"/>
+          </a:lnRef>
+          <a:fillRef idx="0">
+            <a:schemeClr val="accent1"/>
+          </a:fillRef>
+          <a:effectRef idx="0">
+            <a:schemeClr val="accent1"/>
+          </a:effectRef>
+          <a:fontRef idx="minor">
+            <a:schemeClr val="tx1"/>
+          </a:fontRef>
+        </p:style>
+      </p:cxnSp>
+      <p:cxnSp>
+        <p:nvCxnSpPr>
+          <p:cNvPr id="19" name="直線矢印コネクタ 18"/>
+          <p:cNvCxnSpPr/>
+          <p:nvPr/>
+        </p:nvCxnSpPr>
+        <p:spPr>
+          <a:xfrm flipH="1" flipV="1">
+            <a:off x="6220700" y="4153257"/>
+            <a:ext cx="706573" cy="273491"/>
+          </a:xfrm>
+          <a:prstGeom prst="straightConnector1">
+            <a:avLst/>
+          </a:prstGeom>
+          <a:ln w="47625">
+            <a:solidFill>
+              <a:srgbClr val="FF0000"/>
+            </a:solidFill>
+            <a:tailEnd type="triangle"/>
+          </a:ln>
+        </p:spPr>
+        <p:style>
+          <a:lnRef idx="1">
+            <a:schemeClr val="accent1"/>
+          </a:lnRef>
+          <a:fillRef idx="0">
+            <a:schemeClr val="accent1"/>
+          </a:fillRef>
+          <a:effectRef idx="0">
+            <a:schemeClr val="accent1"/>
+          </a:effectRef>
+          <a:fontRef idx="minor">
+            <a:schemeClr val="tx1"/>
+          </a:fontRef>
+        </p:style>
+      </p:cxnSp>
+    </p:spTree>
+    <p:extLst>
+      <p:ext uri="{BB962C8B-B14F-4D97-AF65-F5344CB8AC3E}">
+        <p14:creationId xmlns:p14="http://schemas.microsoft.com/office/powerpoint/2010/main" val="1053220854"/>
+      </p:ext>
+    </p:extLst>
+  </p:cSld>
+  <p:clrMapOvr>
+    <a:masterClrMapping/>
+  </p:clrMapOvr>
+</p:sld>
+</file>
+
+<file path=ppt/slides/slide12.xml><?xml version="1.0" encoding="utf-8"?>
+<p:sld xmlns:a="http://schemas.openxmlformats.org/drawingml/2006/main" xmlns:r="http://schemas.openxmlformats.org/officeDocument/2006/relationships" xmlns:p="http://schemas.openxmlformats.org/presentationml/2006/main">
+  <p:cSld>
+    <p:spTree>
+      <p:nvGrpSpPr>
+        <p:cNvPr id="1" name=""/>
+        <p:cNvGrpSpPr/>
+        <p:nvPr/>
+      </p:nvGrpSpPr>
+      <p:grpSpPr>
+        <a:xfrm>
+          <a:off x="0" y="0"/>
+          <a:ext cx="0" cy="0"/>
+          <a:chOff x="0" y="0"/>
+          <a:chExt cx="0" cy="0"/>
+        </a:xfrm>
+      </p:grpSpPr>
+      <p:sp>
+        <p:nvSpPr>
+          <p:cNvPr id="2" name="タイトル 1"/>
+          <p:cNvSpPr>
+            <a:spLocks noGrp="1"/>
+          </p:cNvSpPr>
+          <p:nvPr>
+            <p:ph type="title"/>
+          </p:nvPr>
+        </p:nvSpPr>
         <p:spPr>
           <a:xfrm>
             <a:off x="628650" y="365126"/>
@@ -5329,7 +6253,7 @@
 </p:sld>
 </file>
 
-<file path=ppt/slides/slide11.xml><?xml version="1.0" encoding="utf-8"?>
+<file path=ppt/slides/slide13.xml><?xml version="1.0" encoding="utf-8"?>
 <p:sld xmlns:a="http://schemas.openxmlformats.org/drawingml/2006/main" xmlns:r="http://schemas.openxmlformats.org/officeDocument/2006/relationships" xmlns:p="http://schemas.openxmlformats.org/presentationml/2006/main">
   <p:cSld>
     <p:spTree>
@@ -7368,7 +8292,13 @@
       </p:grpSpPr>
       <p:sp>
         <p:nvSpPr>
-          <p:cNvPr id="2" name="タイトル 1"/>
+          <p:cNvPr id="2" name="タイトル 1">
+            <a:extLst>
+              <a:ext uri="{FF2B5EF4-FFF2-40B4-BE49-F238E27FC236}">
+                <a16:creationId xmlns:a16="http://schemas.microsoft.com/office/drawing/2014/main" id="{A7E88F15-9C4C-BD45-83CC-281066F6E797}"/>
+              </a:ext>
+            </a:extLst>
+          </p:cNvPr>
           <p:cNvSpPr>
             <a:spLocks noGrp="1"/>
           </p:cNvSpPr>
@@ -7382,23 +8312,22 @@
           <a:lstStyle/>
           <a:p>
             <a:r>
-              <a:rPr kumimoji="1" lang="en-US" altLang="ja-JP" dirty="0" err="1"/>
-              <a:t>Github</a:t>
-            </a:r>
-            <a:r>
               <a:rPr kumimoji="1" lang="en-US" altLang="ja-JP" dirty="0"/>
-              <a:t> </a:t>
-            </a:r>
-            <a:r>
-              <a:rPr kumimoji="1" lang="ja-JP" altLang="en-US" dirty="0"/>
-              <a:t>のインストール</a:t>
-            </a:r>
-          </a:p>
-        </p:txBody>
-      </p:sp>
-      <p:sp>
-        <p:nvSpPr>
-          <p:cNvPr id="3" name="コンテンツ プレースホルダー 2"/>
+              <a:t>Google Collaboratory</a:t>
+            </a:r>
+            <a:endParaRPr kumimoji="1" lang="ja-JP" altLang="en-US"/>
+          </a:p>
+        </p:txBody>
+      </p:sp>
+      <p:sp>
+        <p:nvSpPr>
+          <p:cNvPr id="3" name="コンテンツ プレースホルダー 2">
+            <a:extLst>
+              <a:ext uri="{FF2B5EF4-FFF2-40B4-BE49-F238E27FC236}">
+                <a16:creationId xmlns:a16="http://schemas.microsoft.com/office/drawing/2014/main" id="{175CB20E-926D-624A-BF2D-962DBD0F364C}"/>
+              </a:ext>
+            </a:extLst>
+          </p:cNvPr>
           <p:cNvSpPr>
             <a:spLocks noGrp="1"/>
           </p:cNvSpPr>
@@ -7406,39 +8335,85 @@
             <p:ph idx="1"/>
           </p:nvPr>
         </p:nvSpPr>
-        <p:spPr>
-          <a:xfrm>
-            <a:off x="376518" y="3429000"/>
-            <a:ext cx="8138832" cy="2384892"/>
-          </a:xfrm>
-        </p:spPr>
-        <p:txBody>
-          <a:bodyPr/>
+        <p:spPr/>
+        <p:txBody>
+          <a:bodyPr>
+            <a:normAutofit/>
+          </a:bodyPr>
           <a:lstStyle/>
           <a:p>
             <a:r>
+              <a:rPr kumimoji="1" lang="en-US" altLang="ja-JP" dirty="0"/>
+              <a:t>Google</a:t>
+            </a:r>
+            <a:r>
+              <a:rPr kumimoji="1" lang="ja-JP" altLang="en-US"/>
+              <a:t>が提供するクラウド上の</a:t>
+            </a:r>
+            <a:r>
+              <a:rPr kumimoji="1" lang="en-US" altLang="ja-JP" dirty="0"/>
+              <a:t>GPU</a:t>
+            </a:r>
+            <a:r>
+              <a:rPr kumimoji="1" lang="ja-JP" altLang="en-US"/>
+              <a:t>付き仮想環境</a:t>
+            </a:r>
+            <a:r>
+              <a:rPr kumimoji="1" lang="ja-JP" altLang="en-US" dirty="0"/>
+              <a:t>　</a:t>
+            </a:r>
+            <a:r>
               <a:rPr lang="en-US" altLang="ja-JP" dirty="0"/>
-              <a:t>B3</a:t>
-            </a:r>
-            <a:r>
-              <a:rPr lang="ja-JP" altLang="en-US" dirty="0"/>
-              <a:t>ゼミではサンプルプログラムや課題の配布に利用する</a:t>
+              <a:t>https://</a:t>
+            </a:r>
+            <a:r>
+              <a:rPr lang="en-US" altLang="ja-JP" dirty="0" err="1"/>
+              <a:t>colab.research.google.com</a:t>
+            </a:r>
+            <a:r>
+              <a:rPr lang="en-US" altLang="ja-JP" dirty="0"/>
+              <a:t>/</a:t>
+            </a:r>
+          </a:p>
+          <a:p>
+            <a:endParaRPr lang="en-US" altLang="ja-JP" dirty="0"/>
+          </a:p>
+          <a:p>
+            <a:r>
+              <a:rPr lang="en-US" altLang="ja-JP" dirty="0"/>
+              <a:t>12</a:t>
+            </a:r>
+            <a:r>
+              <a:rPr lang="ja-JP" altLang="en-US"/>
+              <a:t>時間ごとに仮想環境がリセットされるなど制限はあるが，</a:t>
+            </a:r>
+            <a:r>
+              <a:rPr kumimoji="1" lang="ja-JP" altLang="en-US" b="1">
+                <a:solidFill>
+                  <a:srgbClr val="FF0000"/>
+                </a:solidFill>
+              </a:rPr>
+              <a:t>無料</a:t>
+            </a:r>
+            <a:r>
+              <a:rPr kumimoji="1" lang="ja-JP" altLang="en-US"/>
+              <a:t>で使用できる</a:t>
             </a:r>
             <a:endParaRPr kumimoji="1" lang="en-US" altLang="ja-JP" dirty="0"/>
           </a:p>
           <a:p>
-            <a:r>
-              <a:rPr lang="ja-JP" altLang="en-US" dirty="0"/>
-              <a:t>インストール方法は下記等参照</a:t>
-            </a:r>
-            <a:br>
+            <a:pPr lvl="1"/>
+            <a:r>
+              <a:rPr lang="ja-JP" altLang="en-US"/>
+              <a:t>リセットルールも</a:t>
+            </a:r>
+            <a:r>
               <a:rPr lang="en-US" altLang="ja-JP" dirty="0"/>
-            </a:br>
-            <a:r>
-              <a:rPr lang="en-US" altLang="ja-JP" dirty="0">
-                <a:hlinkClick r:id="rId2"/>
-              </a:rPr>
-              <a:t>http://www.atmarkit.co.jp/ait/articles/1603/31/news026.html#01</a:t>
+              <a:t> google drive </a:t>
+            </a:r>
+            <a:r>
+              <a:rPr lang="ja-JP" altLang="en-US"/>
+              <a:t>と併用すればある程度回避できる</a:t>
             </a:r>
             <a:endParaRPr lang="en-US" altLang="ja-JP" dirty="0"/>
           </a:p>
@@ -7446,151 +8421,29 @@
             <a:endParaRPr kumimoji="1" lang="en-US" altLang="ja-JP" dirty="0"/>
           </a:p>
           <a:p>
-            <a:pPr lvl="1"/>
-            <a:endParaRPr kumimoji="1" lang="ja-JP" altLang="en-US" dirty="0"/>
-          </a:p>
-        </p:txBody>
-      </p:sp>
-      <p:sp>
-        <p:nvSpPr>
-          <p:cNvPr id="4" name="正方形/長方形 3"/>
-          <p:cNvSpPr/>
-          <p:nvPr/>
-        </p:nvSpPr>
-        <p:spPr>
-          <a:xfrm>
-            <a:off x="564776" y="1846729"/>
-            <a:ext cx="7950574" cy="1057836"/>
-          </a:xfrm>
-          <a:prstGeom prst="rect">
-            <a:avLst/>
-          </a:prstGeom>
-          <a:solidFill>
-            <a:schemeClr val="bg2"/>
-          </a:solidFill>
-          <a:ln w="60325">
-            <a:noFill/>
-          </a:ln>
-        </p:spPr>
-        <p:style>
-          <a:lnRef idx="2">
-            <a:schemeClr val="accent1">
-              <a:shade val="50000"/>
-            </a:schemeClr>
-          </a:lnRef>
-          <a:fillRef idx="1">
-            <a:schemeClr val="accent1"/>
-          </a:fillRef>
-          <a:effectRef idx="0">
-            <a:schemeClr val="accent1"/>
-          </a:effectRef>
-          <a:fontRef idx="minor">
-            <a:schemeClr val="lt1"/>
-          </a:fontRef>
-        </p:style>
-        <p:txBody>
-          <a:bodyPr rtlCol="0" anchor="ctr"/>
-          <a:lstStyle/>
-          <a:p>
-            <a:r>
-              <a:rPr lang="en-US" altLang="ja-JP" sz="2000" b="1" dirty="0">
-                <a:solidFill>
-                  <a:schemeClr val="tx1"/>
-                </a:solidFill>
-                <a:latin typeface="MS PGothic" charset="-128"/>
-                <a:ea typeface="MS PGothic" charset="-128"/>
-                <a:cs typeface="MS PGothic" charset="-128"/>
-              </a:rPr>
-              <a:t>GitHub</a:t>
-            </a:r>
-            <a:r>
-              <a:rPr lang="ja-JP" altLang="en-US" sz="2000" dirty="0">
-                <a:solidFill>
-                  <a:schemeClr val="tx1"/>
-                </a:solidFill>
-                <a:latin typeface="MS PGothic" charset="-128"/>
-                <a:ea typeface="MS PGothic" charset="-128"/>
-                <a:cs typeface="MS PGothic" charset="-128"/>
-              </a:rPr>
-              <a:t>（ギットハブ）はソフトウェア開発プロジェクトのための</a:t>
-            </a:r>
-            <a:br>
-              <a:rPr lang="en-US" altLang="ja-JP" sz="2000" dirty="0">
-                <a:solidFill>
-                  <a:schemeClr val="tx1"/>
-                </a:solidFill>
-                <a:latin typeface="MS PGothic" charset="-128"/>
-                <a:ea typeface="MS PGothic" charset="-128"/>
-                <a:cs typeface="MS PGothic" charset="-128"/>
-              </a:rPr>
-            </a:br>
-            <a:r>
-              <a:rPr lang="ja-JP" altLang="en-US" sz="2000" dirty="0">
-                <a:solidFill>
-                  <a:schemeClr val="tx1"/>
-                </a:solidFill>
-                <a:latin typeface="MS PGothic" charset="-128"/>
-                <a:ea typeface="MS PGothic" charset="-128"/>
-                <a:cs typeface="MS PGothic" charset="-128"/>
-              </a:rPr>
-              <a:t>共有ウェブサービスであり、</a:t>
-            </a:r>
-            <a:r>
-              <a:rPr lang="en-US" altLang="ja-JP" sz="2000" dirty="0" err="1">
-                <a:solidFill>
-                  <a:schemeClr val="tx1"/>
-                </a:solidFill>
-                <a:latin typeface="MS PGothic" charset="-128"/>
-                <a:ea typeface="MS PGothic" charset="-128"/>
-                <a:cs typeface="MS PGothic" charset="-128"/>
-              </a:rPr>
-              <a:t>Git</a:t>
-            </a:r>
-            <a:r>
-              <a:rPr lang="ja-JP" altLang="en-US" sz="2000" dirty="0">
-                <a:solidFill>
-                  <a:schemeClr val="tx1"/>
-                </a:solidFill>
-                <a:latin typeface="MS PGothic" charset="-128"/>
-                <a:ea typeface="MS PGothic" charset="-128"/>
-                <a:cs typeface="MS PGothic" charset="-128"/>
-              </a:rPr>
-              <a:t>バージョン管理システムを使用する。</a:t>
-            </a:r>
-            <a:br>
-              <a:rPr lang="en-US" altLang="ja-JP" sz="2000" dirty="0">
-                <a:solidFill>
-                  <a:schemeClr val="tx1"/>
-                </a:solidFill>
-                <a:latin typeface="MS PGothic" charset="-128"/>
-                <a:ea typeface="MS PGothic" charset="-128"/>
-                <a:cs typeface="MS PGothic" charset="-128"/>
-              </a:rPr>
-            </a:br>
-            <a:r>
-              <a:rPr lang="ja-JP" altLang="en-US" sz="2000" u="sng" dirty="0">
-                <a:latin typeface="MS PGothic" charset="-128"/>
-                <a:ea typeface="MS PGothic" charset="-128"/>
-                <a:cs typeface="MS PGothic" charset="-128"/>
-                <a:hlinkClick r:id="rId3"/>
-              </a:rPr>
-              <a:t>ウィキペディア</a:t>
-            </a:r>
-            <a:endParaRPr kumimoji="1" lang="ja-JP" altLang="en-US" sz="2000" dirty="0">
-              <a:solidFill>
-                <a:schemeClr val="tx1"/>
-              </a:solidFill>
-              <a:latin typeface="MS PGothic" charset="-128"/>
-              <a:ea typeface="MS PGothic" charset="-128"/>
-              <a:cs typeface="MS PGothic" charset="-128"/>
-            </a:endParaRPr>
+            <a:r>
+              <a:rPr kumimoji="1" lang="ja-JP" altLang="en-US"/>
+              <a:t>今回の演習も</a:t>
+            </a:r>
+            <a:r>
+              <a:rPr kumimoji="1" lang="en-US" altLang="ja-JP" dirty="0"/>
+              <a:t>Google </a:t>
+            </a:r>
+            <a:r>
+              <a:rPr kumimoji="1" lang="en-US" altLang="ja-JP" dirty="0" err="1"/>
+              <a:t>colab</a:t>
+            </a:r>
+            <a:r>
+              <a:rPr kumimoji="1" lang="ja-JP" altLang="en-US"/>
+              <a:t>上で行います</a:t>
+            </a:r>
           </a:p>
         </p:txBody>
       </p:sp>
     </p:spTree>
     <p:extLst>
       <p:ext uri="{BB962C8B-B14F-4D97-AF65-F5344CB8AC3E}">
-        <p14:creationId xmlns:p14="http://schemas.microsoft.com/office/powerpoint/2010/main" val="801453382"/>
+        <p14:creationId xmlns:p14="http://schemas.microsoft.com/office/powerpoint/2010/main" val="4008739428"/>
       </p:ext>
     </p:extLst>
   </p:cSld>
@@ -7629,17 +8482,38 @@
         </p:nvSpPr>
         <p:spPr>
           <a:xfrm>
-            <a:off x="404859" y="365126"/>
-            <a:ext cx="8334281" cy="1325563"/>
-          </a:xfrm>
-        </p:spPr>
-        <p:txBody>
-          <a:bodyPr/>
+            <a:off x="297951" y="365126"/>
+            <a:ext cx="8217399" cy="1325563"/>
+          </a:xfrm>
+        </p:spPr>
+        <p:txBody>
+          <a:bodyPr>
+            <a:normAutofit fontScale="90000"/>
+          </a:bodyPr>
           <a:lstStyle/>
           <a:p>
             <a:r>
+              <a:rPr kumimoji="1" lang="en-US" altLang="ja-JP" dirty="0" err="1"/>
+              <a:t>Github</a:t>
+            </a:r>
+            <a:r>
+              <a:rPr kumimoji="1" lang="en-US" altLang="ja-JP" dirty="0"/>
+              <a:t> </a:t>
+            </a:r>
+            <a:r>
               <a:rPr kumimoji="1" lang="ja-JP" altLang="en-US"/>
-              <a:t>サンプルプログラム配布ページ</a:t>
+              <a:t>のインストール</a:t>
+            </a:r>
+            <a:br>
+              <a:rPr kumimoji="1" lang="en-US" altLang="ja-JP" dirty="0"/>
+            </a:br>
+            <a:r>
+              <a:rPr kumimoji="1" lang="en-US" altLang="ja-JP" dirty="0"/>
+              <a:t>(</a:t>
+            </a:r>
+            <a:r>
+              <a:rPr kumimoji="1" lang="ja-JP" altLang="en-US"/>
+              <a:t>ローカルで実験したい場合のみ）</a:t>
             </a:r>
             <a:endParaRPr kumimoji="1" lang="ja-JP" altLang="en-US" dirty="0"/>
           </a:p>
@@ -7657,37 +8531,45 @@
         </p:nvSpPr>
         <p:spPr>
           <a:xfrm>
-            <a:off x="628649" y="1825625"/>
-            <a:ext cx="8425703" cy="4351338"/>
+            <a:off x="376518" y="3429000"/>
+            <a:ext cx="8138832" cy="2384892"/>
           </a:xfrm>
         </p:spPr>
         <p:txBody>
           <a:bodyPr/>
           <a:lstStyle/>
           <a:p>
+            <a:r>
+              <a:rPr lang="en-US" altLang="ja-JP" dirty="0"/>
+              <a:t>B3</a:t>
+            </a:r>
+            <a:r>
+              <a:rPr lang="ja-JP" altLang="en-US" dirty="0"/>
+              <a:t>ゼミではサンプルプログラムや課題の配布に利用する</a:t>
+            </a:r>
+            <a:endParaRPr kumimoji="1" lang="en-US" altLang="ja-JP" dirty="0"/>
+          </a:p>
+          <a:p>
+            <a:r>
+              <a:rPr lang="ja-JP" altLang="en-US" dirty="0"/>
+              <a:t>インストール方法は下記等参照</a:t>
+            </a:r>
+            <a:br>
+              <a:rPr lang="en-US" altLang="ja-JP" dirty="0"/>
+            </a:br>
             <a:r>
               <a:rPr lang="en-US" altLang="ja-JP" dirty="0">
                 <a:hlinkClick r:id="rId2"/>
               </a:rPr>
-              <a:t>https://github.com/NaohiroTawara/B3_seminor2018.git</a:t>
+              <a:t>http://www.atmarkit.co.jp/ait/articles/1603/31/news026.html#01</a:t>
             </a:r>
             <a:endParaRPr lang="en-US" altLang="ja-JP" dirty="0"/>
           </a:p>
           <a:p>
-            <a:pPr marL="0" indent="0">
-              <a:buNone/>
-            </a:pPr>
             <a:endParaRPr kumimoji="1" lang="en-US" altLang="ja-JP" dirty="0"/>
           </a:p>
           <a:p>
-            <a:r>
-              <a:rPr lang="en-US" altLang="ja-JP" dirty="0" err="1"/>
-              <a:t>Git</a:t>
-            </a:r>
-            <a:r>
-              <a:rPr lang="ja-JP" altLang="en-US" dirty="0"/>
-              <a:t>を使えば下記でまとめてダウンロードできます</a:t>
-            </a:r>
+            <a:pPr lvl="1"/>
             <a:endParaRPr kumimoji="1" lang="ja-JP" altLang="en-US" dirty="0"/>
           </a:p>
         </p:txBody>
@@ -7700,8 +8582,8 @@
         </p:nvSpPr>
         <p:spPr>
           <a:xfrm>
-            <a:off x="596713" y="3810000"/>
-            <a:ext cx="7950574" cy="519953"/>
+            <a:off x="564776" y="1846729"/>
+            <a:ext cx="7950574" cy="1057836"/>
           </a:xfrm>
           <a:prstGeom prst="rect">
             <a:avLst/>
@@ -7734,7 +8616,7 @@
           <a:lstStyle/>
           <a:p>
             <a:r>
-              <a:rPr kumimoji="1" lang="en-US" altLang="ja-JP" sz="2000" dirty="0">
+              <a:rPr lang="en-US" altLang="ja-JP" sz="2000" b="1" dirty="0">
                 <a:solidFill>
                   <a:schemeClr val="tx1"/>
                 </a:solidFill>
@@ -7742,10 +8624,10 @@
                 <a:ea typeface="MS PGothic" charset="-128"/>
                 <a:cs typeface="MS PGothic" charset="-128"/>
               </a:rPr>
-              <a:t>$ </a:t>
-            </a:r>
-            <a:r>
-              <a:rPr kumimoji="1" lang="en-US" altLang="ja-JP" sz="2000" dirty="0" err="1">
+              <a:t>GitHub</a:t>
+            </a:r>
+            <a:r>
+              <a:rPr lang="ja-JP" altLang="en-US" sz="2000" dirty="0">
                 <a:solidFill>
                   <a:schemeClr val="tx1"/>
                 </a:solidFill>
@@ -7753,9 +8635,9 @@
                 <a:ea typeface="MS PGothic" charset="-128"/>
                 <a:cs typeface="MS PGothic" charset="-128"/>
               </a:rPr>
-              <a:t>git</a:t>
-            </a:r>
-            <a:r>
+              <a:t>（ギットハブ）はソフトウェア開発プロジェクトのための</a:t>
+            </a:r>
+            <a:br>
               <a:rPr lang="en-US" altLang="ja-JP" sz="2000" dirty="0">
                 <a:solidFill>
                   <a:schemeClr val="tx1"/>
@@ -7764,7 +8646,17 @@
                 <a:ea typeface="MS PGothic" charset="-128"/>
                 <a:cs typeface="MS PGothic" charset="-128"/>
               </a:rPr>
-              <a:t> clone https://</a:t>
+            </a:br>
+            <a:r>
+              <a:rPr lang="ja-JP" altLang="en-US" sz="2000" dirty="0">
+                <a:solidFill>
+                  <a:schemeClr val="tx1"/>
+                </a:solidFill>
+                <a:latin typeface="MS PGothic" charset="-128"/>
+                <a:ea typeface="MS PGothic" charset="-128"/>
+                <a:cs typeface="MS PGothic" charset="-128"/>
+              </a:rPr>
+              <a:t>共有ウェブサービスであり、</a:t>
             </a:r>
             <a:r>
               <a:rPr lang="en-US" altLang="ja-JP" sz="2000" dirty="0" err="1">
@@ -7775,9 +8667,20 @@
                 <a:ea typeface="MS PGothic" charset="-128"/>
                 <a:cs typeface="MS PGothic" charset="-128"/>
               </a:rPr>
-              <a:t>github.com</a:t>
-            </a:r>
-            <a:r>
+              <a:t>Git</a:t>
+            </a:r>
+            <a:r>
+              <a:rPr lang="ja-JP" altLang="en-US" sz="2000" dirty="0">
+                <a:solidFill>
+                  <a:schemeClr val="tx1"/>
+                </a:solidFill>
+                <a:latin typeface="MS PGothic" charset="-128"/>
+                <a:ea typeface="MS PGothic" charset="-128"/>
+                <a:cs typeface="MS PGothic" charset="-128"/>
+              </a:rPr>
+              <a:t>バージョン管理システムを使用する。</a:t>
+            </a:r>
+            <a:br>
               <a:rPr lang="en-US" altLang="ja-JP" sz="2000" dirty="0">
                 <a:solidFill>
                   <a:schemeClr val="tx1"/>
@@ -7786,37 +8689,31 @@
                 <a:ea typeface="MS PGothic" charset="-128"/>
                 <a:cs typeface="MS PGothic" charset="-128"/>
               </a:rPr>
-              <a:t>/</a:t>
-            </a:r>
-            <a:r>
-              <a:rPr lang="en-US" altLang="ja-JP" sz="2000" dirty="0" err="1">
-                <a:solidFill>
-                  <a:schemeClr val="tx1"/>
-                </a:solidFill>
+            </a:br>
+            <a:r>
+              <a:rPr lang="ja-JP" altLang="en-US" sz="2000" u="sng" dirty="0">
                 <a:latin typeface="MS PGothic" charset="-128"/>
                 <a:ea typeface="MS PGothic" charset="-128"/>
                 <a:cs typeface="MS PGothic" charset="-128"/>
+                <a:hlinkClick r:id="rId3"/>
               </a:rPr>
-              <a:t>NaohiroTawara</a:t>
-            </a:r>
-            <a:r>
-              <a:rPr lang="en-US" altLang="ja-JP" sz="2000" dirty="0">
-                <a:solidFill>
-                  <a:schemeClr val="tx1"/>
-                </a:solidFill>
-                <a:latin typeface="MS PGothic" charset="-128"/>
-                <a:ea typeface="MS PGothic" charset="-128"/>
-                <a:cs typeface="MS PGothic" charset="-128"/>
-              </a:rPr>
-              <a:t>/B3_seminor </a:t>
-            </a:r>
+              <a:t>ウィキペディア</a:t>
+            </a:r>
+            <a:endParaRPr kumimoji="1" lang="ja-JP" altLang="en-US" sz="2000" dirty="0">
+              <a:solidFill>
+                <a:schemeClr val="tx1"/>
+              </a:solidFill>
+              <a:latin typeface="MS PGothic" charset="-128"/>
+              <a:ea typeface="MS PGothic" charset="-128"/>
+              <a:cs typeface="MS PGothic" charset="-128"/>
+            </a:endParaRPr>
           </a:p>
         </p:txBody>
       </p:sp>
     </p:spTree>
     <p:extLst>
       <p:ext uri="{BB962C8B-B14F-4D97-AF65-F5344CB8AC3E}">
-        <p14:creationId xmlns:p14="http://schemas.microsoft.com/office/powerpoint/2010/main" val="77281029"/>
+        <p14:creationId xmlns:p14="http://schemas.microsoft.com/office/powerpoint/2010/main" val="801453382"/>
       </p:ext>
     </p:extLst>
   </p:cSld>
@@ -7845,7 +8742,13 @@
       </p:grpSpPr>
       <p:sp>
         <p:nvSpPr>
-          <p:cNvPr id="2" name="タイトル 1"/>
+          <p:cNvPr id="2" name="タイトル 1">
+            <a:extLst>
+              <a:ext uri="{FF2B5EF4-FFF2-40B4-BE49-F238E27FC236}">
+                <a16:creationId xmlns:a16="http://schemas.microsoft.com/office/drawing/2014/main" id="{D35F2DD9-3C0D-0641-AFAB-F2C308E9E32A}"/>
+              </a:ext>
+            </a:extLst>
+          </p:cNvPr>
           <p:cNvSpPr>
             <a:spLocks noGrp="1"/>
           </p:cNvSpPr>
@@ -7853,27 +8756,49 @@
             <p:ph type="title"/>
           </p:nvPr>
         </p:nvSpPr>
-        <p:spPr>
-          <a:xfrm>
-            <a:off x="235532" y="333871"/>
-            <a:ext cx="8716139" cy="1325563"/>
-          </a:xfrm>
-        </p:spPr>
-        <p:txBody>
-          <a:bodyPr/>
+        <p:spPr/>
+        <p:txBody>
+          <a:bodyPr>
+            <a:normAutofit/>
+          </a:bodyPr>
           <a:lstStyle/>
           <a:p>
             <a:r>
-              <a:rPr lang="ja-JP" altLang="en-US" dirty="0"/>
-              <a:t>課題（結果の提出は求めません）</a:t>
-            </a:r>
-            <a:endParaRPr kumimoji="1" lang="ja-JP" altLang="en-US" dirty="0"/>
-          </a:p>
-        </p:txBody>
-      </p:sp>
-      <p:sp>
-        <p:nvSpPr>
-          <p:cNvPr id="3" name="コンテンツ プレースホルダー 2"/>
+              <a:rPr kumimoji="1" lang="en-US" altLang="ja-JP" dirty="0" err="1"/>
+              <a:t>Github</a:t>
+            </a:r>
+            <a:r>
+              <a:rPr kumimoji="1" lang="ja-JP" altLang="en-US"/>
+              <a:t>から</a:t>
+            </a:r>
+            <a:r>
+              <a:rPr kumimoji="1" lang="en-US" altLang="ja-JP" dirty="0"/>
+              <a:t> </a:t>
+            </a:r>
+            <a:r>
+              <a:rPr kumimoji="1" lang="en-US" altLang="ja-JP" dirty="0" err="1"/>
+              <a:t>jupyter</a:t>
+            </a:r>
+            <a:r>
+              <a:rPr kumimoji="1" lang="en-US" altLang="ja-JP" dirty="0"/>
+              <a:t> </a:t>
+            </a:r>
+            <a:r>
+              <a:rPr kumimoji="1" lang="ja-JP" altLang="en-US"/>
+              <a:t>ファイルをインポート</a:t>
+            </a:r>
+          </a:p>
+        </p:txBody>
+      </p:sp>
+      <p:sp>
+        <p:nvSpPr>
+          <p:cNvPr id="3" name="コンテンツ プレースホルダー 2">
+            <a:extLst>
+              <a:ext uri="{FF2B5EF4-FFF2-40B4-BE49-F238E27FC236}">
+                <a16:creationId xmlns:a16="http://schemas.microsoft.com/office/drawing/2014/main" id="{4A6F914C-0D70-B545-8D6E-CDA59F44253E}"/>
+              </a:ext>
+            </a:extLst>
+          </p:cNvPr>
           <p:cNvSpPr>
             <a:spLocks noGrp="1"/>
           </p:cNvSpPr>
@@ -7883,308 +8808,77 @@
         </p:nvSpPr>
         <p:spPr>
           <a:xfrm>
-            <a:off x="628650" y="1825624"/>
-            <a:ext cx="7886700" cy="5032375"/>
+            <a:off x="628650" y="1825625"/>
+            <a:ext cx="8515350" cy="658495"/>
           </a:xfrm>
         </p:spPr>
         <p:txBody>
           <a:bodyPr>
-            <a:normAutofit lnSpcReduction="10000"/>
+            <a:normAutofit fontScale="85000" lnSpcReduction="10000"/>
           </a:bodyPr>
           <a:lstStyle/>
           <a:p>
-            <a:pPr marL="514350" indent="-514350">
-              <a:buFont typeface="+mj-lt"/>
-              <a:buAutoNum type="arabicPeriod"/>
+            <a:pPr marL="0" indent="0">
+              <a:buNone/>
             </a:pPr>
             <a:r>
-              <a:rPr kumimoji="1" lang="ja-JP" altLang="en-US" dirty="0"/>
-              <a:t>サンプルプログラムを回して手書き数字認識用ニューラルネットワークを構築してみよう</a:t>
-            </a:r>
-            <a:endParaRPr kumimoji="1" lang="en-US" altLang="ja-JP" dirty="0"/>
-          </a:p>
-          <a:p>
-            <a:pPr lvl="1"/>
-            <a:endParaRPr kumimoji="1" lang="en-US" altLang="ja-JP" dirty="0"/>
-          </a:p>
-          <a:p>
-            <a:pPr marL="514350" indent="-514350">
-              <a:buFont typeface="+mj-lt"/>
-              <a:buAutoNum type="arabicPeriod"/>
-            </a:pPr>
-            <a:endParaRPr lang="en-US" altLang="ja-JP" dirty="0"/>
-          </a:p>
-          <a:p>
-            <a:pPr marL="514350" indent="-514350">
-              <a:buFont typeface="+mj-lt"/>
-              <a:buAutoNum type="arabicPeriod"/>
-            </a:pPr>
-            <a:r>
-              <a:rPr kumimoji="1" lang="ja-JP" altLang="en-US" dirty="0"/>
-              <a:t>作成したニューラルネットワークを可視化してみよう</a:t>
-            </a:r>
-            <a:br>
-              <a:rPr kumimoji="1" lang="en-US" altLang="ja-JP" dirty="0"/>
-            </a:br>
-            <a:endParaRPr kumimoji="1" lang="en-US" altLang="ja-JP" dirty="0"/>
-          </a:p>
-          <a:p>
-            <a:pPr marL="514350" indent="-514350">
-              <a:buFont typeface="+mj-lt"/>
-              <a:buAutoNum type="arabicPeriod"/>
-            </a:pPr>
-            <a:endParaRPr lang="en-US" altLang="ja-JP" dirty="0"/>
-          </a:p>
-          <a:p>
-            <a:pPr marL="514350" indent="-514350">
-              <a:buFont typeface="+mj-lt"/>
-              <a:buAutoNum type="arabicPeriod"/>
-            </a:pPr>
-            <a:r>
-              <a:rPr kumimoji="1" lang="ja-JP" altLang="en-US" dirty="0"/>
-              <a:t>ニューラルネットワークの構造（</a:t>
-            </a:r>
-            <a:r>
-              <a:rPr kumimoji="1" lang="ja-JP" altLang="en-US" b="1" dirty="0">
-                <a:solidFill>
-                  <a:srgbClr val="FF0000"/>
-                </a:solidFill>
-              </a:rPr>
-              <a:t>層数やユニット数</a:t>
-            </a:r>
-            <a:r>
-              <a:rPr lang="ja-JP" altLang="en-US" b="1" dirty="0">
-                <a:solidFill>
-                  <a:srgbClr val="FF0000"/>
-                </a:solidFill>
-              </a:rPr>
-              <a:t>、ミニバッチサイズなど</a:t>
-            </a:r>
-            <a:r>
-              <a:rPr kumimoji="1" lang="ja-JP" altLang="en-US" dirty="0"/>
-              <a:t>）を変え</a:t>
-            </a:r>
-            <a:r>
-              <a:rPr lang="ja-JP" altLang="en-US" dirty="0"/>
-              <a:t>て学習した</a:t>
-            </a:r>
-            <a:r>
-              <a:rPr kumimoji="1" lang="ja-JP" altLang="en-US" dirty="0"/>
-              <a:t>ときに結果</a:t>
-            </a:r>
-            <a:r>
-              <a:rPr lang="ja-JP" altLang="en-US" dirty="0"/>
-              <a:t>（</a:t>
-            </a:r>
-            <a:r>
-              <a:rPr lang="ja-JP" altLang="en-US" b="1" dirty="0">
-                <a:solidFill>
-                  <a:srgbClr val="FF0000"/>
-                </a:solidFill>
-              </a:rPr>
-              <a:t>認識精度や計算時間など</a:t>
-            </a:r>
-            <a:r>
-              <a:rPr lang="ja-JP" altLang="en-US" dirty="0"/>
-              <a:t>）</a:t>
-            </a:r>
-            <a:r>
-              <a:rPr kumimoji="1" lang="ja-JP" altLang="en-US" dirty="0"/>
-              <a:t>がどのように変わるか見てみよう</a:t>
-            </a:r>
-            <a:endParaRPr lang="en-US" altLang="ja-JP" dirty="0"/>
-          </a:p>
-          <a:p>
-            <a:pPr lvl="1"/>
-            <a:endParaRPr kumimoji="1" lang="en-US" altLang="ja-JP" dirty="0"/>
-          </a:p>
-        </p:txBody>
-      </p:sp>
-      <p:sp>
-        <p:nvSpPr>
-          <p:cNvPr id="5" name="正方形/長方形 4"/>
-          <p:cNvSpPr/>
+              <a:rPr lang="en-US" altLang="ja-JP" dirty="0"/>
+              <a:t>https://</a:t>
+            </a:r>
+            <a:r>
+              <a:rPr lang="en-US" altLang="ja-JP" dirty="0" err="1"/>
+              <a:t>github.com</a:t>
+            </a:r>
+            <a:r>
+              <a:rPr lang="en-US" altLang="ja-JP" dirty="0"/>
+              <a:t>/</a:t>
+            </a:r>
+            <a:r>
+              <a:rPr lang="en-US" altLang="ja-JP" dirty="0" err="1"/>
+              <a:t>NaohiroTawara</a:t>
+            </a:r>
+            <a:r>
+              <a:rPr lang="en-US" altLang="ja-JP" dirty="0"/>
+              <a:t>/B3_seminor2018</a:t>
+            </a:r>
+            <a:endParaRPr kumimoji="1" lang="ja-JP" altLang="en-US"/>
+          </a:p>
+        </p:txBody>
+      </p:sp>
+      <p:pic>
+        <p:nvPicPr>
+          <p:cNvPr id="5" name="図 4">
+            <a:extLst>
+              <a:ext uri="{FF2B5EF4-FFF2-40B4-BE49-F238E27FC236}">
+                <a16:creationId xmlns:a16="http://schemas.microsoft.com/office/drawing/2014/main" id="{40638847-11FC-404A-B317-104CC5A2AD53}"/>
+              </a:ext>
+            </a:extLst>
+          </p:cNvPr>
+          <p:cNvPicPr>
+            <a:picLocks noChangeAspect="1"/>
+          </p:cNvPicPr>
           <p:nvPr/>
-        </p:nvSpPr>
-        <p:spPr>
-          <a:xfrm>
-            <a:off x="610720" y="2617695"/>
-            <a:ext cx="7950574" cy="519953"/>
+        </p:nvPicPr>
+        <p:blipFill>
+          <a:blip r:embed="rId2"/>
+          <a:stretch>
+            <a:fillRect/>
+          </a:stretch>
+        </p:blipFill>
+        <p:spPr>
+          <a:xfrm>
+            <a:off x="1188720" y="2154872"/>
+            <a:ext cx="6385560" cy="4473626"/>
           </a:xfrm>
           <a:prstGeom prst="rect">
             <a:avLst/>
           </a:prstGeom>
-          <a:solidFill>
-            <a:schemeClr val="bg2"/>
-          </a:solidFill>
-          <a:ln w="60325">
-            <a:noFill/>
-          </a:ln>
-        </p:spPr>
-        <p:style>
-          <a:lnRef idx="2">
-            <a:schemeClr val="accent1">
-              <a:shade val="50000"/>
-            </a:schemeClr>
-          </a:lnRef>
-          <a:fillRef idx="1">
-            <a:schemeClr val="accent1"/>
-          </a:fillRef>
-          <a:effectRef idx="0">
-            <a:schemeClr val="accent1"/>
-          </a:effectRef>
-          <a:fontRef idx="minor">
-            <a:schemeClr val="lt1"/>
-          </a:fontRef>
-        </p:style>
-        <p:txBody>
-          <a:bodyPr rtlCol="0" anchor="ctr"/>
-          <a:lstStyle/>
-          <a:p>
-            <a:r>
-              <a:rPr kumimoji="1" lang="en-US" altLang="ja-JP" sz="2000" dirty="0">
-                <a:solidFill>
-                  <a:schemeClr val="tx1"/>
-                </a:solidFill>
-                <a:latin typeface="MS PGothic" charset="-128"/>
-                <a:ea typeface="MS PGothic" charset="-128"/>
-                <a:cs typeface="MS PGothic" charset="-128"/>
-              </a:rPr>
-              <a:t>$ python </a:t>
-            </a:r>
-            <a:r>
-              <a:rPr kumimoji="1" lang="en-US" altLang="ja-JP" sz="2000" dirty="0" err="1">
-                <a:solidFill>
-                  <a:schemeClr val="tx1"/>
-                </a:solidFill>
-                <a:latin typeface="MS PGothic" charset="-128"/>
-                <a:ea typeface="MS PGothic" charset="-128"/>
-                <a:cs typeface="MS PGothic" charset="-128"/>
-              </a:rPr>
-              <a:t>train_mnist.py</a:t>
-            </a:r>
-            <a:r>
-              <a:rPr kumimoji="1" lang="en-US" altLang="ja-JP" sz="2000" dirty="0">
-                <a:solidFill>
-                  <a:schemeClr val="tx1"/>
-                </a:solidFill>
-                <a:latin typeface="MS PGothic" charset="-128"/>
-                <a:ea typeface="MS PGothic" charset="-128"/>
-                <a:cs typeface="MS PGothic" charset="-128"/>
-              </a:rPr>
-              <a:t> </a:t>
-            </a:r>
-            <a:endParaRPr lang="en-US" altLang="ja-JP" sz="2000" dirty="0">
-              <a:solidFill>
-                <a:schemeClr val="tx1"/>
-              </a:solidFill>
-              <a:latin typeface="MS PGothic" charset="-128"/>
-              <a:ea typeface="MS PGothic" charset="-128"/>
-              <a:cs typeface="MS PGothic" charset="-128"/>
-            </a:endParaRPr>
-          </a:p>
-        </p:txBody>
-      </p:sp>
-      <p:sp>
-        <p:nvSpPr>
-          <p:cNvPr id="6" name="正方形/長方形 5"/>
-          <p:cNvSpPr/>
-          <p:nvPr/>
-        </p:nvSpPr>
-        <p:spPr>
-          <a:xfrm>
-            <a:off x="628650" y="4137352"/>
-            <a:ext cx="7950574" cy="519953"/>
-          </a:xfrm>
-          <a:prstGeom prst="rect">
-            <a:avLst/>
-          </a:prstGeom>
-          <a:solidFill>
-            <a:schemeClr val="bg2"/>
-          </a:solidFill>
-          <a:ln w="60325">
-            <a:noFill/>
-          </a:ln>
-        </p:spPr>
-        <p:style>
-          <a:lnRef idx="2">
-            <a:schemeClr val="accent1">
-              <a:shade val="50000"/>
-            </a:schemeClr>
-          </a:lnRef>
-          <a:fillRef idx="1">
-            <a:schemeClr val="accent1"/>
-          </a:fillRef>
-          <a:effectRef idx="0">
-            <a:schemeClr val="accent1"/>
-          </a:effectRef>
-          <a:fontRef idx="minor">
-            <a:schemeClr val="lt1"/>
-          </a:fontRef>
-        </p:style>
-        <p:txBody>
-          <a:bodyPr rtlCol="0" anchor="ctr"/>
-          <a:lstStyle/>
-          <a:p>
-            <a:r>
-              <a:rPr lang="en-US" altLang="ja-JP" sz="2000" dirty="0">
-                <a:solidFill>
-                  <a:schemeClr val="tx1"/>
-                </a:solidFill>
-                <a:latin typeface="MS PGothic" charset="-128"/>
-                <a:ea typeface="MS PGothic" charset="-128"/>
-                <a:cs typeface="MS PGothic" charset="-128"/>
-              </a:rPr>
-              <a:t>$ </a:t>
-            </a:r>
-            <a:r>
-              <a:rPr lang="en-US" altLang="ja-JP" sz="2000" dirty="0" err="1">
-                <a:solidFill>
-                  <a:schemeClr val="tx1"/>
-                </a:solidFill>
-                <a:latin typeface="MS PGothic" charset="-128"/>
-                <a:ea typeface="MS PGothic" charset="-128"/>
-                <a:cs typeface="MS PGothic" charset="-128"/>
-              </a:rPr>
-              <a:t>jupyter</a:t>
-            </a:r>
-            <a:r>
-              <a:rPr lang="en-US" altLang="ja-JP" sz="2000" dirty="0">
-                <a:solidFill>
-                  <a:schemeClr val="tx1"/>
-                </a:solidFill>
-                <a:latin typeface="MS PGothic" charset="-128"/>
-                <a:ea typeface="MS PGothic" charset="-128"/>
-                <a:cs typeface="MS PGothic" charset="-128"/>
-              </a:rPr>
-              <a:t> notebook </a:t>
-            </a:r>
-            <a:r>
-              <a:rPr lang="en-US" altLang="ja-JP" sz="2000" dirty="0" err="1">
-                <a:solidFill>
-                  <a:schemeClr val="tx1"/>
-                </a:solidFill>
-                <a:latin typeface="MS PGothic" charset="-128"/>
-                <a:ea typeface="MS PGothic" charset="-128"/>
-                <a:cs typeface="MS PGothic" charset="-128"/>
-              </a:rPr>
-              <a:t>analyze_mnist.ipynb</a:t>
-            </a:r>
-            <a:endParaRPr lang="en-US" altLang="ja-JP" sz="2000" dirty="0">
-              <a:solidFill>
-                <a:schemeClr val="tx1"/>
-              </a:solidFill>
-              <a:latin typeface="MS PGothic" charset="-128"/>
-              <a:ea typeface="MS PGothic" charset="-128"/>
-              <a:cs typeface="MS PGothic" charset="-128"/>
-            </a:endParaRPr>
-          </a:p>
-        </p:txBody>
-      </p:sp>
+        </p:spPr>
+      </p:pic>
     </p:spTree>
     <p:extLst>
       <p:ext uri="{BB962C8B-B14F-4D97-AF65-F5344CB8AC3E}">
-        <p14:creationId xmlns:p14="http://schemas.microsoft.com/office/powerpoint/2010/main" val="358949428"/>
+        <p14:creationId xmlns:p14="http://schemas.microsoft.com/office/powerpoint/2010/main" val="441958783"/>
       </p:ext>
     </p:extLst>
   </p:cSld>
@@ -8221,22 +8915,19 @@
             <p:ph type="title"/>
           </p:nvPr>
         </p:nvSpPr>
-        <p:spPr/>
+        <p:spPr>
+          <a:xfrm>
+            <a:off x="404859" y="365126"/>
+            <a:ext cx="8334281" cy="1325563"/>
+          </a:xfrm>
+        </p:spPr>
         <p:txBody>
           <a:bodyPr/>
           <a:lstStyle/>
           <a:p>
             <a:r>
-              <a:rPr lang="ja-JP" altLang="en-US" dirty="0"/>
-              <a:t>手書き文字（</a:t>
-            </a:r>
-            <a:r>
-              <a:rPr lang="en-US" altLang="ja-JP" dirty="0"/>
-              <a:t>MNIST</a:t>
-            </a:r>
-            <a:r>
-              <a:rPr lang="ja-JP" altLang="en-US" dirty="0"/>
-              <a:t>）</a:t>
+              <a:rPr kumimoji="1" lang="ja-JP" altLang="en-US"/>
+              <a:t>サンプルプログラム配布ページ</a:t>
             </a:r>
             <a:endParaRPr kumimoji="1" lang="ja-JP" altLang="en-US" dirty="0"/>
           </a:p>
@@ -8252,127 +8943,168 @@
             <p:ph idx="1"/>
           </p:nvPr>
         </p:nvSpPr>
-        <p:spPr/>
+        <p:spPr>
+          <a:xfrm>
+            <a:off x="628649" y="1825625"/>
+            <a:ext cx="8425703" cy="4351338"/>
+          </a:xfrm>
+        </p:spPr>
         <p:txBody>
           <a:bodyPr/>
           <a:lstStyle/>
           <a:p>
             <a:r>
-              <a:rPr kumimoji="1" lang="en-US" altLang="ja-JP" dirty="0"/>
-              <a:t>0〜9</a:t>
-            </a:r>
-            <a:r>
-              <a:rPr kumimoji="1" lang="ja-JP" altLang="en-US" dirty="0"/>
-              <a:t>の手書き文字</a:t>
-            </a:r>
+              <a:rPr lang="en-US" altLang="ja-JP" dirty="0">
+                <a:hlinkClick r:id="rId2"/>
+              </a:rPr>
+              <a:t>https://github.com/NaohiroTawara/B3_seminor2018.git</a:t>
+            </a:r>
+            <a:endParaRPr lang="en-US" altLang="ja-JP" dirty="0"/>
+          </a:p>
+          <a:p>
+            <a:pPr marL="0" indent="0">
+              <a:buNone/>
+            </a:pPr>
             <a:endParaRPr kumimoji="1" lang="en-US" altLang="ja-JP" dirty="0"/>
           </a:p>
           <a:p>
             <a:r>
+              <a:rPr lang="en-US" altLang="ja-JP" dirty="0" err="1"/>
+              <a:t>Git</a:t>
+            </a:r>
+            <a:r>
               <a:rPr lang="ja-JP" altLang="en-US" dirty="0"/>
-              <a:t>データ数</a:t>
-            </a:r>
-            <a:endParaRPr lang="en-US" altLang="ja-JP" dirty="0"/>
-          </a:p>
-          <a:p>
-            <a:pPr lvl="1"/>
-            <a:r>
-              <a:rPr lang="ja-JP" altLang="en-US" dirty="0"/>
-              <a:t>学習用：</a:t>
-            </a:r>
-            <a:r>
-              <a:rPr lang="en-US" altLang="ja-JP" dirty="0"/>
-              <a:t>60000</a:t>
-            </a:r>
-            <a:r>
-              <a:rPr lang="ja-JP" altLang="en-US" dirty="0"/>
-              <a:t>サンプル</a:t>
-            </a:r>
-            <a:endParaRPr lang="en-US" altLang="ja-JP" dirty="0"/>
-          </a:p>
-          <a:p>
-            <a:pPr lvl="1"/>
-            <a:r>
-              <a:rPr kumimoji="1" lang="ja-JP" altLang="en-US" dirty="0"/>
-              <a:t>テスト用：</a:t>
-            </a:r>
-            <a:r>
-              <a:rPr lang="en-US" altLang="ja-JP" dirty="0"/>
-              <a:t> 10000</a:t>
-            </a:r>
-            <a:r>
-              <a:rPr lang="ja-JP" altLang="en-US" dirty="0"/>
-              <a:t>サンプル</a:t>
-            </a:r>
-            <a:endParaRPr lang="en-US" altLang="ja-JP" dirty="0"/>
-          </a:p>
-          <a:p>
-            <a:r>
-              <a:rPr lang="ja-JP" altLang="en-US" dirty="0"/>
-              <a:t>データフォーマット</a:t>
-            </a:r>
-            <a:endParaRPr lang="en-US" altLang="ja-JP" dirty="0"/>
-          </a:p>
-          <a:p>
-            <a:pPr lvl="1"/>
-            <a:r>
-              <a:rPr lang="en-US" altLang="ja-JP" dirty="0"/>
-              <a:t>28 × 28 pixel </a:t>
-            </a:r>
-          </a:p>
-          <a:p>
-            <a:pPr lvl="1"/>
-            <a:r>
-              <a:rPr lang="en-US" altLang="ja-JP" dirty="0"/>
-              <a:t>0-255</a:t>
-            </a:r>
-            <a:r>
-              <a:rPr lang="ja-JP" altLang="en-US" dirty="0"/>
-              <a:t>の整数値からなる</a:t>
-            </a:r>
-            <a:br>
-              <a:rPr lang="en-US" altLang="ja-JP" dirty="0"/>
-            </a:br>
-            <a:r>
-              <a:rPr lang="ja-JP" altLang="en-US" dirty="0"/>
-              <a:t>グレイスケール</a:t>
-            </a:r>
-            <a:endParaRPr lang="en-US" altLang="ja-JP" dirty="0"/>
-          </a:p>
-          <a:p>
-            <a:pPr lvl="1"/>
+              <a:t>を使えば下記でまとめてダウンロードできます</a:t>
+            </a:r>
             <a:endParaRPr kumimoji="1" lang="ja-JP" altLang="en-US" dirty="0"/>
           </a:p>
         </p:txBody>
       </p:sp>
-      <p:pic>
-        <p:nvPicPr>
-          <p:cNvPr id="4" name="図 3"/>
-          <p:cNvPicPr>
-            <a:picLocks noChangeAspect="1"/>
-          </p:cNvPicPr>
+      <p:sp>
+        <p:nvSpPr>
+          <p:cNvPr id="4" name="正方形/長方形 3"/>
+          <p:cNvSpPr/>
           <p:nvPr/>
-        </p:nvPicPr>
-        <p:blipFill>
-          <a:blip r:embed="rId2"/>
-          <a:stretch>
-            <a:fillRect/>
-          </a:stretch>
-        </p:blipFill>
-        <p:spPr>
-          <a:xfrm>
-            <a:off x="5208494" y="3659840"/>
-            <a:ext cx="3756212" cy="2817159"/>
+        </p:nvSpPr>
+        <p:spPr>
+          <a:xfrm>
+            <a:off x="596713" y="3810000"/>
+            <a:ext cx="7950574" cy="519953"/>
           </a:xfrm>
           <a:prstGeom prst="rect">
             <a:avLst/>
           </a:prstGeom>
-        </p:spPr>
-      </p:pic>
+          <a:solidFill>
+            <a:schemeClr val="bg2"/>
+          </a:solidFill>
+          <a:ln w="60325">
+            <a:noFill/>
+          </a:ln>
+        </p:spPr>
+        <p:style>
+          <a:lnRef idx="2">
+            <a:schemeClr val="accent1">
+              <a:shade val="50000"/>
+            </a:schemeClr>
+          </a:lnRef>
+          <a:fillRef idx="1">
+            <a:schemeClr val="accent1"/>
+          </a:fillRef>
+          <a:effectRef idx="0">
+            <a:schemeClr val="accent1"/>
+          </a:effectRef>
+          <a:fontRef idx="minor">
+            <a:schemeClr val="lt1"/>
+          </a:fontRef>
+        </p:style>
+        <p:txBody>
+          <a:bodyPr rtlCol="0" anchor="ctr"/>
+          <a:lstStyle/>
+          <a:p>
+            <a:r>
+              <a:rPr kumimoji="1" lang="en-US" altLang="ja-JP" sz="2000" dirty="0">
+                <a:solidFill>
+                  <a:schemeClr val="tx1"/>
+                </a:solidFill>
+                <a:latin typeface="MS PGothic" charset="-128"/>
+                <a:ea typeface="MS PGothic" charset="-128"/>
+                <a:cs typeface="MS PGothic" charset="-128"/>
+              </a:rPr>
+              <a:t>$ </a:t>
+            </a:r>
+            <a:r>
+              <a:rPr kumimoji="1" lang="en-US" altLang="ja-JP" sz="2000" dirty="0" err="1">
+                <a:solidFill>
+                  <a:schemeClr val="tx1"/>
+                </a:solidFill>
+                <a:latin typeface="MS PGothic" charset="-128"/>
+                <a:ea typeface="MS PGothic" charset="-128"/>
+                <a:cs typeface="MS PGothic" charset="-128"/>
+              </a:rPr>
+              <a:t>git</a:t>
+            </a:r>
+            <a:r>
+              <a:rPr lang="en-US" altLang="ja-JP" sz="2000" dirty="0">
+                <a:solidFill>
+                  <a:schemeClr val="tx1"/>
+                </a:solidFill>
+                <a:latin typeface="MS PGothic" charset="-128"/>
+                <a:ea typeface="MS PGothic" charset="-128"/>
+                <a:cs typeface="MS PGothic" charset="-128"/>
+              </a:rPr>
+              <a:t> clone https://</a:t>
+            </a:r>
+            <a:r>
+              <a:rPr lang="en-US" altLang="ja-JP" sz="2000" dirty="0" err="1">
+                <a:solidFill>
+                  <a:schemeClr val="tx1"/>
+                </a:solidFill>
+                <a:latin typeface="MS PGothic" charset="-128"/>
+                <a:ea typeface="MS PGothic" charset="-128"/>
+                <a:cs typeface="MS PGothic" charset="-128"/>
+              </a:rPr>
+              <a:t>github.com</a:t>
+            </a:r>
+            <a:r>
+              <a:rPr lang="en-US" altLang="ja-JP" sz="2000" dirty="0">
+                <a:solidFill>
+                  <a:schemeClr val="tx1"/>
+                </a:solidFill>
+                <a:latin typeface="MS PGothic" charset="-128"/>
+                <a:ea typeface="MS PGothic" charset="-128"/>
+                <a:cs typeface="MS PGothic" charset="-128"/>
+              </a:rPr>
+              <a:t>/</a:t>
+            </a:r>
+            <a:r>
+              <a:rPr lang="en-US" altLang="ja-JP" sz="2000" dirty="0" err="1">
+                <a:solidFill>
+                  <a:schemeClr val="tx1"/>
+                </a:solidFill>
+                <a:latin typeface="MS PGothic" charset="-128"/>
+                <a:ea typeface="MS PGothic" charset="-128"/>
+                <a:cs typeface="MS PGothic" charset="-128"/>
+              </a:rPr>
+              <a:t>NaohiroTawara</a:t>
+            </a:r>
+            <a:r>
+              <a:rPr lang="en-US" altLang="ja-JP" sz="2000" dirty="0">
+                <a:solidFill>
+                  <a:schemeClr val="tx1"/>
+                </a:solidFill>
+                <a:latin typeface="MS PGothic" charset="-128"/>
+                <a:ea typeface="MS PGothic" charset="-128"/>
+                <a:cs typeface="MS PGothic" charset="-128"/>
+              </a:rPr>
+              <a:t>/B3_seminor </a:t>
+            </a:r>
+          </a:p>
+        </p:txBody>
+      </p:sp>
     </p:spTree>
     <p:extLst>
       <p:ext uri="{BB962C8B-B14F-4D97-AF65-F5344CB8AC3E}">
-        <p14:creationId xmlns:p14="http://schemas.microsoft.com/office/powerpoint/2010/main" val="985068117"/>
+        <p14:creationId xmlns:p14="http://schemas.microsoft.com/office/powerpoint/2010/main" val="77281029"/>
       </p:ext>
     </p:extLst>
   </p:cSld>
@@ -8409,14 +9141,19 @@
             <p:ph type="title"/>
           </p:nvPr>
         </p:nvSpPr>
-        <p:spPr/>
+        <p:spPr>
+          <a:xfrm>
+            <a:off x="235532" y="333871"/>
+            <a:ext cx="8716139" cy="1325563"/>
+          </a:xfrm>
+        </p:spPr>
         <p:txBody>
           <a:bodyPr/>
           <a:lstStyle/>
           <a:p>
             <a:r>
               <a:rPr lang="ja-JP" altLang="en-US" dirty="0"/>
-              <a:t>実行時の注意</a:t>
+              <a:t>課題（結果の提出は求めません）</a:t>
             </a:r>
             <a:endParaRPr kumimoji="1" lang="ja-JP" altLang="en-US" dirty="0"/>
           </a:p>
@@ -8432,44 +9169,134 @@
             <p:ph idx="1"/>
           </p:nvPr>
         </p:nvSpPr>
-        <p:spPr/>
-        <p:txBody>
-          <a:bodyPr/>
+        <p:spPr>
+          <a:xfrm>
+            <a:off x="628650" y="1825624"/>
+            <a:ext cx="7886700" cy="5032375"/>
+          </a:xfrm>
+        </p:spPr>
+        <p:txBody>
+          <a:bodyPr>
+            <a:normAutofit lnSpcReduction="10000"/>
+          </a:bodyPr>
           <a:lstStyle/>
           <a:p>
+            <a:pPr marL="514350" indent="-514350">
+              <a:buFont typeface="+mj-lt"/>
+              <a:buAutoNum type="arabicPeriod"/>
+            </a:pPr>
+            <a:r>
+              <a:rPr kumimoji="1" lang="ja-JP" altLang="en-US" dirty="0"/>
+              <a:t>サンプルプログラムを回して手書き数字認識用ニューラルネットワークを構築してみよう</a:t>
+            </a:r>
+            <a:endParaRPr kumimoji="1" lang="en-US" altLang="ja-JP" dirty="0"/>
+          </a:p>
+          <a:p>
+            <a:pPr lvl="1"/>
+            <a:endParaRPr kumimoji="1" lang="en-US" altLang="ja-JP" dirty="0"/>
+          </a:p>
+          <a:p>
+            <a:pPr marL="514350" indent="-514350">
+              <a:buFont typeface="+mj-lt"/>
+              <a:buAutoNum type="arabicPeriod"/>
+            </a:pPr>
+            <a:endParaRPr lang="en-US" altLang="ja-JP" dirty="0"/>
+          </a:p>
+          <a:p>
+            <a:pPr marL="514350" indent="-514350">
+              <a:buFont typeface="+mj-lt"/>
+              <a:buAutoNum type="arabicPeriod"/>
+            </a:pPr>
+            <a:r>
+              <a:rPr kumimoji="1" lang="ja-JP" altLang="en-US" dirty="0"/>
+              <a:t>作成したニューラルネットワークを可視化してみよう</a:t>
+            </a:r>
+            <a:br>
+              <a:rPr kumimoji="1" lang="en-US" altLang="ja-JP" dirty="0"/>
+            </a:br>
+            <a:endParaRPr kumimoji="1" lang="en-US" altLang="ja-JP" dirty="0"/>
+          </a:p>
+          <a:p>
+            <a:pPr marL="514350" indent="-514350">
+              <a:buFont typeface="+mj-lt"/>
+              <a:buAutoNum type="arabicPeriod"/>
+            </a:pPr>
+            <a:endParaRPr lang="en-US" altLang="ja-JP" dirty="0"/>
+          </a:p>
+          <a:p>
+            <a:pPr marL="514350" indent="-514350">
+              <a:buFont typeface="+mj-lt"/>
+              <a:buAutoNum type="arabicPeriod"/>
+            </a:pPr>
+            <a:r>
+              <a:rPr kumimoji="1" lang="ja-JP" altLang="en-US" dirty="0"/>
+              <a:t>ニューラルネットワークの構造（</a:t>
+            </a:r>
+            <a:r>
+              <a:rPr kumimoji="1" lang="ja-JP" altLang="en-US" b="1" dirty="0">
+                <a:solidFill>
+                  <a:srgbClr val="FF0000"/>
+                </a:solidFill>
+              </a:rPr>
+              <a:t>層数やユニット数</a:t>
+            </a:r>
+            <a:r>
+              <a:rPr lang="ja-JP" altLang="en-US" b="1" dirty="0">
+                <a:solidFill>
+                  <a:srgbClr val="FF0000"/>
+                </a:solidFill>
+              </a:rPr>
+              <a:t>、ミニバッチサイズなど</a:t>
+            </a:r>
+            <a:r>
+              <a:rPr kumimoji="1" lang="ja-JP" altLang="en-US" dirty="0"/>
+              <a:t>）を変え</a:t>
+            </a:r>
             <a:r>
               <a:rPr lang="ja-JP" altLang="en-US" dirty="0"/>
-              <a:t>初回時のみ下記のコマンドにより必要なライブラリをインストールする必要があります</a:t>
-            </a:r>
-            <a:br>
-              <a:rPr lang="en-US" altLang="ja-JP" dirty="0"/>
-            </a:br>
+              <a:t>て学習した</a:t>
+            </a:r>
+            <a:r>
+              <a:rPr kumimoji="1" lang="ja-JP" altLang="en-US" dirty="0"/>
+              <a:t>ときに結果</a:t>
+            </a:r>
+            <a:r>
+              <a:rPr lang="ja-JP" altLang="en-US" dirty="0"/>
+              <a:t>（</a:t>
+            </a:r>
+            <a:r>
+              <a:rPr lang="ja-JP" altLang="en-US" b="1" dirty="0">
+                <a:solidFill>
+                  <a:srgbClr val="FF0000"/>
+                </a:solidFill>
+              </a:rPr>
+              <a:t>認識精度や計算時間など</a:t>
+            </a:r>
+            <a:r>
+              <a:rPr lang="ja-JP" altLang="en-US" dirty="0"/>
+              <a:t>）</a:t>
+            </a:r>
+            <a:r>
+              <a:rPr kumimoji="1" lang="ja-JP" altLang="en-US" dirty="0"/>
+              <a:t>がどのように変わるか見てみよう</a:t>
+            </a:r>
             <a:endParaRPr lang="en-US" altLang="ja-JP" dirty="0"/>
           </a:p>
           <a:p>
-            <a:endParaRPr lang="en-US" altLang="ja-JP" dirty="0"/>
-          </a:p>
-          <a:p>
-            <a:r>
-              <a:rPr lang="ja-JP" altLang="en-US" dirty="0"/>
-              <a:t>環境によっては他にもライブラリが必要な可能性があるので、もし下記のエラーが出たら適宜インストールしてください</a:t>
-            </a:r>
-            <a:endParaRPr lang="en-US" altLang="ja-JP" dirty="0"/>
-          </a:p>
-          <a:p>
-            <a:endParaRPr kumimoji="1" lang="ja-JP" altLang="en-US" dirty="0"/>
-          </a:p>
-        </p:txBody>
-      </p:sp>
-      <p:sp>
-        <p:nvSpPr>
-          <p:cNvPr id="4" name="正方形/長方形 3"/>
+            <a:pPr lvl="1"/>
+            <a:endParaRPr kumimoji="1" lang="en-US" altLang="ja-JP" dirty="0"/>
+          </a:p>
+        </p:txBody>
+      </p:sp>
+      <p:sp>
+        <p:nvSpPr>
+          <p:cNvPr id="5" name="正方形/長方形 4"/>
           <p:cNvSpPr/>
           <p:nvPr/>
         </p:nvSpPr>
         <p:spPr>
           <a:xfrm>
-            <a:off x="735258" y="2692143"/>
+            <a:off x="610720" y="2617695"/>
             <a:ext cx="7950574" cy="519953"/>
           </a:xfrm>
           <a:prstGeom prst="rect">
@@ -8511,7 +9338,7 @@
                 <a:ea typeface="MS PGothic" charset="-128"/>
                 <a:cs typeface="MS PGothic" charset="-128"/>
               </a:rPr>
-              <a:t>$ pip install </a:t>
+              <a:t>$ python </a:t>
             </a:r>
             <a:r>
               <a:rPr kumimoji="1" lang="en-US" altLang="ja-JP" sz="2000" dirty="0" err="1">
@@ -8522,7 +9349,7 @@
                 <a:ea typeface="MS PGothic" charset="-128"/>
                 <a:cs typeface="MS PGothic" charset="-128"/>
               </a:rPr>
-              <a:t>chainer</a:t>
+              <a:t>train_mnist.py</a:t>
             </a:r>
             <a:r>
               <a:rPr kumimoji="1" lang="en-US" altLang="ja-JP" sz="2000" dirty="0">
@@ -8535,94 +9362,6 @@
               </a:rPr>
               <a:t> </a:t>
             </a:r>
-            <a:r>
-              <a:rPr kumimoji="1" lang="en-US" altLang="ja-JP" sz="2000" dirty="0" err="1">
-                <a:solidFill>
-                  <a:schemeClr val="tx1"/>
-                </a:solidFill>
-                <a:latin typeface="MS PGothic" charset="-128"/>
-                <a:ea typeface="MS PGothic" charset="-128"/>
-                <a:cs typeface="MS PGothic" charset="-128"/>
-              </a:rPr>
-              <a:t>matplotlib</a:t>
-            </a:r>
-            <a:r>
-              <a:rPr kumimoji="1" lang="en-US" altLang="ja-JP" sz="2000" dirty="0">
-                <a:solidFill>
-                  <a:schemeClr val="tx1"/>
-                </a:solidFill>
-                <a:latin typeface="MS PGothic" charset="-128"/>
-                <a:ea typeface="MS PGothic" charset="-128"/>
-                <a:cs typeface="MS PGothic" charset="-128"/>
-              </a:rPr>
-              <a:t> </a:t>
-            </a:r>
-            <a:r>
-              <a:rPr kumimoji="1" lang="en-US" altLang="ja-JP" sz="2000" dirty="0" err="1">
-                <a:solidFill>
-                  <a:schemeClr val="tx1"/>
-                </a:solidFill>
-                <a:latin typeface="MS PGothic" charset="-128"/>
-                <a:ea typeface="MS PGothic" charset="-128"/>
-                <a:cs typeface="MS PGothic" charset="-128"/>
-              </a:rPr>
-              <a:t>sklearn</a:t>
-            </a:r>
-            <a:r>
-              <a:rPr kumimoji="1" lang="en-US" altLang="ja-JP" sz="2000" dirty="0">
-                <a:solidFill>
-                  <a:schemeClr val="tx1"/>
-                </a:solidFill>
-                <a:latin typeface="MS PGothic" charset="-128"/>
-                <a:ea typeface="MS PGothic" charset="-128"/>
-                <a:cs typeface="MS PGothic" charset="-128"/>
-              </a:rPr>
-              <a:t> </a:t>
-            </a:r>
-            <a:r>
-              <a:rPr kumimoji="1" lang="en-US" altLang="ja-JP" sz="2000" dirty="0" err="1">
-                <a:solidFill>
-                  <a:schemeClr val="tx1"/>
-                </a:solidFill>
-                <a:latin typeface="MS PGothic" charset="-128"/>
-                <a:ea typeface="MS PGothic" charset="-128"/>
-                <a:cs typeface="MS PGothic" charset="-128"/>
-              </a:rPr>
-              <a:t>numpy</a:t>
-            </a:r>
-            <a:r>
-              <a:rPr kumimoji="1" lang="en-US" altLang="ja-JP" sz="2000" dirty="0">
-                <a:solidFill>
-                  <a:schemeClr val="tx1"/>
-                </a:solidFill>
-                <a:latin typeface="MS PGothic" charset="-128"/>
-                <a:ea typeface="MS PGothic" charset="-128"/>
-                <a:cs typeface="MS PGothic" charset="-128"/>
-              </a:rPr>
-              <a:t> </a:t>
-            </a:r>
-            <a:r>
-              <a:rPr kumimoji="1" lang="en-US" altLang="ja-JP" sz="2000" dirty="0" err="1">
-                <a:solidFill>
-                  <a:schemeClr val="tx1"/>
-                </a:solidFill>
-                <a:latin typeface="MS PGothic" charset="-128"/>
-                <a:ea typeface="MS PGothic" charset="-128"/>
-                <a:cs typeface="MS PGothic" charset="-128"/>
-              </a:rPr>
-              <a:t>pydotplus</a:t>
-            </a:r>
-            <a:r>
-              <a:rPr kumimoji="1" lang="en-US" altLang="ja-JP" sz="2000" dirty="0">
-                <a:solidFill>
-                  <a:schemeClr val="tx1"/>
-                </a:solidFill>
-                <a:latin typeface="MS PGothic" charset="-128"/>
-                <a:ea typeface="MS PGothic" charset="-128"/>
-                <a:cs typeface="MS PGothic" charset="-128"/>
-              </a:rPr>
-              <a:t> Image </a:t>
-            </a:r>
             <a:endParaRPr lang="en-US" altLang="ja-JP" sz="2000" dirty="0">
               <a:solidFill>
                 <a:schemeClr val="tx1"/>
@@ -8642,7 +9381,7 @@
         </p:nvSpPr>
         <p:spPr>
           <a:xfrm>
-            <a:off x="650017" y="5010594"/>
+            <a:off x="628650" y="4137352"/>
             <a:ext cx="7950574" cy="519953"/>
           </a:xfrm>
           <a:prstGeom prst="rect">
@@ -8676,6 +9415,17 @@
           <a:lstStyle/>
           <a:p>
             <a:r>
+              <a:rPr lang="en-US" altLang="ja-JP" sz="2000" dirty="0">
+                <a:solidFill>
+                  <a:schemeClr val="tx1"/>
+                </a:solidFill>
+                <a:latin typeface="MS PGothic" charset="-128"/>
+                <a:ea typeface="MS PGothic" charset="-128"/>
+                <a:cs typeface="MS PGothic" charset="-128"/>
+              </a:rPr>
+              <a:t>$ </a:t>
+            </a:r>
+            <a:r>
               <a:rPr lang="en-US" altLang="ja-JP" sz="2000" dirty="0" err="1">
                 <a:solidFill>
                   <a:schemeClr val="tx1"/>
@@ -8684,7 +9434,7 @@
                 <a:ea typeface="MS PGothic" charset="-128"/>
                 <a:cs typeface="MS PGothic" charset="-128"/>
               </a:rPr>
-              <a:t>ImportError</a:t>
+              <a:t>jupyter</a:t>
             </a:r>
             <a:r>
               <a:rPr lang="en-US" altLang="ja-JP" sz="2000" dirty="0">
@@ -8695,10 +9445,10 @@
                 <a:ea typeface="MS PGothic" charset="-128"/>
                 <a:cs typeface="MS PGothic" charset="-128"/>
               </a:rPr>
-              <a:t>: No module named &lt;</a:t>
-            </a:r>
-            <a:r>
-              <a:rPr lang="ja-JP" altLang="en-US" sz="2000" dirty="0">
+              <a:t> notebook </a:t>
+            </a:r>
+            <a:r>
+              <a:rPr lang="en-US" altLang="ja-JP" sz="2000" dirty="0" err="1">
                 <a:solidFill>
                   <a:schemeClr val="tx1"/>
                 </a:solidFill>
@@ -8706,26 +9456,23 @@
                 <a:ea typeface="MS PGothic" charset="-128"/>
                 <a:cs typeface="MS PGothic" charset="-128"/>
               </a:rPr>
-              <a:t>ライブラリ名</a:t>
-            </a:r>
-            <a:r>
-              <a:rPr lang="en-US" altLang="ja-JP" sz="2000" dirty="0">
-                <a:solidFill>
-                  <a:schemeClr val="tx1"/>
-                </a:solidFill>
-                <a:latin typeface="MS PGothic" charset="-128"/>
-                <a:ea typeface="MS PGothic" charset="-128"/>
-                <a:cs typeface="MS PGothic" charset="-128"/>
-              </a:rPr>
-              <a:t>&gt;</a:t>
-            </a:r>
+              <a:t>analyze_mnist.ipynb</a:t>
+            </a:r>
+            <a:endParaRPr lang="en-US" altLang="ja-JP" sz="2000" dirty="0">
+              <a:solidFill>
+                <a:schemeClr val="tx1"/>
+              </a:solidFill>
+              <a:latin typeface="MS PGothic" charset="-128"/>
+              <a:ea typeface="MS PGothic" charset="-128"/>
+              <a:cs typeface="MS PGothic" charset="-128"/>
+            </a:endParaRPr>
           </a:p>
         </p:txBody>
       </p:sp>
     </p:spTree>
     <p:extLst>
       <p:ext uri="{BB962C8B-B14F-4D97-AF65-F5344CB8AC3E}">
-        <p14:creationId xmlns:p14="http://schemas.microsoft.com/office/powerpoint/2010/main" val="1505461587"/>
+        <p14:creationId xmlns:p14="http://schemas.microsoft.com/office/powerpoint/2010/main" val="358949428"/>
       </p:ext>
     </p:extLst>
   </p:cSld>
@@ -8768,15 +9515,127 @@
           <a:lstStyle/>
           <a:p>
             <a:r>
+              <a:rPr lang="ja-JP" altLang="en-US" dirty="0"/>
+              <a:t>手書き文字（</a:t>
+            </a:r>
+            <a:r>
+              <a:rPr lang="en-US" altLang="ja-JP" dirty="0"/>
+              <a:t>MNIST</a:t>
+            </a:r>
+            <a:r>
+              <a:rPr lang="ja-JP" altLang="en-US" dirty="0"/>
+              <a:t>）</a:t>
+            </a:r>
+            <a:endParaRPr kumimoji="1" lang="ja-JP" altLang="en-US" dirty="0"/>
+          </a:p>
+        </p:txBody>
+      </p:sp>
+      <p:sp>
+        <p:nvSpPr>
+          <p:cNvPr id="3" name="コンテンツ プレースホルダー 2"/>
+          <p:cNvSpPr>
+            <a:spLocks noGrp="1"/>
+          </p:cNvSpPr>
+          <p:nvPr>
+            <p:ph idx="1"/>
+          </p:nvPr>
+        </p:nvSpPr>
+        <p:spPr/>
+        <p:txBody>
+          <a:bodyPr/>
+          <a:lstStyle/>
+          <a:p>
+            <a:r>
+              <a:rPr kumimoji="1" lang="en-US" altLang="ja-JP" dirty="0"/>
+              <a:t>0〜9</a:t>
+            </a:r>
+            <a:r>
               <a:rPr kumimoji="1" lang="ja-JP" altLang="en-US" dirty="0"/>
-              <a:t>実行例</a:t>
-            </a:r>
+              <a:t>の手書き文字</a:t>
+            </a:r>
+            <a:endParaRPr kumimoji="1" lang="en-US" altLang="ja-JP" dirty="0"/>
+          </a:p>
+          <a:p>
+            <a:r>
+              <a:rPr lang="ja-JP" altLang="en-US" dirty="0"/>
+              <a:t>データ数</a:t>
+            </a:r>
+            <a:endParaRPr lang="en-US" altLang="ja-JP" dirty="0"/>
+          </a:p>
+          <a:p>
+            <a:pPr lvl="1"/>
+            <a:r>
+              <a:rPr lang="ja-JP" altLang="en-US" dirty="0"/>
+              <a:t>学習用：</a:t>
+            </a:r>
+            <a:r>
+              <a:rPr lang="en-US" altLang="ja-JP" dirty="0"/>
+              <a:t>60000</a:t>
+            </a:r>
+            <a:r>
+              <a:rPr lang="ja-JP" altLang="en-US" dirty="0"/>
+              <a:t>サンプル</a:t>
+            </a:r>
+            <a:endParaRPr lang="en-US" altLang="ja-JP" dirty="0"/>
+          </a:p>
+          <a:p>
+            <a:pPr lvl="1"/>
+            <a:r>
+              <a:rPr kumimoji="1" lang="ja-JP" altLang="en-US" dirty="0"/>
+              <a:t>テスト用：</a:t>
+            </a:r>
+            <a:r>
+              <a:rPr lang="en-US" altLang="ja-JP" dirty="0"/>
+              <a:t> 10000</a:t>
+            </a:r>
+            <a:r>
+              <a:rPr lang="ja-JP" altLang="en-US" dirty="0"/>
+              <a:t>サンプル</a:t>
+            </a:r>
+            <a:endParaRPr lang="en-US" altLang="ja-JP" dirty="0"/>
+          </a:p>
+          <a:p>
+            <a:r>
+              <a:rPr lang="ja-JP" altLang="en-US" dirty="0"/>
+              <a:t>データフォーマット</a:t>
+            </a:r>
+            <a:endParaRPr lang="en-US" altLang="ja-JP" dirty="0"/>
+          </a:p>
+          <a:p>
+            <a:pPr lvl="1"/>
+            <a:r>
+              <a:rPr lang="en-US" altLang="ja-JP" dirty="0"/>
+              <a:t>28 × 28 pixel </a:t>
+            </a:r>
+          </a:p>
+          <a:p>
+            <a:pPr lvl="1"/>
+            <a:r>
+              <a:rPr lang="en-US" altLang="ja-JP" dirty="0"/>
+              <a:t>0-255</a:t>
+            </a:r>
+            <a:r>
+              <a:rPr lang="ja-JP" altLang="en-US" dirty="0"/>
+              <a:t>の整数値からなる</a:t>
+            </a:r>
+            <a:br>
+              <a:rPr lang="en-US" altLang="ja-JP" dirty="0"/>
+            </a:br>
+            <a:r>
+              <a:rPr lang="ja-JP" altLang="en-US" dirty="0"/>
+              <a:t>グレイスケール</a:t>
+            </a:r>
+            <a:endParaRPr lang="en-US" altLang="ja-JP" dirty="0"/>
+          </a:p>
+          <a:p>
+            <a:pPr lvl="1"/>
+            <a:endParaRPr kumimoji="1" lang="ja-JP" altLang="en-US" dirty="0"/>
           </a:p>
         </p:txBody>
       </p:sp>
       <p:pic>
         <p:nvPicPr>
-          <p:cNvPr id="5" name="図 4"/>
+          <p:cNvPr id="4" name="図 3"/>
           <p:cNvPicPr>
             <a:picLocks noChangeAspect="1"/>
           </p:cNvPicPr>
@@ -8790,511 +9649,18 @@
         </p:blipFill>
         <p:spPr>
           <a:xfrm>
-            <a:off x="0" y="1825625"/>
-            <a:ext cx="9144000" cy="3362690"/>
+            <a:off x="5208494" y="3659840"/>
+            <a:ext cx="3756212" cy="2817159"/>
           </a:xfrm>
           <a:prstGeom prst="rect">
             <a:avLst/>
           </a:prstGeom>
         </p:spPr>
       </p:pic>
-      <p:sp>
-        <p:nvSpPr>
-          <p:cNvPr id="7" name="正方形/長方形 6"/>
-          <p:cNvSpPr/>
-          <p:nvPr/>
-        </p:nvSpPr>
-        <p:spPr>
-          <a:xfrm>
-            <a:off x="0" y="3034145"/>
-            <a:ext cx="7439891" cy="831273"/>
-          </a:xfrm>
-          <a:prstGeom prst="rect">
-            <a:avLst/>
-          </a:prstGeom>
-          <a:noFill/>
-          <a:ln w="60325">
-            <a:solidFill>
-              <a:srgbClr val="FF0000"/>
-            </a:solidFill>
-          </a:ln>
-        </p:spPr>
-        <p:style>
-          <a:lnRef idx="2">
-            <a:schemeClr val="accent1">
-              <a:shade val="50000"/>
-            </a:schemeClr>
-          </a:lnRef>
-          <a:fillRef idx="1">
-            <a:schemeClr val="accent1"/>
-          </a:fillRef>
-          <a:effectRef idx="0">
-            <a:schemeClr val="accent1"/>
-          </a:effectRef>
-          <a:fontRef idx="minor">
-            <a:schemeClr val="lt1"/>
-          </a:fontRef>
-        </p:style>
-        <p:txBody>
-          <a:bodyPr rtlCol="0" anchor="ctr"/>
-          <a:lstStyle/>
-          <a:p>
-            <a:pPr algn="ctr"/>
-            <a:endParaRPr kumimoji="1" lang="ja-JP" altLang="en-US"/>
-          </a:p>
-        </p:txBody>
-      </p:sp>
-      <p:sp>
-        <p:nvSpPr>
-          <p:cNvPr id="8" name="テキスト ボックス 7"/>
-          <p:cNvSpPr txBox="1"/>
-          <p:nvPr/>
-        </p:nvSpPr>
-        <p:spPr>
-          <a:xfrm>
-            <a:off x="5962563" y="2298406"/>
-            <a:ext cx="2954655" cy="646331"/>
-          </a:xfrm>
-          <a:prstGeom prst="rect">
-            <a:avLst/>
-          </a:prstGeom>
-          <a:solidFill>
-            <a:schemeClr val="bg1"/>
-          </a:solidFill>
-        </p:spPr>
-        <p:txBody>
-          <a:bodyPr wrap="none" rtlCol="0">
-            <a:spAutoFit/>
-          </a:bodyPr>
-          <a:lstStyle/>
-          <a:p>
-            <a:r>
-              <a:rPr lang="ja-JP" altLang="en-US" dirty="0">
-                <a:latin typeface="Meiryo" charset="-128"/>
-                <a:ea typeface="Meiryo" charset="-128"/>
-                <a:cs typeface="Meiryo" charset="-128"/>
-              </a:rPr>
-              <a:t>初回時のみデータセットの</a:t>
-            </a:r>
-            <a:br>
-              <a:rPr lang="en-US" altLang="ja-JP" dirty="0">
-                <a:latin typeface="Meiryo" charset="-128"/>
-                <a:ea typeface="Meiryo" charset="-128"/>
-                <a:cs typeface="Meiryo" charset="-128"/>
-              </a:rPr>
-            </a:br>
-            <a:r>
-              <a:rPr lang="ja-JP" altLang="en-US" dirty="0">
-                <a:latin typeface="Meiryo" charset="-128"/>
-                <a:ea typeface="Meiryo" charset="-128"/>
-                <a:cs typeface="Meiryo" charset="-128"/>
-              </a:rPr>
-              <a:t>ダウンロードを行う</a:t>
-            </a:r>
-            <a:endParaRPr kumimoji="1" lang="ja-JP" altLang="en-US" dirty="0">
-              <a:latin typeface="Meiryo" charset="-128"/>
-              <a:ea typeface="Meiryo" charset="-128"/>
-              <a:cs typeface="Meiryo" charset="-128"/>
-            </a:endParaRPr>
-          </a:p>
-        </p:txBody>
-      </p:sp>
-      <p:sp>
-        <p:nvSpPr>
-          <p:cNvPr id="9" name="テキスト ボックス 8"/>
-          <p:cNvSpPr txBox="1"/>
-          <p:nvPr/>
-        </p:nvSpPr>
-        <p:spPr>
-          <a:xfrm>
-            <a:off x="0" y="5277723"/>
-            <a:ext cx="5011308" cy="646331"/>
-          </a:xfrm>
-          <a:prstGeom prst="rect">
-            <a:avLst/>
-          </a:prstGeom>
-          <a:solidFill>
-            <a:schemeClr val="bg1"/>
-          </a:solidFill>
-        </p:spPr>
-        <p:txBody>
-          <a:bodyPr wrap="none" rtlCol="0">
-            <a:spAutoFit/>
-          </a:bodyPr>
-          <a:lstStyle/>
-          <a:p>
-            <a:r>
-              <a:rPr lang="ja-JP" altLang="en-US" dirty="0">
-                <a:latin typeface="Meiryo" charset="-128"/>
-                <a:ea typeface="Meiryo" charset="-128"/>
-                <a:cs typeface="Meiryo" charset="-128"/>
-              </a:rPr>
-              <a:t>各</a:t>
-            </a:r>
-            <a:r>
-              <a:rPr lang="en-US" altLang="ja-JP" dirty="0">
-                <a:latin typeface="Meiryo" charset="-128"/>
-                <a:ea typeface="Meiryo" charset="-128"/>
-                <a:cs typeface="Meiryo" charset="-128"/>
-              </a:rPr>
-              <a:t>epoch</a:t>
-            </a:r>
-            <a:r>
-              <a:rPr lang="ja-JP" altLang="en-US" dirty="0">
-                <a:latin typeface="Meiryo" charset="-128"/>
-                <a:ea typeface="Meiryo" charset="-128"/>
-                <a:cs typeface="Meiryo" charset="-128"/>
-              </a:rPr>
-              <a:t>（各データを１回ずつ入力した状態）</a:t>
-            </a:r>
-            <a:br>
-              <a:rPr lang="en-US" altLang="ja-JP" dirty="0">
-                <a:latin typeface="Meiryo" charset="-128"/>
-                <a:ea typeface="Meiryo" charset="-128"/>
-                <a:cs typeface="Meiryo" charset="-128"/>
-              </a:rPr>
-            </a:br>
-            <a:r>
-              <a:rPr lang="ja-JP" altLang="en-US" dirty="0">
-                <a:latin typeface="Meiryo" charset="-128"/>
-                <a:ea typeface="Meiryo" charset="-128"/>
-                <a:cs typeface="Meiryo" charset="-128"/>
-              </a:rPr>
-              <a:t>時の学習・評価データの損失関数の値</a:t>
-            </a:r>
-            <a:endParaRPr kumimoji="1" lang="ja-JP" altLang="en-US" dirty="0">
-              <a:latin typeface="Meiryo" charset="-128"/>
-              <a:ea typeface="Meiryo" charset="-128"/>
-              <a:cs typeface="Meiryo" charset="-128"/>
-            </a:endParaRPr>
-          </a:p>
-        </p:txBody>
-      </p:sp>
-      <p:sp>
-        <p:nvSpPr>
-          <p:cNvPr id="11" name="正方形/長方形 10"/>
-          <p:cNvSpPr/>
-          <p:nvPr/>
-        </p:nvSpPr>
-        <p:spPr>
-          <a:xfrm>
-            <a:off x="1075460" y="4052203"/>
-            <a:ext cx="2000249" cy="270415"/>
-          </a:xfrm>
-          <a:prstGeom prst="rect">
-            <a:avLst/>
-          </a:prstGeom>
-          <a:noFill/>
-          <a:ln w="25400">
-            <a:solidFill>
-              <a:srgbClr val="FF0000"/>
-            </a:solidFill>
-          </a:ln>
-        </p:spPr>
-        <p:style>
-          <a:lnRef idx="2">
-            <a:schemeClr val="accent1">
-              <a:shade val="50000"/>
-            </a:schemeClr>
-          </a:lnRef>
-          <a:fillRef idx="1">
-            <a:schemeClr val="accent1"/>
-          </a:fillRef>
-          <a:effectRef idx="0">
-            <a:schemeClr val="accent1"/>
-          </a:effectRef>
-          <a:fontRef idx="minor">
-            <a:schemeClr val="lt1"/>
-          </a:fontRef>
-        </p:style>
-        <p:txBody>
-          <a:bodyPr rtlCol="0" anchor="ctr"/>
-          <a:lstStyle/>
-          <a:p>
-            <a:pPr algn="ctr"/>
-            <a:endParaRPr kumimoji="1" lang="ja-JP" altLang="en-US"/>
-          </a:p>
-        </p:txBody>
-      </p:sp>
-      <p:sp>
-        <p:nvSpPr>
-          <p:cNvPr id="13" name="正方形/長方形 12"/>
-          <p:cNvSpPr/>
-          <p:nvPr/>
-        </p:nvSpPr>
-        <p:spPr>
-          <a:xfrm>
-            <a:off x="4151169" y="4054601"/>
-            <a:ext cx="2000249" cy="268017"/>
-          </a:xfrm>
-          <a:prstGeom prst="rect">
-            <a:avLst/>
-          </a:prstGeom>
-          <a:noFill/>
-          <a:ln w="22225">
-            <a:solidFill>
-              <a:srgbClr val="FF0000"/>
-            </a:solidFill>
-          </a:ln>
-        </p:spPr>
-        <p:style>
-          <a:lnRef idx="2">
-            <a:schemeClr val="accent1">
-              <a:shade val="50000"/>
-            </a:schemeClr>
-          </a:lnRef>
-          <a:fillRef idx="1">
-            <a:schemeClr val="accent1"/>
-          </a:fillRef>
-          <a:effectRef idx="0">
-            <a:schemeClr val="accent1"/>
-          </a:effectRef>
-          <a:fontRef idx="minor">
-            <a:schemeClr val="lt1"/>
-          </a:fontRef>
-        </p:style>
-        <p:txBody>
-          <a:bodyPr rtlCol="0" anchor="ctr"/>
-          <a:lstStyle/>
-          <a:p>
-            <a:pPr algn="ctr"/>
-            <a:endParaRPr kumimoji="1" lang="ja-JP" altLang="en-US"/>
-          </a:p>
-        </p:txBody>
-      </p:sp>
-      <p:sp>
-        <p:nvSpPr>
-          <p:cNvPr id="14" name="テキスト ボックス 13"/>
-          <p:cNvSpPr txBox="1"/>
-          <p:nvPr/>
-        </p:nvSpPr>
-        <p:spPr>
-          <a:xfrm>
-            <a:off x="6644019" y="4426748"/>
-            <a:ext cx="2492990" cy="646331"/>
-          </a:xfrm>
-          <a:prstGeom prst="rect">
-            <a:avLst/>
-          </a:prstGeom>
-          <a:solidFill>
-            <a:schemeClr val="bg1"/>
-          </a:solidFill>
-        </p:spPr>
-        <p:txBody>
-          <a:bodyPr wrap="none" rtlCol="0">
-            <a:spAutoFit/>
-          </a:bodyPr>
-          <a:lstStyle/>
-          <a:p>
-            <a:r>
-              <a:rPr lang="ja-JP" altLang="en-US" dirty="0">
-                <a:latin typeface="Meiryo" charset="-128"/>
-                <a:ea typeface="Meiryo" charset="-128"/>
-                <a:cs typeface="Meiryo" charset="-128"/>
-              </a:rPr>
-              <a:t>各</a:t>
-            </a:r>
-            <a:r>
-              <a:rPr lang="en-US" altLang="ja-JP" dirty="0">
-                <a:latin typeface="Meiryo" charset="-128"/>
-                <a:ea typeface="Meiryo" charset="-128"/>
-                <a:cs typeface="Meiryo" charset="-128"/>
-              </a:rPr>
-              <a:t>epoch</a:t>
-            </a:r>
-            <a:r>
-              <a:rPr lang="ja-JP" altLang="en-US" dirty="0">
-                <a:latin typeface="Meiryo" charset="-128"/>
-                <a:ea typeface="Meiryo" charset="-128"/>
-                <a:cs typeface="Meiryo" charset="-128"/>
-              </a:rPr>
-              <a:t>時の学習・</a:t>
-            </a:r>
-            <a:br>
-              <a:rPr lang="en-US" altLang="ja-JP" dirty="0">
-                <a:latin typeface="Meiryo" charset="-128"/>
-                <a:ea typeface="Meiryo" charset="-128"/>
-                <a:cs typeface="Meiryo" charset="-128"/>
-              </a:rPr>
-            </a:br>
-            <a:r>
-              <a:rPr lang="ja-JP" altLang="en-US" dirty="0">
-                <a:latin typeface="Meiryo" charset="-128"/>
-                <a:ea typeface="Meiryo" charset="-128"/>
-                <a:cs typeface="Meiryo" charset="-128"/>
-              </a:rPr>
-              <a:t>評価データの認識精度</a:t>
-            </a:r>
-            <a:endParaRPr kumimoji="1" lang="ja-JP" altLang="en-US" dirty="0">
-              <a:latin typeface="Meiryo" charset="-128"/>
-              <a:ea typeface="Meiryo" charset="-128"/>
-              <a:cs typeface="Meiryo" charset="-128"/>
-            </a:endParaRPr>
-          </a:p>
-        </p:txBody>
-      </p:sp>
-      <p:sp>
-        <p:nvSpPr>
-          <p:cNvPr id="15" name="テキスト ボックス 14"/>
-          <p:cNvSpPr txBox="1"/>
-          <p:nvPr/>
-        </p:nvSpPr>
-        <p:spPr>
-          <a:xfrm>
-            <a:off x="7890514" y="3465766"/>
-            <a:ext cx="1107996" cy="369332"/>
-          </a:xfrm>
-          <a:prstGeom prst="rect">
-            <a:avLst/>
-          </a:prstGeom>
-          <a:solidFill>
-            <a:schemeClr val="bg1"/>
-          </a:solidFill>
-        </p:spPr>
-        <p:txBody>
-          <a:bodyPr wrap="none" rtlCol="0">
-            <a:spAutoFit/>
-          </a:bodyPr>
-          <a:lstStyle/>
-          <a:p>
-            <a:r>
-              <a:rPr lang="ja-JP" altLang="en-US">
-                <a:latin typeface="Meiryo" charset="-128"/>
-                <a:ea typeface="Meiryo" charset="-128"/>
-                <a:cs typeface="Meiryo" charset="-128"/>
-              </a:rPr>
-              <a:t>経過時間</a:t>
-            </a:r>
-            <a:endParaRPr kumimoji="1" lang="ja-JP" altLang="en-US" dirty="0">
-              <a:latin typeface="Meiryo" charset="-128"/>
-              <a:ea typeface="Meiryo" charset="-128"/>
-              <a:cs typeface="Meiryo" charset="-128"/>
-            </a:endParaRPr>
-          </a:p>
-        </p:txBody>
-      </p:sp>
-      <p:sp>
-        <p:nvSpPr>
-          <p:cNvPr id="16" name="正方形/長方形 15"/>
-          <p:cNvSpPr/>
-          <p:nvPr/>
-        </p:nvSpPr>
-        <p:spPr>
-          <a:xfrm>
-            <a:off x="7716982" y="4088111"/>
-            <a:ext cx="1335145" cy="223402"/>
-          </a:xfrm>
-          <a:prstGeom prst="rect">
-            <a:avLst/>
-          </a:prstGeom>
-          <a:noFill/>
-          <a:ln w="22225">
-            <a:solidFill>
-              <a:srgbClr val="FF0000"/>
-            </a:solidFill>
-          </a:ln>
-        </p:spPr>
-        <p:style>
-          <a:lnRef idx="2">
-            <a:schemeClr val="accent1">
-              <a:shade val="50000"/>
-            </a:schemeClr>
-          </a:lnRef>
-          <a:fillRef idx="1">
-            <a:schemeClr val="accent1"/>
-          </a:fillRef>
-          <a:effectRef idx="0">
-            <a:schemeClr val="accent1"/>
-          </a:effectRef>
-          <a:fontRef idx="minor">
-            <a:schemeClr val="lt1"/>
-          </a:fontRef>
-        </p:style>
-        <p:txBody>
-          <a:bodyPr rtlCol="0" anchor="ctr"/>
-          <a:lstStyle/>
-          <a:p>
-            <a:pPr algn="ctr"/>
-            <a:endParaRPr kumimoji="1" lang="ja-JP" altLang="en-US"/>
-          </a:p>
-        </p:txBody>
-      </p:sp>
-      <p:cxnSp>
-        <p:nvCxnSpPr>
-          <p:cNvPr id="18" name="直線矢印コネクタ 17"/>
-          <p:cNvCxnSpPr/>
-          <p:nvPr/>
-        </p:nvCxnSpPr>
-        <p:spPr>
-          <a:xfrm flipV="1">
-            <a:off x="277091" y="4311513"/>
-            <a:ext cx="798369" cy="966210"/>
-          </a:xfrm>
-          <a:prstGeom prst="straightConnector1">
-            <a:avLst/>
-          </a:prstGeom>
-          <a:ln w="47625">
-            <a:solidFill>
-              <a:srgbClr val="FF0000"/>
-            </a:solidFill>
-            <a:tailEnd type="triangle"/>
-          </a:ln>
-        </p:spPr>
-        <p:style>
-          <a:lnRef idx="1">
-            <a:schemeClr val="accent1"/>
-          </a:lnRef>
-          <a:fillRef idx="0">
-            <a:schemeClr val="accent1"/>
-          </a:fillRef>
-          <a:effectRef idx="0">
-            <a:schemeClr val="accent1"/>
-          </a:effectRef>
-          <a:fontRef idx="minor">
-            <a:schemeClr val="tx1"/>
-          </a:fontRef>
-        </p:style>
-      </p:cxnSp>
-      <p:cxnSp>
-        <p:nvCxnSpPr>
-          <p:cNvPr id="19" name="直線矢印コネクタ 18"/>
-          <p:cNvCxnSpPr/>
-          <p:nvPr/>
-        </p:nvCxnSpPr>
-        <p:spPr>
-          <a:xfrm flipH="1" flipV="1">
-            <a:off x="6220700" y="4153257"/>
-            <a:ext cx="706573" cy="273491"/>
-          </a:xfrm>
-          <a:prstGeom prst="straightConnector1">
-            <a:avLst/>
-          </a:prstGeom>
-          <a:ln w="47625">
-            <a:solidFill>
-              <a:srgbClr val="FF0000"/>
-            </a:solidFill>
-            <a:tailEnd type="triangle"/>
-          </a:ln>
-        </p:spPr>
-        <p:style>
-          <a:lnRef idx="1">
-            <a:schemeClr val="accent1"/>
-          </a:lnRef>
-          <a:fillRef idx="0">
-            <a:schemeClr val="accent1"/>
-          </a:fillRef>
-          <a:effectRef idx="0">
-            <a:schemeClr val="accent1"/>
-          </a:effectRef>
-          <a:fontRef idx="minor">
-            <a:schemeClr val="tx1"/>
-          </a:fontRef>
-        </p:style>
-      </p:cxnSp>
     </p:spTree>
     <p:extLst>
       <p:ext uri="{BB962C8B-B14F-4D97-AF65-F5344CB8AC3E}">
-        <p14:creationId xmlns:p14="http://schemas.microsoft.com/office/powerpoint/2010/main" val="1053220854"/>
+        <p14:creationId xmlns:p14="http://schemas.microsoft.com/office/powerpoint/2010/main" val="985068117"/>
       </p:ext>
     </p:extLst>
   </p:cSld>
